--- a/문서자료/2019_자연대학술창의력경연대회_컴퓨터과학과_토레스트.pptx
+++ b/문서자료/2019_자연대학술창의력경연대회_컴퓨터과학과_토레스트.pptx
@@ -6,21 +6,18 @@
   </p:sldMasterIdLst>
   <p:sldIdLst>
     <p:sldId id="256" r:id="rId2"/>
-    <p:sldId id="261" r:id="rId3"/>
-    <p:sldId id="257" r:id="rId4"/>
-    <p:sldId id="262" r:id="rId5"/>
-    <p:sldId id="258" r:id="rId6"/>
-    <p:sldId id="259" r:id="rId7"/>
-    <p:sldId id="263" r:id="rId8"/>
-    <p:sldId id="264" r:id="rId9"/>
-    <p:sldId id="265" r:id="rId10"/>
-    <p:sldId id="266" r:id="rId11"/>
-    <p:sldId id="279" r:id="rId12"/>
-    <p:sldId id="276" r:id="rId13"/>
-    <p:sldId id="274" r:id="rId14"/>
-    <p:sldId id="277" r:id="rId15"/>
-    <p:sldId id="283" r:id="rId16"/>
-    <p:sldId id="267" r:id="rId17"/>
+    <p:sldId id="257" r:id="rId3"/>
+    <p:sldId id="258" r:id="rId4"/>
+    <p:sldId id="259" r:id="rId5"/>
+    <p:sldId id="260" r:id="rId6"/>
+    <p:sldId id="261" r:id="rId7"/>
+    <p:sldId id="262" r:id="rId8"/>
+    <p:sldId id="263" r:id="rId9"/>
+    <p:sldId id="264" r:id="rId10"/>
+    <p:sldId id="265" r:id="rId11"/>
+    <p:sldId id="266" r:id="rId12"/>
+    <p:sldId id="267" r:id="rId13"/>
+    <p:sldId id="268" r:id="rId14"/>
   </p:sldIdLst>
   <p:sldSz cx="12192000" cy="6858000"/>
   <p:notesSz cx="6858000" cy="9144000"/>
@@ -119,11 +116,6 @@
       </a:defRPr>
     </a:lvl9pPr>
   </p:defaultTextStyle>
-  <p:extLst>
-    <p:ext uri="{EFAFB233-063F-42B5-8137-9DF3F51BA10A}">
-      <p15:sldGuideLst xmlns:p15="http://schemas.microsoft.com/office/powerpoint/2012/main"/>
-    </p:ext>
-  </p:extLst>
 </p:presentation>
 </file>
 
@@ -149,7 +141,7 @@
           <p:cNvPr id="2" name="제목 1">
             <a:extLst>
               <a:ext uri="{FF2B5EF4-FFF2-40B4-BE49-F238E27FC236}">
-                <a16:creationId xmlns:a16="http://schemas.microsoft.com/office/drawing/2014/main" id="{0CCC46AE-6F7C-4E7D-B39E-818A9550A9E3}"/>
+                <a16:creationId xmlns:a16="http://schemas.microsoft.com/office/drawing/2014/main" id="{6D9FE1FB-2FD2-40E4-B899-192A51168685}"/>
               </a:ext>
             </a:extLst>
           </p:cNvPr>
@@ -187,7 +179,7 @@
           <p:cNvPr id="3" name="부제목 2">
             <a:extLst>
               <a:ext uri="{FF2B5EF4-FFF2-40B4-BE49-F238E27FC236}">
-                <a16:creationId xmlns:a16="http://schemas.microsoft.com/office/drawing/2014/main" id="{03C0C99D-6E89-4B65-8DFC-294A2624E809}"/>
+                <a16:creationId xmlns:a16="http://schemas.microsoft.com/office/drawing/2014/main" id="{FEA019E9-BF5C-4BB7-8287-6CB13B9050A4}"/>
               </a:ext>
             </a:extLst>
           </p:cNvPr>
@@ -258,7 +250,7 @@
           <p:cNvPr id="4" name="날짜 개체 틀 3">
             <a:extLst>
               <a:ext uri="{FF2B5EF4-FFF2-40B4-BE49-F238E27FC236}">
-                <a16:creationId xmlns:a16="http://schemas.microsoft.com/office/drawing/2014/main" id="{FD598212-2FA4-437F-B758-3AD89411D7ED}"/>
+                <a16:creationId xmlns:a16="http://schemas.microsoft.com/office/drawing/2014/main" id="{6C52DBA9-64BE-477C-B7A2-DF871F154CA2}"/>
               </a:ext>
             </a:extLst>
           </p:cNvPr>
@@ -274,9 +266,9 @@
           <a:bodyPr/>
           <a:lstStyle/>
           <a:p>
-            <a:fld id="{F8CAE6D3-A14E-422C-854D-4D93986DF9E8}" type="datetimeFigureOut">
+            <a:fld id="{3B5660B3-DBD0-432C-B749-476A5EADFE62}" type="datetimeFigureOut">
               <a:rPr lang="en-US" smtClean="0"/>
-              <a:t>10/2/2019</a:t>
+              <a:t>10/12/2019</a:t>
             </a:fld>
             <a:endParaRPr lang="en-US"/>
           </a:p>
@@ -287,7 +279,7 @@
           <p:cNvPr id="5" name="바닥글 개체 틀 4">
             <a:extLst>
               <a:ext uri="{FF2B5EF4-FFF2-40B4-BE49-F238E27FC236}">
-                <a16:creationId xmlns:a16="http://schemas.microsoft.com/office/drawing/2014/main" id="{4892254B-4E0F-4ABC-A207-58E6C74757CE}"/>
+                <a16:creationId xmlns:a16="http://schemas.microsoft.com/office/drawing/2014/main" id="{0CF326DB-0AB0-45C7-AECC-A05D10B4E487}"/>
               </a:ext>
             </a:extLst>
           </p:cNvPr>
@@ -312,7 +304,7 @@
           <p:cNvPr id="6" name="슬라이드 번호 개체 틀 5">
             <a:extLst>
               <a:ext uri="{FF2B5EF4-FFF2-40B4-BE49-F238E27FC236}">
-                <a16:creationId xmlns:a16="http://schemas.microsoft.com/office/drawing/2014/main" id="{08CBE193-1464-41FA-B47F-A37B7DA32D4C}"/>
+                <a16:creationId xmlns:a16="http://schemas.microsoft.com/office/drawing/2014/main" id="{D8DAB139-863C-4FE8-BC35-27774F442C80}"/>
               </a:ext>
             </a:extLst>
           </p:cNvPr>
@@ -328,7 +320,7 @@
           <a:bodyPr/>
           <a:lstStyle/>
           <a:p>
-            <a:fld id="{BB80A017-A0FF-40F8-980E-8EFDD35AEFF6}" type="slidenum">
+            <a:fld id="{702AD06A-8B30-4E47-BB8D-8ABD8025B455}" type="slidenum">
               <a:rPr lang="en-US" smtClean="0"/>
               <a:t>‹#›</a:t>
             </a:fld>
@@ -339,7 +331,7 @@
     </p:spTree>
     <p:extLst>
       <p:ext uri="{BB962C8B-B14F-4D97-AF65-F5344CB8AC3E}">
-        <p14:creationId xmlns:p14="http://schemas.microsoft.com/office/powerpoint/2010/main" val="754347278"/>
+        <p14:creationId xmlns:p14="http://schemas.microsoft.com/office/powerpoint/2010/main" val="1720405238"/>
       </p:ext>
     </p:extLst>
   </p:cSld>
@@ -371,7 +363,7 @@
           <p:cNvPr id="2" name="제목 1">
             <a:extLst>
               <a:ext uri="{FF2B5EF4-FFF2-40B4-BE49-F238E27FC236}">
-                <a16:creationId xmlns:a16="http://schemas.microsoft.com/office/drawing/2014/main" id="{1DF94818-C16B-4C96-8BCF-860D44110AE2}"/>
+                <a16:creationId xmlns:a16="http://schemas.microsoft.com/office/drawing/2014/main" id="{93147E2F-CC56-46AF-89F8-6871625EAC97}"/>
               </a:ext>
             </a:extLst>
           </p:cNvPr>
@@ -400,7 +392,7 @@
           <p:cNvPr id="3" name="세로 텍스트 개체 틀 2">
             <a:extLst>
               <a:ext uri="{FF2B5EF4-FFF2-40B4-BE49-F238E27FC236}">
-                <a16:creationId xmlns:a16="http://schemas.microsoft.com/office/drawing/2014/main" id="{78B4A701-C895-4DDD-93F2-FFC9289B8F10}"/>
+                <a16:creationId xmlns:a16="http://schemas.microsoft.com/office/drawing/2014/main" id="{10F2B3BA-FC90-4208-8B25-73A1DA31672A}"/>
               </a:ext>
             </a:extLst>
           </p:cNvPr>
@@ -458,7 +450,7 @@
           <p:cNvPr id="4" name="날짜 개체 틀 3">
             <a:extLst>
               <a:ext uri="{FF2B5EF4-FFF2-40B4-BE49-F238E27FC236}">
-                <a16:creationId xmlns:a16="http://schemas.microsoft.com/office/drawing/2014/main" id="{6FA9FAB2-BA86-46B5-B63B-99A9FF64BACF}"/>
+                <a16:creationId xmlns:a16="http://schemas.microsoft.com/office/drawing/2014/main" id="{3BBF7F43-59ED-401A-AF3F-D88228951055}"/>
               </a:ext>
             </a:extLst>
           </p:cNvPr>
@@ -474,9 +466,9 @@
           <a:bodyPr/>
           <a:lstStyle/>
           <a:p>
-            <a:fld id="{F8CAE6D3-A14E-422C-854D-4D93986DF9E8}" type="datetimeFigureOut">
+            <a:fld id="{3B5660B3-DBD0-432C-B749-476A5EADFE62}" type="datetimeFigureOut">
               <a:rPr lang="en-US" smtClean="0"/>
-              <a:t>10/2/2019</a:t>
+              <a:t>10/12/2019</a:t>
             </a:fld>
             <a:endParaRPr lang="en-US"/>
           </a:p>
@@ -487,7 +479,7 @@
           <p:cNvPr id="5" name="바닥글 개체 틀 4">
             <a:extLst>
               <a:ext uri="{FF2B5EF4-FFF2-40B4-BE49-F238E27FC236}">
-                <a16:creationId xmlns:a16="http://schemas.microsoft.com/office/drawing/2014/main" id="{530A3366-B4E9-4A0D-AE69-B565259F279A}"/>
+                <a16:creationId xmlns:a16="http://schemas.microsoft.com/office/drawing/2014/main" id="{149BB901-BC7A-4E27-9A83-1CCE58708057}"/>
               </a:ext>
             </a:extLst>
           </p:cNvPr>
@@ -512,7 +504,7 @@
           <p:cNvPr id="6" name="슬라이드 번호 개체 틀 5">
             <a:extLst>
               <a:ext uri="{FF2B5EF4-FFF2-40B4-BE49-F238E27FC236}">
-                <a16:creationId xmlns:a16="http://schemas.microsoft.com/office/drawing/2014/main" id="{816A0BE1-42E7-449D-AE6A-2827C1259C26}"/>
+                <a16:creationId xmlns:a16="http://schemas.microsoft.com/office/drawing/2014/main" id="{4126E9EF-DDBF-46AA-89EF-1DB721E4D9E2}"/>
               </a:ext>
             </a:extLst>
           </p:cNvPr>
@@ -528,7 +520,7 @@
           <a:bodyPr/>
           <a:lstStyle/>
           <a:p>
-            <a:fld id="{BB80A017-A0FF-40F8-980E-8EFDD35AEFF6}" type="slidenum">
+            <a:fld id="{702AD06A-8B30-4E47-BB8D-8ABD8025B455}" type="slidenum">
               <a:rPr lang="en-US" smtClean="0"/>
               <a:t>‹#›</a:t>
             </a:fld>
@@ -539,7 +531,7 @@
     </p:spTree>
     <p:extLst>
       <p:ext uri="{BB962C8B-B14F-4D97-AF65-F5344CB8AC3E}">
-        <p14:creationId xmlns:p14="http://schemas.microsoft.com/office/powerpoint/2010/main" val="4284771650"/>
+        <p14:creationId xmlns:p14="http://schemas.microsoft.com/office/powerpoint/2010/main" val="675836690"/>
       </p:ext>
     </p:extLst>
   </p:cSld>
@@ -571,7 +563,7 @@
           <p:cNvPr id="2" name="세로 제목 1">
             <a:extLst>
               <a:ext uri="{FF2B5EF4-FFF2-40B4-BE49-F238E27FC236}">
-                <a16:creationId xmlns:a16="http://schemas.microsoft.com/office/drawing/2014/main" id="{47F67A65-FA19-45C9-BC5D-3486BE6FF815}"/>
+                <a16:creationId xmlns:a16="http://schemas.microsoft.com/office/drawing/2014/main" id="{5C15CD3A-058C-46E9-B666-3C1E295F43BD}"/>
               </a:ext>
             </a:extLst>
           </p:cNvPr>
@@ -605,7 +597,7 @@
           <p:cNvPr id="3" name="세로 텍스트 개체 틀 2">
             <a:extLst>
               <a:ext uri="{FF2B5EF4-FFF2-40B4-BE49-F238E27FC236}">
-                <a16:creationId xmlns:a16="http://schemas.microsoft.com/office/drawing/2014/main" id="{A5B7470A-36EB-465A-921B-49048771666A}"/>
+                <a16:creationId xmlns:a16="http://schemas.microsoft.com/office/drawing/2014/main" id="{1FA52861-0D51-4B2A-BE39-D052F9E4D8CA}"/>
               </a:ext>
             </a:extLst>
           </p:cNvPr>
@@ -668,7 +660,7 @@
           <p:cNvPr id="4" name="날짜 개체 틀 3">
             <a:extLst>
               <a:ext uri="{FF2B5EF4-FFF2-40B4-BE49-F238E27FC236}">
-                <a16:creationId xmlns:a16="http://schemas.microsoft.com/office/drawing/2014/main" id="{87D574F7-4C40-422C-A950-49CCA9279017}"/>
+                <a16:creationId xmlns:a16="http://schemas.microsoft.com/office/drawing/2014/main" id="{DAD352EF-1B84-4A55-A999-62F101364FD4}"/>
               </a:ext>
             </a:extLst>
           </p:cNvPr>
@@ -684,9 +676,9 @@
           <a:bodyPr/>
           <a:lstStyle/>
           <a:p>
-            <a:fld id="{F8CAE6D3-A14E-422C-854D-4D93986DF9E8}" type="datetimeFigureOut">
+            <a:fld id="{3B5660B3-DBD0-432C-B749-476A5EADFE62}" type="datetimeFigureOut">
               <a:rPr lang="en-US" smtClean="0"/>
-              <a:t>10/2/2019</a:t>
+              <a:t>10/12/2019</a:t>
             </a:fld>
             <a:endParaRPr lang="en-US"/>
           </a:p>
@@ -697,7 +689,7 @@
           <p:cNvPr id="5" name="바닥글 개체 틀 4">
             <a:extLst>
               <a:ext uri="{FF2B5EF4-FFF2-40B4-BE49-F238E27FC236}">
-                <a16:creationId xmlns:a16="http://schemas.microsoft.com/office/drawing/2014/main" id="{4B6F92C6-0C16-4EB0-B671-02A1A7922224}"/>
+                <a16:creationId xmlns:a16="http://schemas.microsoft.com/office/drawing/2014/main" id="{0D9BBA96-E16F-4186-B5ED-4EB0B67670E3}"/>
               </a:ext>
             </a:extLst>
           </p:cNvPr>
@@ -722,7 +714,7 @@
           <p:cNvPr id="6" name="슬라이드 번호 개체 틀 5">
             <a:extLst>
               <a:ext uri="{FF2B5EF4-FFF2-40B4-BE49-F238E27FC236}">
-                <a16:creationId xmlns:a16="http://schemas.microsoft.com/office/drawing/2014/main" id="{9974674C-1444-42C2-B1F1-788CE1DAD716}"/>
+                <a16:creationId xmlns:a16="http://schemas.microsoft.com/office/drawing/2014/main" id="{1628BC67-5EF0-40B0-8101-9898816636C7}"/>
               </a:ext>
             </a:extLst>
           </p:cNvPr>
@@ -738,7 +730,7 @@
           <a:bodyPr/>
           <a:lstStyle/>
           <a:p>
-            <a:fld id="{BB80A017-A0FF-40F8-980E-8EFDD35AEFF6}" type="slidenum">
+            <a:fld id="{702AD06A-8B30-4E47-BB8D-8ABD8025B455}" type="slidenum">
               <a:rPr lang="en-US" smtClean="0"/>
               <a:t>‹#›</a:t>
             </a:fld>
@@ -749,7 +741,7 @@
     </p:spTree>
     <p:extLst>
       <p:ext uri="{BB962C8B-B14F-4D97-AF65-F5344CB8AC3E}">
-        <p14:creationId xmlns:p14="http://schemas.microsoft.com/office/powerpoint/2010/main" val="2334362328"/>
+        <p14:creationId xmlns:p14="http://schemas.microsoft.com/office/powerpoint/2010/main" val="2473089172"/>
       </p:ext>
     </p:extLst>
   </p:cSld>
@@ -781,7 +773,7 @@
           <p:cNvPr id="2" name="제목 1">
             <a:extLst>
               <a:ext uri="{FF2B5EF4-FFF2-40B4-BE49-F238E27FC236}">
-                <a16:creationId xmlns:a16="http://schemas.microsoft.com/office/drawing/2014/main" id="{DD970AFD-2CE2-496D-BC08-4AE349AA7941}"/>
+                <a16:creationId xmlns:a16="http://schemas.microsoft.com/office/drawing/2014/main" id="{A19E7FCE-38BE-4EAB-9ADD-265ED2474996}"/>
               </a:ext>
             </a:extLst>
           </p:cNvPr>
@@ -810,7 +802,7 @@
           <p:cNvPr id="3" name="내용 개체 틀 2">
             <a:extLst>
               <a:ext uri="{FF2B5EF4-FFF2-40B4-BE49-F238E27FC236}">
-                <a16:creationId xmlns:a16="http://schemas.microsoft.com/office/drawing/2014/main" id="{986A9F9C-A42A-446F-A3E0-0ABC5F274FAF}"/>
+                <a16:creationId xmlns:a16="http://schemas.microsoft.com/office/drawing/2014/main" id="{B397C750-EF8B-4298-A1C7-E3E9EED02EF3}"/>
               </a:ext>
             </a:extLst>
           </p:cNvPr>
@@ -868,7 +860,7 @@
           <p:cNvPr id="4" name="날짜 개체 틀 3">
             <a:extLst>
               <a:ext uri="{FF2B5EF4-FFF2-40B4-BE49-F238E27FC236}">
-                <a16:creationId xmlns:a16="http://schemas.microsoft.com/office/drawing/2014/main" id="{3C00DE96-3459-496E-8A3D-2F6F87F6DC18}"/>
+                <a16:creationId xmlns:a16="http://schemas.microsoft.com/office/drawing/2014/main" id="{9F89ADB3-2EB1-406A-8C48-DFADD334E75E}"/>
               </a:ext>
             </a:extLst>
           </p:cNvPr>
@@ -884,9 +876,9 @@
           <a:bodyPr/>
           <a:lstStyle/>
           <a:p>
-            <a:fld id="{F8CAE6D3-A14E-422C-854D-4D93986DF9E8}" type="datetimeFigureOut">
+            <a:fld id="{3B5660B3-DBD0-432C-B749-476A5EADFE62}" type="datetimeFigureOut">
               <a:rPr lang="en-US" smtClean="0"/>
-              <a:t>10/2/2019</a:t>
+              <a:t>10/12/2019</a:t>
             </a:fld>
             <a:endParaRPr lang="en-US"/>
           </a:p>
@@ -897,7 +889,7 @@
           <p:cNvPr id="5" name="바닥글 개체 틀 4">
             <a:extLst>
               <a:ext uri="{FF2B5EF4-FFF2-40B4-BE49-F238E27FC236}">
-                <a16:creationId xmlns:a16="http://schemas.microsoft.com/office/drawing/2014/main" id="{904C72FA-E7EB-494C-9D9C-763B353D60E6}"/>
+                <a16:creationId xmlns:a16="http://schemas.microsoft.com/office/drawing/2014/main" id="{C44BA11D-DECF-4376-B2C9-BF88C19A29B9}"/>
               </a:ext>
             </a:extLst>
           </p:cNvPr>
@@ -922,7 +914,7 @@
           <p:cNvPr id="6" name="슬라이드 번호 개체 틀 5">
             <a:extLst>
               <a:ext uri="{FF2B5EF4-FFF2-40B4-BE49-F238E27FC236}">
-                <a16:creationId xmlns:a16="http://schemas.microsoft.com/office/drawing/2014/main" id="{E55426AF-B316-4918-93F6-1610F5BF8C1D}"/>
+                <a16:creationId xmlns:a16="http://schemas.microsoft.com/office/drawing/2014/main" id="{1EB50600-B44A-4DA0-9844-C8B795051607}"/>
               </a:ext>
             </a:extLst>
           </p:cNvPr>
@@ -938,7 +930,7 @@
           <a:bodyPr/>
           <a:lstStyle/>
           <a:p>
-            <a:fld id="{BB80A017-A0FF-40F8-980E-8EFDD35AEFF6}" type="slidenum">
+            <a:fld id="{702AD06A-8B30-4E47-BB8D-8ABD8025B455}" type="slidenum">
               <a:rPr lang="en-US" smtClean="0"/>
               <a:t>‹#›</a:t>
             </a:fld>
@@ -949,7 +941,7 @@
     </p:spTree>
     <p:extLst>
       <p:ext uri="{BB962C8B-B14F-4D97-AF65-F5344CB8AC3E}">
-        <p14:creationId xmlns:p14="http://schemas.microsoft.com/office/powerpoint/2010/main" val="3411603291"/>
+        <p14:creationId xmlns:p14="http://schemas.microsoft.com/office/powerpoint/2010/main" val="1421307836"/>
       </p:ext>
     </p:extLst>
   </p:cSld>
@@ -981,7 +973,7 @@
           <p:cNvPr id="2" name="제목 1">
             <a:extLst>
               <a:ext uri="{FF2B5EF4-FFF2-40B4-BE49-F238E27FC236}">
-                <a16:creationId xmlns:a16="http://schemas.microsoft.com/office/drawing/2014/main" id="{2A9CB492-9C1C-40E3-A00A-B5F114BCB6BE}"/>
+                <a16:creationId xmlns:a16="http://schemas.microsoft.com/office/drawing/2014/main" id="{2E4CFF99-4B21-4A03-9A3C-3609F1372F6B}"/>
               </a:ext>
             </a:extLst>
           </p:cNvPr>
@@ -1019,7 +1011,7 @@
           <p:cNvPr id="3" name="텍스트 개체 틀 2">
             <a:extLst>
               <a:ext uri="{FF2B5EF4-FFF2-40B4-BE49-F238E27FC236}">
-                <a16:creationId xmlns:a16="http://schemas.microsoft.com/office/drawing/2014/main" id="{6013F44F-F746-4289-854A-E7C0F24C1AAC}"/>
+                <a16:creationId xmlns:a16="http://schemas.microsoft.com/office/drawing/2014/main" id="{786F93D7-35EB-476F-B513-1F9E543500EF}"/>
               </a:ext>
             </a:extLst>
           </p:cNvPr>
@@ -1144,7 +1136,7 @@
           <p:cNvPr id="4" name="날짜 개체 틀 3">
             <a:extLst>
               <a:ext uri="{FF2B5EF4-FFF2-40B4-BE49-F238E27FC236}">
-                <a16:creationId xmlns:a16="http://schemas.microsoft.com/office/drawing/2014/main" id="{76205004-D0BD-4A9F-8B4A-0695E0460001}"/>
+                <a16:creationId xmlns:a16="http://schemas.microsoft.com/office/drawing/2014/main" id="{183F3E3D-7C4F-423B-B05A-64BD403CC7A9}"/>
               </a:ext>
             </a:extLst>
           </p:cNvPr>
@@ -1160,9 +1152,9 @@
           <a:bodyPr/>
           <a:lstStyle/>
           <a:p>
-            <a:fld id="{F8CAE6D3-A14E-422C-854D-4D93986DF9E8}" type="datetimeFigureOut">
+            <a:fld id="{3B5660B3-DBD0-432C-B749-476A5EADFE62}" type="datetimeFigureOut">
               <a:rPr lang="en-US" smtClean="0"/>
-              <a:t>10/2/2019</a:t>
+              <a:t>10/12/2019</a:t>
             </a:fld>
             <a:endParaRPr lang="en-US"/>
           </a:p>
@@ -1173,7 +1165,7 @@
           <p:cNvPr id="5" name="바닥글 개체 틀 4">
             <a:extLst>
               <a:ext uri="{FF2B5EF4-FFF2-40B4-BE49-F238E27FC236}">
-                <a16:creationId xmlns:a16="http://schemas.microsoft.com/office/drawing/2014/main" id="{D5FB86AD-4D33-4FAE-BD6F-AD6B88913085}"/>
+                <a16:creationId xmlns:a16="http://schemas.microsoft.com/office/drawing/2014/main" id="{27EBB750-C6F7-4220-AB6A-846F823455B3}"/>
               </a:ext>
             </a:extLst>
           </p:cNvPr>
@@ -1198,7 +1190,7 @@
           <p:cNvPr id="6" name="슬라이드 번호 개체 틀 5">
             <a:extLst>
               <a:ext uri="{FF2B5EF4-FFF2-40B4-BE49-F238E27FC236}">
-                <a16:creationId xmlns:a16="http://schemas.microsoft.com/office/drawing/2014/main" id="{6FFD1612-760C-4C93-83C9-FAC0CBA3AD96}"/>
+                <a16:creationId xmlns:a16="http://schemas.microsoft.com/office/drawing/2014/main" id="{4B4167A7-7DE1-469C-A241-52B7CD13407E}"/>
               </a:ext>
             </a:extLst>
           </p:cNvPr>
@@ -1214,7 +1206,7 @@
           <a:bodyPr/>
           <a:lstStyle/>
           <a:p>
-            <a:fld id="{BB80A017-A0FF-40F8-980E-8EFDD35AEFF6}" type="slidenum">
+            <a:fld id="{702AD06A-8B30-4E47-BB8D-8ABD8025B455}" type="slidenum">
               <a:rPr lang="en-US" smtClean="0"/>
               <a:t>‹#›</a:t>
             </a:fld>
@@ -1225,7 +1217,7 @@
     </p:spTree>
     <p:extLst>
       <p:ext uri="{BB962C8B-B14F-4D97-AF65-F5344CB8AC3E}">
-        <p14:creationId xmlns:p14="http://schemas.microsoft.com/office/powerpoint/2010/main" val="2830549761"/>
+        <p14:creationId xmlns:p14="http://schemas.microsoft.com/office/powerpoint/2010/main" val="780717960"/>
       </p:ext>
     </p:extLst>
   </p:cSld>
@@ -1257,7 +1249,7 @@
           <p:cNvPr id="2" name="제목 1">
             <a:extLst>
               <a:ext uri="{FF2B5EF4-FFF2-40B4-BE49-F238E27FC236}">
-                <a16:creationId xmlns:a16="http://schemas.microsoft.com/office/drawing/2014/main" id="{1CCD12F5-4C83-4584-9676-CFC96DC1BA4A}"/>
+                <a16:creationId xmlns:a16="http://schemas.microsoft.com/office/drawing/2014/main" id="{D67F5DD4-105F-46F9-87FF-5026451692FE}"/>
               </a:ext>
             </a:extLst>
           </p:cNvPr>
@@ -1286,7 +1278,7 @@
           <p:cNvPr id="3" name="내용 개체 틀 2">
             <a:extLst>
               <a:ext uri="{FF2B5EF4-FFF2-40B4-BE49-F238E27FC236}">
-                <a16:creationId xmlns:a16="http://schemas.microsoft.com/office/drawing/2014/main" id="{F46F5EAE-59B8-4732-90B7-D2612EBB79A1}"/>
+                <a16:creationId xmlns:a16="http://schemas.microsoft.com/office/drawing/2014/main" id="{0B47865F-2BD8-4395-9955-B71A999F668D}"/>
               </a:ext>
             </a:extLst>
           </p:cNvPr>
@@ -1349,7 +1341,7 @@
           <p:cNvPr id="4" name="내용 개체 틀 3">
             <a:extLst>
               <a:ext uri="{FF2B5EF4-FFF2-40B4-BE49-F238E27FC236}">
-                <a16:creationId xmlns:a16="http://schemas.microsoft.com/office/drawing/2014/main" id="{1B7AB26F-19C2-41A0-A34D-1ABAEFDD84F8}"/>
+                <a16:creationId xmlns:a16="http://schemas.microsoft.com/office/drawing/2014/main" id="{3E3117D4-AEBD-4E06-8AC4-B6B69E60F2D7}"/>
               </a:ext>
             </a:extLst>
           </p:cNvPr>
@@ -1412,7 +1404,7 @@
           <p:cNvPr id="5" name="날짜 개체 틀 4">
             <a:extLst>
               <a:ext uri="{FF2B5EF4-FFF2-40B4-BE49-F238E27FC236}">
-                <a16:creationId xmlns:a16="http://schemas.microsoft.com/office/drawing/2014/main" id="{E9A34DDB-A5FA-41C3-8DBD-8FAA16DD3EC4}"/>
+                <a16:creationId xmlns:a16="http://schemas.microsoft.com/office/drawing/2014/main" id="{64C6C71F-CE59-4AFE-AC8D-B992D72AA177}"/>
               </a:ext>
             </a:extLst>
           </p:cNvPr>
@@ -1428,9 +1420,9 @@
           <a:bodyPr/>
           <a:lstStyle/>
           <a:p>
-            <a:fld id="{F8CAE6D3-A14E-422C-854D-4D93986DF9E8}" type="datetimeFigureOut">
+            <a:fld id="{3B5660B3-DBD0-432C-B749-476A5EADFE62}" type="datetimeFigureOut">
               <a:rPr lang="en-US" smtClean="0"/>
-              <a:t>10/2/2019</a:t>
+              <a:t>10/12/2019</a:t>
             </a:fld>
             <a:endParaRPr lang="en-US"/>
           </a:p>
@@ -1441,7 +1433,7 @@
           <p:cNvPr id="6" name="바닥글 개체 틀 5">
             <a:extLst>
               <a:ext uri="{FF2B5EF4-FFF2-40B4-BE49-F238E27FC236}">
-                <a16:creationId xmlns:a16="http://schemas.microsoft.com/office/drawing/2014/main" id="{48737FCF-B482-42C4-B5A8-6B67FA3899EF}"/>
+                <a16:creationId xmlns:a16="http://schemas.microsoft.com/office/drawing/2014/main" id="{31B0F87C-A327-4E7B-A51C-89D8C954E408}"/>
               </a:ext>
             </a:extLst>
           </p:cNvPr>
@@ -1466,7 +1458,7 @@
           <p:cNvPr id="7" name="슬라이드 번호 개체 틀 6">
             <a:extLst>
               <a:ext uri="{FF2B5EF4-FFF2-40B4-BE49-F238E27FC236}">
-                <a16:creationId xmlns:a16="http://schemas.microsoft.com/office/drawing/2014/main" id="{01302459-BCC4-4959-87AB-73390BCFDD32}"/>
+                <a16:creationId xmlns:a16="http://schemas.microsoft.com/office/drawing/2014/main" id="{DD9B8A85-E4F8-47B4-AE28-48F78190C0DD}"/>
               </a:ext>
             </a:extLst>
           </p:cNvPr>
@@ -1482,7 +1474,7 @@
           <a:bodyPr/>
           <a:lstStyle/>
           <a:p>
-            <a:fld id="{BB80A017-A0FF-40F8-980E-8EFDD35AEFF6}" type="slidenum">
+            <a:fld id="{702AD06A-8B30-4E47-BB8D-8ABD8025B455}" type="slidenum">
               <a:rPr lang="en-US" smtClean="0"/>
               <a:t>‹#›</a:t>
             </a:fld>
@@ -1493,7 +1485,7 @@
     </p:spTree>
     <p:extLst>
       <p:ext uri="{BB962C8B-B14F-4D97-AF65-F5344CB8AC3E}">
-        <p14:creationId xmlns:p14="http://schemas.microsoft.com/office/powerpoint/2010/main" val="609580737"/>
+        <p14:creationId xmlns:p14="http://schemas.microsoft.com/office/powerpoint/2010/main" val="3315882691"/>
       </p:ext>
     </p:extLst>
   </p:cSld>
@@ -1525,7 +1517,7 @@
           <p:cNvPr id="2" name="제목 1">
             <a:extLst>
               <a:ext uri="{FF2B5EF4-FFF2-40B4-BE49-F238E27FC236}">
-                <a16:creationId xmlns:a16="http://schemas.microsoft.com/office/drawing/2014/main" id="{35581DF8-0506-4091-ACE9-63F21A837B25}"/>
+                <a16:creationId xmlns:a16="http://schemas.microsoft.com/office/drawing/2014/main" id="{941875CA-76A7-41AC-AFBD-2C9191D99804}"/>
               </a:ext>
             </a:extLst>
           </p:cNvPr>
@@ -1559,7 +1551,7 @@
           <p:cNvPr id="3" name="텍스트 개체 틀 2">
             <a:extLst>
               <a:ext uri="{FF2B5EF4-FFF2-40B4-BE49-F238E27FC236}">
-                <a16:creationId xmlns:a16="http://schemas.microsoft.com/office/drawing/2014/main" id="{512562C7-9062-43E8-BC25-133B290F6FE2}"/>
+                <a16:creationId xmlns:a16="http://schemas.microsoft.com/office/drawing/2014/main" id="{C6E017F9-9E59-4D5C-82D3-D7122E4388C4}"/>
               </a:ext>
             </a:extLst>
           </p:cNvPr>
@@ -1630,7 +1622,7 @@
           <p:cNvPr id="4" name="내용 개체 틀 3">
             <a:extLst>
               <a:ext uri="{FF2B5EF4-FFF2-40B4-BE49-F238E27FC236}">
-                <a16:creationId xmlns:a16="http://schemas.microsoft.com/office/drawing/2014/main" id="{175699E0-983A-4CF0-BCE0-E5096DAD06F8}"/>
+                <a16:creationId xmlns:a16="http://schemas.microsoft.com/office/drawing/2014/main" id="{A9A065C5-2FF2-4607-85CC-3F146DE4FF21}"/>
               </a:ext>
             </a:extLst>
           </p:cNvPr>
@@ -1693,7 +1685,7 @@
           <p:cNvPr id="5" name="텍스트 개체 틀 4">
             <a:extLst>
               <a:ext uri="{FF2B5EF4-FFF2-40B4-BE49-F238E27FC236}">
-                <a16:creationId xmlns:a16="http://schemas.microsoft.com/office/drawing/2014/main" id="{0C6955AC-CFE3-4408-B41C-5DF66C4EA761}"/>
+                <a16:creationId xmlns:a16="http://schemas.microsoft.com/office/drawing/2014/main" id="{91531D58-06AB-4758-B5C2-35E5E1142594}"/>
               </a:ext>
             </a:extLst>
           </p:cNvPr>
@@ -1764,7 +1756,7 @@
           <p:cNvPr id="6" name="내용 개체 틀 5">
             <a:extLst>
               <a:ext uri="{FF2B5EF4-FFF2-40B4-BE49-F238E27FC236}">
-                <a16:creationId xmlns:a16="http://schemas.microsoft.com/office/drawing/2014/main" id="{732E937B-7D59-45DD-8B6D-096B996EB5AB}"/>
+                <a16:creationId xmlns:a16="http://schemas.microsoft.com/office/drawing/2014/main" id="{A82FAED8-616C-4E4B-91F0-98F65F3E59BB}"/>
               </a:ext>
             </a:extLst>
           </p:cNvPr>
@@ -1827,7 +1819,7 @@
           <p:cNvPr id="7" name="날짜 개체 틀 6">
             <a:extLst>
               <a:ext uri="{FF2B5EF4-FFF2-40B4-BE49-F238E27FC236}">
-                <a16:creationId xmlns:a16="http://schemas.microsoft.com/office/drawing/2014/main" id="{646AFB1C-ADFF-4F4A-B963-26DAD65E52BA}"/>
+                <a16:creationId xmlns:a16="http://schemas.microsoft.com/office/drawing/2014/main" id="{5DE6E1B0-FED4-4628-8390-A4FFA5E32376}"/>
               </a:ext>
             </a:extLst>
           </p:cNvPr>
@@ -1843,9 +1835,9 @@
           <a:bodyPr/>
           <a:lstStyle/>
           <a:p>
-            <a:fld id="{F8CAE6D3-A14E-422C-854D-4D93986DF9E8}" type="datetimeFigureOut">
+            <a:fld id="{3B5660B3-DBD0-432C-B749-476A5EADFE62}" type="datetimeFigureOut">
               <a:rPr lang="en-US" smtClean="0"/>
-              <a:t>10/2/2019</a:t>
+              <a:t>10/12/2019</a:t>
             </a:fld>
             <a:endParaRPr lang="en-US"/>
           </a:p>
@@ -1856,7 +1848,7 @@
           <p:cNvPr id="8" name="바닥글 개체 틀 7">
             <a:extLst>
               <a:ext uri="{FF2B5EF4-FFF2-40B4-BE49-F238E27FC236}">
-                <a16:creationId xmlns:a16="http://schemas.microsoft.com/office/drawing/2014/main" id="{1F8B9D66-CF4D-4B18-8E5F-5E4C92C29522}"/>
+                <a16:creationId xmlns:a16="http://schemas.microsoft.com/office/drawing/2014/main" id="{93FAA439-4C78-487E-91FE-74EDD6435D7C}"/>
               </a:ext>
             </a:extLst>
           </p:cNvPr>
@@ -1881,7 +1873,7 @@
           <p:cNvPr id="9" name="슬라이드 번호 개체 틀 8">
             <a:extLst>
               <a:ext uri="{FF2B5EF4-FFF2-40B4-BE49-F238E27FC236}">
-                <a16:creationId xmlns:a16="http://schemas.microsoft.com/office/drawing/2014/main" id="{DF38016C-4A4D-4FB7-B039-2291DD8301C6}"/>
+                <a16:creationId xmlns:a16="http://schemas.microsoft.com/office/drawing/2014/main" id="{FB40EF52-3000-4233-9FDA-01F0589F68C1}"/>
               </a:ext>
             </a:extLst>
           </p:cNvPr>
@@ -1897,7 +1889,7 @@
           <a:bodyPr/>
           <a:lstStyle/>
           <a:p>
-            <a:fld id="{BB80A017-A0FF-40F8-980E-8EFDD35AEFF6}" type="slidenum">
+            <a:fld id="{702AD06A-8B30-4E47-BB8D-8ABD8025B455}" type="slidenum">
               <a:rPr lang="en-US" smtClean="0"/>
               <a:t>‹#›</a:t>
             </a:fld>
@@ -1908,7 +1900,7 @@
     </p:spTree>
     <p:extLst>
       <p:ext uri="{BB962C8B-B14F-4D97-AF65-F5344CB8AC3E}">
-        <p14:creationId xmlns:p14="http://schemas.microsoft.com/office/powerpoint/2010/main" val="1358878919"/>
+        <p14:creationId xmlns:p14="http://schemas.microsoft.com/office/powerpoint/2010/main" val="2219299862"/>
       </p:ext>
     </p:extLst>
   </p:cSld>
@@ -1940,7 +1932,7 @@
           <p:cNvPr id="2" name="제목 1">
             <a:extLst>
               <a:ext uri="{FF2B5EF4-FFF2-40B4-BE49-F238E27FC236}">
-                <a16:creationId xmlns:a16="http://schemas.microsoft.com/office/drawing/2014/main" id="{34872DAB-5C3D-440D-9CC3-9F326C497056}"/>
+                <a16:creationId xmlns:a16="http://schemas.microsoft.com/office/drawing/2014/main" id="{BC445998-E4B1-448E-84D6-BCF92E89291F}"/>
               </a:ext>
             </a:extLst>
           </p:cNvPr>
@@ -1969,7 +1961,7 @@
           <p:cNvPr id="3" name="날짜 개체 틀 2">
             <a:extLst>
               <a:ext uri="{FF2B5EF4-FFF2-40B4-BE49-F238E27FC236}">
-                <a16:creationId xmlns:a16="http://schemas.microsoft.com/office/drawing/2014/main" id="{E40338D0-4A7F-4551-8B99-E5A322BFABDB}"/>
+                <a16:creationId xmlns:a16="http://schemas.microsoft.com/office/drawing/2014/main" id="{479A2C9A-77F9-45D8-BED0-AC38A7289908}"/>
               </a:ext>
             </a:extLst>
           </p:cNvPr>
@@ -1985,9 +1977,9 @@
           <a:bodyPr/>
           <a:lstStyle/>
           <a:p>
-            <a:fld id="{F8CAE6D3-A14E-422C-854D-4D93986DF9E8}" type="datetimeFigureOut">
+            <a:fld id="{3B5660B3-DBD0-432C-B749-476A5EADFE62}" type="datetimeFigureOut">
               <a:rPr lang="en-US" smtClean="0"/>
-              <a:t>10/2/2019</a:t>
+              <a:t>10/12/2019</a:t>
             </a:fld>
             <a:endParaRPr lang="en-US"/>
           </a:p>
@@ -1998,7 +1990,7 @@
           <p:cNvPr id="4" name="바닥글 개체 틀 3">
             <a:extLst>
               <a:ext uri="{FF2B5EF4-FFF2-40B4-BE49-F238E27FC236}">
-                <a16:creationId xmlns:a16="http://schemas.microsoft.com/office/drawing/2014/main" id="{5E984123-D3F1-4AC2-AFBB-738FFC393124}"/>
+                <a16:creationId xmlns:a16="http://schemas.microsoft.com/office/drawing/2014/main" id="{AC490DD7-F8FC-4DB3-A34D-DF7ED96BB0A7}"/>
               </a:ext>
             </a:extLst>
           </p:cNvPr>
@@ -2023,7 +2015,7 @@
           <p:cNvPr id="5" name="슬라이드 번호 개체 틀 4">
             <a:extLst>
               <a:ext uri="{FF2B5EF4-FFF2-40B4-BE49-F238E27FC236}">
-                <a16:creationId xmlns:a16="http://schemas.microsoft.com/office/drawing/2014/main" id="{C51CBB64-0926-4D01-B155-E7F9218515DA}"/>
+                <a16:creationId xmlns:a16="http://schemas.microsoft.com/office/drawing/2014/main" id="{833245B3-55E3-44C1-94BC-D28110551B47}"/>
               </a:ext>
             </a:extLst>
           </p:cNvPr>
@@ -2039,7 +2031,7 @@
           <a:bodyPr/>
           <a:lstStyle/>
           <a:p>
-            <a:fld id="{BB80A017-A0FF-40F8-980E-8EFDD35AEFF6}" type="slidenum">
+            <a:fld id="{702AD06A-8B30-4E47-BB8D-8ABD8025B455}" type="slidenum">
               <a:rPr lang="en-US" smtClean="0"/>
               <a:t>‹#›</a:t>
             </a:fld>
@@ -2050,7 +2042,7 @@
     </p:spTree>
     <p:extLst>
       <p:ext uri="{BB962C8B-B14F-4D97-AF65-F5344CB8AC3E}">
-        <p14:creationId xmlns:p14="http://schemas.microsoft.com/office/powerpoint/2010/main" val="2381996198"/>
+        <p14:creationId xmlns:p14="http://schemas.microsoft.com/office/powerpoint/2010/main" val="749951341"/>
       </p:ext>
     </p:extLst>
   </p:cSld>
@@ -2082,7 +2074,7 @@
           <p:cNvPr id="2" name="날짜 개체 틀 1">
             <a:extLst>
               <a:ext uri="{FF2B5EF4-FFF2-40B4-BE49-F238E27FC236}">
-                <a16:creationId xmlns:a16="http://schemas.microsoft.com/office/drawing/2014/main" id="{02F86F6A-FDEF-496A-ADFE-ECD02E22425E}"/>
+                <a16:creationId xmlns:a16="http://schemas.microsoft.com/office/drawing/2014/main" id="{A72E87A9-137F-482D-B558-28BE283CAF00}"/>
               </a:ext>
             </a:extLst>
           </p:cNvPr>
@@ -2098,9 +2090,9 @@
           <a:bodyPr/>
           <a:lstStyle/>
           <a:p>
-            <a:fld id="{F8CAE6D3-A14E-422C-854D-4D93986DF9E8}" type="datetimeFigureOut">
+            <a:fld id="{3B5660B3-DBD0-432C-B749-476A5EADFE62}" type="datetimeFigureOut">
               <a:rPr lang="en-US" smtClean="0"/>
-              <a:t>10/2/2019</a:t>
+              <a:t>10/12/2019</a:t>
             </a:fld>
             <a:endParaRPr lang="en-US"/>
           </a:p>
@@ -2111,7 +2103,7 @@
           <p:cNvPr id="3" name="바닥글 개체 틀 2">
             <a:extLst>
               <a:ext uri="{FF2B5EF4-FFF2-40B4-BE49-F238E27FC236}">
-                <a16:creationId xmlns:a16="http://schemas.microsoft.com/office/drawing/2014/main" id="{A36CADB3-9019-4EFF-8C58-A526760EAD3F}"/>
+                <a16:creationId xmlns:a16="http://schemas.microsoft.com/office/drawing/2014/main" id="{132FE245-B2BF-49D1-83AE-2D3609C9C012}"/>
               </a:ext>
             </a:extLst>
           </p:cNvPr>
@@ -2136,7 +2128,7 @@
           <p:cNvPr id="4" name="슬라이드 번호 개체 틀 3">
             <a:extLst>
               <a:ext uri="{FF2B5EF4-FFF2-40B4-BE49-F238E27FC236}">
-                <a16:creationId xmlns:a16="http://schemas.microsoft.com/office/drawing/2014/main" id="{1C9282B8-C443-422D-904A-B4D4EE06B147}"/>
+                <a16:creationId xmlns:a16="http://schemas.microsoft.com/office/drawing/2014/main" id="{8814E000-F4F4-4505-96C0-191604711F6D}"/>
               </a:ext>
             </a:extLst>
           </p:cNvPr>
@@ -2152,7 +2144,7 @@
           <a:bodyPr/>
           <a:lstStyle/>
           <a:p>
-            <a:fld id="{BB80A017-A0FF-40F8-980E-8EFDD35AEFF6}" type="slidenum">
+            <a:fld id="{702AD06A-8B30-4E47-BB8D-8ABD8025B455}" type="slidenum">
               <a:rPr lang="en-US" smtClean="0"/>
               <a:t>‹#›</a:t>
             </a:fld>
@@ -2163,7 +2155,7 @@
     </p:spTree>
     <p:extLst>
       <p:ext uri="{BB962C8B-B14F-4D97-AF65-F5344CB8AC3E}">
-        <p14:creationId xmlns:p14="http://schemas.microsoft.com/office/powerpoint/2010/main" val="1146735681"/>
+        <p14:creationId xmlns:p14="http://schemas.microsoft.com/office/powerpoint/2010/main" val="691318152"/>
       </p:ext>
     </p:extLst>
   </p:cSld>
@@ -2195,7 +2187,7 @@
           <p:cNvPr id="2" name="제목 1">
             <a:extLst>
               <a:ext uri="{FF2B5EF4-FFF2-40B4-BE49-F238E27FC236}">
-                <a16:creationId xmlns:a16="http://schemas.microsoft.com/office/drawing/2014/main" id="{F47F5DCB-4D91-4A73-868A-CDA358B9C997}"/>
+                <a16:creationId xmlns:a16="http://schemas.microsoft.com/office/drawing/2014/main" id="{14901EFB-265B-4429-B966-B6EA963A961F}"/>
               </a:ext>
             </a:extLst>
           </p:cNvPr>
@@ -2233,7 +2225,7 @@
           <p:cNvPr id="3" name="내용 개체 틀 2">
             <a:extLst>
               <a:ext uri="{FF2B5EF4-FFF2-40B4-BE49-F238E27FC236}">
-                <a16:creationId xmlns:a16="http://schemas.microsoft.com/office/drawing/2014/main" id="{8AE6C3FA-D322-431C-9CD0-77A666A929CB}"/>
+                <a16:creationId xmlns:a16="http://schemas.microsoft.com/office/drawing/2014/main" id="{96407787-8188-40CD-9581-7DDD87DD7C37}"/>
               </a:ext>
             </a:extLst>
           </p:cNvPr>
@@ -2324,7 +2316,7 @@
           <p:cNvPr id="4" name="텍스트 개체 틀 3">
             <a:extLst>
               <a:ext uri="{FF2B5EF4-FFF2-40B4-BE49-F238E27FC236}">
-                <a16:creationId xmlns:a16="http://schemas.microsoft.com/office/drawing/2014/main" id="{AF3EEBF9-36D9-42CE-8F84-5F908CC25A7E}"/>
+                <a16:creationId xmlns:a16="http://schemas.microsoft.com/office/drawing/2014/main" id="{C24DA223-ABE9-415C-95DC-38E301CA098D}"/>
               </a:ext>
             </a:extLst>
           </p:cNvPr>
@@ -2395,7 +2387,7 @@
           <p:cNvPr id="5" name="날짜 개체 틀 4">
             <a:extLst>
               <a:ext uri="{FF2B5EF4-FFF2-40B4-BE49-F238E27FC236}">
-                <a16:creationId xmlns:a16="http://schemas.microsoft.com/office/drawing/2014/main" id="{79F6B72C-A6A2-4325-9010-4527DAB8C03E}"/>
+                <a16:creationId xmlns:a16="http://schemas.microsoft.com/office/drawing/2014/main" id="{18DD592A-18C2-441B-B0CF-0B7FDD8916CB}"/>
               </a:ext>
             </a:extLst>
           </p:cNvPr>
@@ -2411,9 +2403,9 @@
           <a:bodyPr/>
           <a:lstStyle/>
           <a:p>
-            <a:fld id="{F8CAE6D3-A14E-422C-854D-4D93986DF9E8}" type="datetimeFigureOut">
+            <a:fld id="{3B5660B3-DBD0-432C-B749-476A5EADFE62}" type="datetimeFigureOut">
               <a:rPr lang="en-US" smtClean="0"/>
-              <a:t>10/2/2019</a:t>
+              <a:t>10/12/2019</a:t>
             </a:fld>
             <a:endParaRPr lang="en-US"/>
           </a:p>
@@ -2424,7 +2416,7 @@
           <p:cNvPr id="6" name="바닥글 개체 틀 5">
             <a:extLst>
               <a:ext uri="{FF2B5EF4-FFF2-40B4-BE49-F238E27FC236}">
-                <a16:creationId xmlns:a16="http://schemas.microsoft.com/office/drawing/2014/main" id="{77177E39-8166-4735-82FB-5846000D0468}"/>
+                <a16:creationId xmlns:a16="http://schemas.microsoft.com/office/drawing/2014/main" id="{D5DC068E-0623-4E13-9D0A-80018BAFDFB6}"/>
               </a:ext>
             </a:extLst>
           </p:cNvPr>
@@ -2449,7 +2441,7 @@
           <p:cNvPr id="7" name="슬라이드 번호 개체 틀 6">
             <a:extLst>
               <a:ext uri="{FF2B5EF4-FFF2-40B4-BE49-F238E27FC236}">
-                <a16:creationId xmlns:a16="http://schemas.microsoft.com/office/drawing/2014/main" id="{9BD53B0B-E0AC-482F-BEEE-1C5C9CD2D64D}"/>
+                <a16:creationId xmlns:a16="http://schemas.microsoft.com/office/drawing/2014/main" id="{B8A1240C-3BBE-4EFD-9A07-CDDB8DF9131D}"/>
               </a:ext>
             </a:extLst>
           </p:cNvPr>
@@ -2465,7 +2457,7 @@
           <a:bodyPr/>
           <a:lstStyle/>
           <a:p>
-            <a:fld id="{BB80A017-A0FF-40F8-980E-8EFDD35AEFF6}" type="slidenum">
+            <a:fld id="{702AD06A-8B30-4E47-BB8D-8ABD8025B455}" type="slidenum">
               <a:rPr lang="en-US" smtClean="0"/>
               <a:t>‹#›</a:t>
             </a:fld>
@@ -2476,7 +2468,7 @@
     </p:spTree>
     <p:extLst>
       <p:ext uri="{BB962C8B-B14F-4D97-AF65-F5344CB8AC3E}">
-        <p14:creationId xmlns:p14="http://schemas.microsoft.com/office/powerpoint/2010/main" val="2164059904"/>
+        <p14:creationId xmlns:p14="http://schemas.microsoft.com/office/powerpoint/2010/main" val="448356741"/>
       </p:ext>
     </p:extLst>
   </p:cSld>
@@ -2508,7 +2500,7 @@
           <p:cNvPr id="2" name="제목 1">
             <a:extLst>
               <a:ext uri="{FF2B5EF4-FFF2-40B4-BE49-F238E27FC236}">
-                <a16:creationId xmlns:a16="http://schemas.microsoft.com/office/drawing/2014/main" id="{377B9742-1A97-49A5-A9D9-8BAF08E74251}"/>
+                <a16:creationId xmlns:a16="http://schemas.microsoft.com/office/drawing/2014/main" id="{4168D276-2D4B-433F-AD1F-78CAC29CB436}"/>
               </a:ext>
             </a:extLst>
           </p:cNvPr>
@@ -2546,7 +2538,7 @@
           <p:cNvPr id="3" name="그림 개체 틀 2">
             <a:extLst>
               <a:ext uri="{FF2B5EF4-FFF2-40B4-BE49-F238E27FC236}">
-                <a16:creationId xmlns:a16="http://schemas.microsoft.com/office/drawing/2014/main" id="{54D0BD03-079F-4C53-9249-0C668FAB5320}"/>
+                <a16:creationId xmlns:a16="http://schemas.microsoft.com/office/drawing/2014/main" id="{3E73EA5D-E359-48AB-9475-B39D136AD665}"/>
               </a:ext>
             </a:extLst>
           </p:cNvPr>
@@ -2613,7 +2605,7 @@
           <p:cNvPr id="4" name="텍스트 개체 틀 3">
             <a:extLst>
               <a:ext uri="{FF2B5EF4-FFF2-40B4-BE49-F238E27FC236}">
-                <a16:creationId xmlns:a16="http://schemas.microsoft.com/office/drawing/2014/main" id="{67C12020-BC40-47DA-AA31-9B03C8030BAD}"/>
+                <a16:creationId xmlns:a16="http://schemas.microsoft.com/office/drawing/2014/main" id="{16D3B5A7-9276-4613-9AFB-A894078D96C8}"/>
               </a:ext>
             </a:extLst>
           </p:cNvPr>
@@ -2684,7 +2676,7 @@
           <p:cNvPr id="5" name="날짜 개체 틀 4">
             <a:extLst>
               <a:ext uri="{FF2B5EF4-FFF2-40B4-BE49-F238E27FC236}">
-                <a16:creationId xmlns:a16="http://schemas.microsoft.com/office/drawing/2014/main" id="{4158885D-C38F-45C7-A56E-EE2E863B84A5}"/>
+                <a16:creationId xmlns:a16="http://schemas.microsoft.com/office/drawing/2014/main" id="{7DDB482E-AAAE-4288-B85E-6FCA8A2F875F}"/>
               </a:ext>
             </a:extLst>
           </p:cNvPr>
@@ -2700,9 +2692,9 @@
           <a:bodyPr/>
           <a:lstStyle/>
           <a:p>
-            <a:fld id="{F8CAE6D3-A14E-422C-854D-4D93986DF9E8}" type="datetimeFigureOut">
+            <a:fld id="{3B5660B3-DBD0-432C-B749-476A5EADFE62}" type="datetimeFigureOut">
               <a:rPr lang="en-US" smtClean="0"/>
-              <a:t>10/2/2019</a:t>
+              <a:t>10/12/2019</a:t>
             </a:fld>
             <a:endParaRPr lang="en-US"/>
           </a:p>
@@ -2713,7 +2705,7 @@
           <p:cNvPr id="6" name="바닥글 개체 틀 5">
             <a:extLst>
               <a:ext uri="{FF2B5EF4-FFF2-40B4-BE49-F238E27FC236}">
-                <a16:creationId xmlns:a16="http://schemas.microsoft.com/office/drawing/2014/main" id="{AA8987EF-4D23-4827-963F-E925EF199F0C}"/>
+                <a16:creationId xmlns:a16="http://schemas.microsoft.com/office/drawing/2014/main" id="{7DFC6719-BCCB-4721-84D1-9757CE3478BE}"/>
               </a:ext>
             </a:extLst>
           </p:cNvPr>
@@ -2738,7 +2730,7 @@
           <p:cNvPr id="7" name="슬라이드 번호 개체 틀 6">
             <a:extLst>
               <a:ext uri="{FF2B5EF4-FFF2-40B4-BE49-F238E27FC236}">
-                <a16:creationId xmlns:a16="http://schemas.microsoft.com/office/drawing/2014/main" id="{BE3D2F86-E91A-42A8-A04E-AFF01114CEF1}"/>
+                <a16:creationId xmlns:a16="http://schemas.microsoft.com/office/drawing/2014/main" id="{655F445E-543A-47D6-963F-9A51714A58C7}"/>
               </a:ext>
             </a:extLst>
           </p:cNvPr>
@@ -2754,7 +2746,7 @@
           <a:bodyPr/>
           <a:lstStyle/>
           <a:p>
-            <a:fld id="{BB80A017-A0FF-40F8-980E-8EFDD35AEFF6}" type="slidenum">
+            <a:fld id="{702AD06A-8B30-4E47-BB8D-8ABD8025B455}" type="slidenum">
               <a:rPr lang="en-US" smtClean="0"/>
               <a:t>‹#›</a:t>
             </a:fld>
@@ -2765,7 +2757,7 @@
     </p:spTree>
     <p:extLst>
       <p:ext uri="{BB962C8B-B14F-4D97-AF65-F5344CB8AC3E}">
-        <p14:creationId xmlns:p14="http://schemas.microsoft.com/office/powerpoint/2010/main" val="69219711"/>
+        <p14:creationId xmlns:p14="http://schemas.microsoft.com/office/powerpoint/2010/main" val="3498469430"/>
       </p:ext>
     </p:extLst>
   </p:cSld>
@@ -2802,7 +2794,7 @@
           <p:cNvPr id="2" name="제목 개체 틀 1">
             <a:extLst>
               <a:ext uri="{FF2B5EF4-FFF2-40B4-BE49-F238E27FC236}">
-                <a16:creationId xmlns:a16="http://schemas.microsoft.com/office/drawing/2014/main" id="{7C7759EF-A856-4A5D-B9A2-1980C73E9871}"/>
+                <a16:creationId xmlns:a16="http://schemas.microsoft.com/office/drawing/2014/main" id="{FDC7BDD9-7C35-492B-8502-5C4FE4DA26B0}"/>
               </a:ext>
             </a:extLst>
           </p:cNvPr>
@@ -2841,7 +2833,7 @@
           <p:cNvPr id="3" name="텍스트 개체 틀 2">
             <a:extLst>
               <a:ext uri="{FF2B5EF4-FFF2-40B4-BE49-F238E27FC236}">
-                <a16:creationId xmlns:a16="http://schemas.microsoft.com/office/drawing/2014/main" id="{76940F2A-61A1-4342-97B4-863B448B899B}"/>
+                <a16:creationId xmlns:a16="http://schemas.microsoft.com/office/drawing/2014/main" id="{97547F92-2796-4402-A591-3D0DAEF47949}"/>
               </a:ext>
             </a:extLst>
           </p:cNvPr>
@@ -2909,7 +2901,7 @@
           <p:cNvPr id="4" name="날짜 개체 틀 3">
             <a:extLst>
               <a:ext uri="{FF2B5EF4-FFF2-40B4-BE49-F238E27FC236}">
-                <a16:creationId xmlns:a16="http://schemas.microsoft.com/office/drawing/2014/main" id="{D6EAD2F6-E54D-4228-B062-E83454BCAD05}"/>
+                <a16:creationId xmlns:a16="http://schemas.microsoft.com/office/drawing/2014/main" id="{CE3F9ADF-2DAE-46E7-A60A-8C5AD01D4057}"/>
               </a:ext>
             </a:extLst>
           </p:cNvPr>
@@ -2943,9 +2935,9 @@
             </a:lvl1pPr>
           </a:lstStyle>
           <a:p>
-            <a:fld id="{F8CAE6D3-A14E-422C-854D-4D93986DF9E8}" type="datetimeFigureOut">
+            <a:fld id="{3B5660B3-DBD0-432C-B749-476A5EADFE62}" type="datetimeFigureOut">
               <a:rPr lang="en-US" smtClean="0"/>
-              <a:t>10/2/2019</a:t>
+              <a:t>10/12/2019</a:t>
             </a:fld>
             <a:endParaRPr lang="en-US"/>
           </a:p>
@@ -2956,7 +2948,7 @@
           <p:cNvPr id="5" name="바닥글 개체 틀 4">
             <a:extLst>
               <a:ext uri="{FF2B5EF4-FFF2-40B4-BE49-F238E27FC236}">
-                <a16:creationId xmlns:a16="http://schemas.microsoft.com/office/drawing/2014/main" id="{BA2555CE-2ABE-4345-B4D1-6F2354D8E7D6}"/>
+                <a16:creationId xmlns:a16="http://schemas.microsoft.com/office/drawing/2014/main" id="{0BB2552E-2E23-438B-B544-84D974453AC0}"/>
               </a:ext>
             </a:extLst>
           </p:cNvPr>
@@ -2999,7 +2991,7 @@
           <p:cNvPr id="6" name="슬라이드 번호 개체 틀 5">
             <a:extLst>
               <a:ext uri="{FF2B5EF4-FFF2-40B4-BE49-F238E27FC236}">
-                <a16:creationId xmlns:a16="http://schemas.microsoft.com/office/drawing/2014/main" id="{866584B4-A747-4733-A12D-55B02AC19CA7}"/>
+                <a16:creationId xmlns:a16="http://schemas.microsoft.com/office/drawing/2014/main" id="{5A7314ED-E467-4280-A627-0553BCCECE41}"/>
               </a:ext>
             </a:extLst>
           </p:cNvPr>
@@ -3033,7 +3025,7 @@
             </a:lvl1pPr>
           </a:lstStyle>
           <a:p>
-            <a:fld id="{BB80A017-A0FF-40F8-980E-8EFDD35AEFF6}" type="slidenum">
+            <a:fld id="{702AD06A-8B30-4E47-BB8D-8ABD8025B455}" type="slidenum">
               <a:rPr lang="en-US" smtClean="0"/>
               <a:t>‹#›</a:t>
             </a:fld>
@@ -3044,7 +3036,7 @@
     </p:spTree>
     <p:extLst>
       <p:ext uri="{BB962C8B-B14F-4D97-AF65-F5344CB8AC3E}">
-        <p14:creationId xmlns:p14="http://schemas.microsoft.com/office/powerpoint/2010/main" val="146386907"/>
+        <p14:creationId xmlns:p14="http://schemas.microsoft.com/office/powerpoint/2010/main" val="2751232200"/>
       </p:ext>
     </p:extLst>
   </p:cSld>
@@ -3362,90 +3354,46 @@
           <a:chExt cx="0" cy="0"/>
         </a:xfrm>
       </p:grpSpPr>
-      <p:sp>
-        <p:nvSpPr>
-          <p:cNvPr id="2" name="제목 1">
-            <a:extLst>
-              <a:ext uri="{FF2B5EF4-FFF2-40B4-BE49-F238E27FC236}">
-                <a16:creationId xmlns:a16="http://schemas.microsoft.com/office/drawing/2014/main" id="{91CD0D69-18CB-4466-8CF5-BC19AE4611A7}"/>
-              </a:ext>
-            </a:extLst>
-          </p:cNvPr>
-          <p:cNvSpPr>
-            <a:spLocks noGrp="1"/>
-          </p:cNvSpPr>
-          <p:nvPr>
-            <p:ph type="ctrTitle"/>
-          </p:nvPr>
-        </p:nvSpPr>
-        <p:spPr/>
-        <p:txBody>
-          <a:bodyPr/>
-          <a:lstStyle/>
-          <a:p>
-            <a:r>
-              <a:rPr lang="en-US" dirty="0" err="1"/>
-              <a:t>Torest</a:t>
-            </a:r>
-            <a:endParaRPr lang="en-US" dirty="0"/>
-          </a:p>
-        </p:txBody>
-      </p:sp>
-      <p:sp>
-        <p:nvSpPr>
-          <p:cNvPr id="3" name="부제목 2">
-            <a:extLst>
-              <a:ext uri="{FF2B5EF4-FFF2-40B4-BE49-F238E27FC236}">
-                <a16:creationId xmlns:a16="http://schemas.microsoft.com/office/drawing/2014/main" id="{0718428F-155E-4F39-B913-D22BCAA4A358}"/>
-              </a:ext>
-            </a:extLst>
-          </p:cNvPr>
-          <p:cNvSpPr>
-            <a:spLocks noGrp="1"/>
-          </p:cNvSpPr>
-          <p:nvPr>
-            <p:ph type="subTitle" idx="1"/>
-          </p:nvPr>
-        </p:nvSpPr>
-        <p:spPr/>
-        <p:txBody>
-          <a:bodyPr/>
-          <a:lstStyle/>
-          <a:p>
-            <a:r>
-              <a:rPr lang="ko-KR" altLang="en-US" dirty="0"/>
-              <a:t>언제 어디서나 친숙하게 하는 토익 공부</a:t>
-            </a:r>
-            <a:endParaRPr lang="en-US" altLang="ko-KR" dirty="0"/>
-          </a:p>
-          <a:p>
-            <a:r>
-              <a:rPr lang="ko-KR" altLang="en-US" dirty="0"/>
-              <a:t>컴퓨터과학과</a:t>
-            </a:r>
-            <a:endParaRPr lang="en-US" altLang="ko-KR" dirty="0"/>
-          </a:p>
-          <a:p>
-            <a:r>
-              <a:rPr lang="ko-KR" altLang="en-US" dirty="0"/>
-              <a:t>이자룡 </a:t>
-            </a:r>
-            <a:r>
-              <a:rPr lang="ko-KR" altLang="en-US" dirty="0" err="1"/>
-              <a:t>제태경</a:t>
-            </a:r>
-            <a:r>
-              <a:rPr lang="ko-KR" altLang="en-US" dirty="0"/>
-              <a:t> 박명인 박수진</a:t>
-            </a:r>
-            <a:endParaRPr lang="en-US" dirty="0"/>
-          </a:p>
-        </p:txBody>
-      </p:sp>
+      <p:pic>
+        <p:nvPicPr>
+          <p:cNvPr id="5" name="그림 4" descr="꽃, 조류이(가) 표시된 사진&#10;&#10;자동 생성된 설명">
+            <a:extLst>
+              <a:ext uri="{FF2B5EF4-FFF2-40B4-BE49-F238E27FC236}">
+                <a16:creationId xmlns:a16="http://schemas.microsoft.com/office/drawing/2014/main" id="{B016594D-3231-4155-99E5-E1A488EC6230}"/>
+              </a:ext>
+            </a:extLst>
+          </p:cNvPr>
+          <p:cNvPicPr>
+            <a:picLocks noChangeAspect="1"/>
+          </p:cNvPicPr>
+          <p:nvPr/>
+        </p:nvPicPr>
+        <p:blipFill>
+          <a:blip r:embed="rId2">
+            <a:extLst>
+              <a:ext uri="{28A0092B-C50C-407E-A947-70E740481C1C}">
+                <a14:useLocalDpi xmlns:a14="http://schemas.microsoft.com/office/drawing/2010/main" val="0"/>
+              </a:ext>
+            </a:extLst>
+          </a:blip>
+          <a:stretch>
+            <a:fillRect/>
+          </a:stretch>
+        </p:blipFill>
+        <p:spPr>
+          <a:xfrm>
+            <a:off x="0" y="0"/>
+            <a:ext cx="12192000" cy="6858000"/>
+          </a:xfrm>
+          <a:prstGeom prst="rect">
+            <a:avLst/>
+          </a:prstGeom>
+        </p:spPr>
+      </p:pic>
     </p:spTree>
     <p:extLst>
       <p:ext uri="{BB962C8B-B14F-4D97-AF65-F5344CB8AC3E}">
-        <p14:creationId xmlns:p14="http://schemas.microsoft.com/office/powerpoint/2010/main" val="3179493768"/>
+        <p14:creationId xmlns:p14="http://schemas.microsoft.com/office/powerpoint/2010/main" val="2664838788"/>
       </p:ext>
     </p:extLst>
   </p:cSld>
@@ -3472,50 +3420,19 @@
           <a:chExt cx="0" cy="0"/>
         </a:xfrm>
       </p:grpSpPr>
-      <p:sp>
-        <p:nvSpPr>
-          <p:cNvPr id="2" name="제목 1">
-            <a:extLst>
-              <a:ext uri="{FF2B5EF4-FFF2-40B4-BE49-F238E27FC236}">
-                <a16:creationId xmlns:a16="http://schemas.microsoft.com/office/drawing/2014/main" id="{B8ED3591-32D8-4346-AA37-A31CE6725C45}"/>
-              </a:ext>
-            </a:extLst>
-          </p:cNvPr>
-          <p:cNvSpPr>
-            <a:spLocks noGrp="1"/>
-          </p:cNvSpPr>
-          <p:nvPr>
-            <p:ph type="title"/>
-          </p:nvPr>
-        </p:nvSpPr>
-        <p:spPr/>
-        <p:txBody>
-          <a:bodyPr/>
-          <a:lstStyle/>
-          <a:p>
-            <a:r>
-              <a:rPr lang="ko-KR" altLang="en-US" dirty="0"/>
-              <a:t>데이터 구성도</a:t>
-            </a:r>
-            <a:endParaRPr lang="en-US" dirty="0"/>
-          </a:p>
-        </p:txBody>
-      </p:sp>
       <p:pic>
         <p:nvPicPr>
-          <p:cNvPr id="3074" name="Picture 2">
-            <a:extLst>
-              <a:ext uri="{FF2B5EF4-FFF2-40B4-BE49-F238E27FC236}">
-                <a16:creationId xmlns:a16="http://schemas.microsoft.com/office/drawing/2014/main" id="{4E983FB0-B562-460B-8686-3EE4538C19E1}"/>
+          <p:cNvPr id="3" name="그림 2" descr="스크린샷이(가) 표시된 사진&#10;&#10;자동 생성된 설명">
+            <a:extLst>
+              <a:ext uri="{FF2B5EF4-FFF2-40B4-BE49-F238E27FC236}">
+                <a16:creationId xmlns:a16="http://schemas.microsoft.com/office/drawing/2014/main" id="{FC8A84FC-91D2-4A9A-9F78-CB924643CC4B}"/>
               </a:ext>
             </a:extLst>
           </p:cNvPr>
           <p:cNvPicPr>
-            <a:picLocks noGrp="1" noChangeAspect="1" noChangeArrowheads="1"/>
+            <a:picLocks noChangeAspect="1"/>
           </p:cNvPicPr>
-          <p:nvPr>
-            <p:ph idx="1"/>
-          </p:nvPr>
+          <p:nvPr/>
         </p:nvPicPr>
         <p:blipFill>
           <a:blip r:embed="rId2">
@@ -3525,35 +3442,24 @@
               </a:ext>
             </a:extLst>
           </a:blip>
-          <a:srcRect/>
           <a:stretch>
             <a:fillRect/>
           </a:stretch>
         </p:blipFill>
-        <p:spPr bwMode="auto">
+        <p:spPr>
           <a:xfrm>
-            <a:off x="5152698" y="0"/>
-            <a:ext cx="6810702" cy="6858000"/>
+            <a:off x="0" y="0"/>
+            <a:ext cx="12192000" cy="6858000"/>
           </a:xfrm>
           <a:prstGeom prst="rect">
             <a:avLst/>
           </a:prstGeom>
-          <a:noFill/>
-          <a:extLst>
-            <a:ext uri="{909E8E84-426E-40DD-AFC4-6F175D3DCCD1}">
-              <a14:hiddenFill xmlns:a14="http://schemas.microsoft.com/office/drawing/2010/main">
-                <a:solidFill>
-                  <a:srgbClr val="FFFFFF"/>
-                </a:solidFill>
-              </a14:hiddenFill>
-            </a:ext>
-          </a:extLst>
         </p:spPr>
       </p:pic>
     </p:spTree>
     <p:extLst>
       <p:ext uri="{BB962C8B-B14F-4D97-AF65-F5344CB8AC3E}">
-        <p14:creationId xmlns:p14="http://schemas.microsoft.com/office/powerpoint/2010/main" val="69533375"/>
+        <p14:creationId xmlns:p14="http://schemas.microsoft.com/office/powerpoint/2010/main" val="3939555822"/>
       </p:ext>
     </p:extLst>
   </p:cSld>
@@ -3580,225 +3486,46 @@
           <a:chExt cx="0" cy="0"/>
         </a:xfrm>
       </p:grpSpPr>
-      <p:sp>
-        <p:nvSpPr>
-          <p:cNvPr id="4" name="직사각형 3"/>
-          <p:cNvSpPr/>
+      <p:pic>
+        <p:nvPicPr>
+          <p:cNvPr id="3" name="그림 2" descr="그리기이(가) 표시된 사진&#10;&#10;자동 생성된 설명">
+            <a:extLst>
+              <a:ext uri="{FF2B5EF4-FFF2-40B4-BE49-F238E27FC236}">
+                <a16:creationId xmlns:a16="http://schemas.microsoft.com/office/drawing/2014/main" id="{DF463BA2-EFAA-45A5-87D5-273A35664864}"/>
+              </a:ext>
+            </a:extLst>
+          </p:cNvPr>
+          <p:cNvPicPr>
+            <a:picLocks noChangeAspect="1"/>
+          </p:cNvPicPr>
           <p:nvPr/>
-        </p:nvSpPr>
+        </p:nvPicPr>
+        <p:blipFill>
+          <a:blip r:embed="rId2">
+            <a:extLst>
+              <a:ext uri="{28A0092B-C50C-407E-A947-70E740481C1C}">
+                <a14:useLocalDpi xmlns:a14="http://schemas.microsoft.com/office/drawing/2010/main" val="0"/>
+              </a:ext>
+            </a:extLst>
+          </a:blip>
+          <a:stretch>
+            <a:fillRect/>
+          </a:stretch>
+        </p:blipFill>
         <p:spPr>
           <a:xfrm>
-            <a:off x="527382" y="47335"/>
-            <a:ext cx="11425269" cy="6336704"/>
+            <a:off x="0" y="0"/>
+            <a:ext cx="12192000" cy="6858000"/>
           </a:xfrm>
           <a:prstGeom prst="rect">
             <a:avLst/>
           </a:prstGeom>
-          <a:solidFill>
-            <a:schemeClr val="bg1"/>
-          </a:solidFill>
-          <a:ln>
-            <a:noFill/>
-          </a:ln>
-        </p:spPr>
-        <p:style>
-          <a:lnRef idx="2">
-            <a:schemeClr val="accent1">
-              <a:shade val="50000"/>
-            </a:schemeClr>
-          </a:lnRef>
-          <a:fillRef idx="1">
-            <a:schemeClr val="accent1"/>
-          </a:fillRef>
-          <a:effectRef idx="0">
-            <a:schemeClr val="accent1"/>
-          </a:effectRef>
-          <a:fontRef idx="minor">
-            <a:schemeClr val="lt1"/>
-          </a:fontRef>
-        </p:style>
-        <p:txBody>
-          <a:bodyPr rtlCol="0" anchor="ctr"/>
-          <a:lstStyle/>
-          <a:p>
-            <a:pPr algn="ctr"/>
-            <a:endParaRPr lang="ko-KR" altLang="en-US" sz="2400" dirty="0"/>
-          </a:p>
-        </p:txBody>
-      </p:sp>
-      <p:grpSp>
-        <p:nvGrpSpPr>
-          <p:cNvPr id="3" name="그룹 2"/>
-          <p:cNvGrpSpPr/>
-          <p:nvPr/>
-        </p:nvGrpSpPr>
-        <p:grpSpPr>
-          <a:xfrm>
-            <a:off x="1223215" y="121020"/>
-            <a:ext cx="6120925" cy="619674"/>
-            <a:chOff x="1259632" y="1858381"/>
-            <a:chExt cx="2664296" cy="294962"/>
-          </a:xfrm>
-        </p:grpSpPr>
-        <p:sp>
-          <p:nvSpPr>
-            <p:cNvPr id="9" name="TextBox 8"/>
-            <p:cNvSpPr txBox="1"/>
-            <p:nvPr/>
-          </p:nvSpPr>
-          <p:spPr>
-            <a:xfrm>
-              <a:off x="1259632" y="1858381"/>
-              <a:ext cx="1634967" cy="278350"/>
-            </a:xfrm>
-            <a:prstGeom prst="rect">
-              <a:avLst/>
-            </a:prstGeom>
-            <a:noFill/>
-          </p:spPr>
-          <p:txBody>
-            <a:bodyPr wrap="none" rtlCol="0" anchor="ctr">
-              <a:spAutoFit/>
-            </a:bodyPr>
-            <a:lstStyle/>
-            <a:p>
-              <a:r>
-                <a:rPr lang="ko-KR" altLang="en-US" sz="3200" b="1" dirty="0">
-                  <a:solidFill>
-                    <a:schemeClr val="tx1">
-                      <a:lumMod val="65000"/>
-                      <a:lumOff val="35000"/>
-                    </a:schemeClr>
-                  </a:solidFill>
-                </a:rPr>
-                <a:t>데이터 베이스 관리</a:t>
-              </a:r>
-              <a:endParaRPr lang="en-US" altLang="ko-KR" sz="3200" b="1" dirty="0">
-                <a:solidFill>
-                  <a:schemeClr val="tx1">
-                    <a:lumMod val="65000"/>
-                    <a:lumOff val="35000"/>
-                  </a:schemeClr>
-                </a:solidFill>
-              </a:endParaRPr>
-            </a:p>
-          </p:txBody>
-        </p:sp>
-        <p:cxnSp>
-          <p:nvCxnSpPr>
-            <p:cNvPr id="12" name="직선 화살표 연결선 11"/>
-            <p:cNvCxnSpPr/>
-            <p:nvPr/>
-          </p:nvCxnSpPr>
-          <p:spPr>
-            <a:xfrm>
-              <a:off x="1259632" y="2153343"/>
-              <a:ext cx="2664296" cy="0"/>
-            </a:xfrm>
-            <a:prstGeom prst="straightConnector1">
-              <a:avLst/>
-            </a:prstGeom>
-            <a:ln w="57150">
-              <a:solidFill>
-                <a:schemeClr val="accent2"/>
-              </a:solidFill>
-              <a:tailEnd type="arrow"/>
-            </a:ln>
-          </p:spPr>
-          <p:style>
-            <a:lnRef idx="1">
-              <a:schemeClr val="accent1"/>
-            </a:lnRef>
-            <a:fillRef idx="0">
-              <a:schemeClr val="accent1"/>
-            </a:fillRef>
-            <a:effectRef idx="0">
-              <a:schemeClr val="accent1"/>
-            </a:effectRef>
-            <a:fontRef idx="minor">
-              <a:schemeClr val="tx1"/>
-            </a:fontRef>
-          </p:style>
-        </p:cxnSp>
-      </p:grpSp>
-      <p:pic>
-        <p:nvPicPr>
-          <p:cNvPr id="10" name="Picture 2">
-            <a:extLst>
-              <a:ext uri="{FF2B5EF4-FFF2-40B4-BE49-F238E27FC236}">
-                <a16:creationId xmlns:a16="http://schemas.microsoft.com/office/drawing/2014/main" id="{39379730-994C-4A24-9E73-D287C342A6A4}"/>
-              </a:ext>
-            </a:extLst>
-          </p:cNvPr>
-          <p:cNvPicPr>
-            <a:picLocks noChangeAspect="1" noChangeArrowheads="1"/>
-          </p:cNvPicPr>
-          <p:nvPr/>
-        </p:nvPicPr>
-        <p:blipFill rotWithShape="1">
-          <a:blip r:embed="rId2" cstate="print"/>
-          <a:srcRect r="37931"/>
-          <a:stretch/>
-        </p:blipFill>
-        <p:spPr bwMode="auto">
-          <a:xfrm>
-            <a:off x="1007435" y="1508787"/>
-            <a:ext cx="2016224" cy="3552383"/>
-          </a:xfrm>
-          <a:prstGeom prst="rect">
-            <a:avLst/>
-          </a:prstGeom>
-          <a:noFill/>
-          <a:ln w="9525">
-            <a:noFill/>
-            <a:miter lim="800000"/>
-            <a:headEnd/>
-            <a:tailEnd/>
-          </a:ln>
-        </p:spPr>
-      </p:pic>
-      <p:pic>
-        <p:nvPicPr>
-          <p:cNvPr id="14" name="Picture 4">
-            <a:extLst>
-              <a:ext uri="{FF2B5EF4-FFF2-40B4-BE49-F238E27FC236}">
-                <a16:creationId xmlns:a16="http://schemas.microsoft.com/office/drawing/2014/main" id="{8F708F00-A1B6-4B01-88FC-61B0C0E9A7AF}"/>
-              </a:ext>
-            </a:extLst>
-          </p:cNvPr>
-          <p:cNvPicPr>
-            <a:picLocks noChangeAspect="1" noChangeArrowheads="1"/>
-          </p:cNvPicPr>
-          <p:nvPr/>
-        </p:nvPicPr>
-        <p:blipFill>
-          <a:blip r:embed="rId3" cstate="print"/>
-          <a:srcRect/>
-          <a:stretch>
-            <a:fillRect/>
-          </a:stretch>
-        </p:blipFill>
-        <p:spPr bwMode="auto">
-          <a:xfrm>
-            <a:off x="3130686" y="1220753"/>
-            <a:ext cx="8549927" cy="4704513"/>
-          </a:xfrm>
-          <a:prstGeom prst="rect">
-            <a:avLst/>
-          </a:prstGeom>
-          <a:noFill/>
-          <a:ln w="9525">
-            <a:noFill/>
-            <a:miter lim="800000"/>
-            <a:headEnd/>
-            <a:tailEnd/>
-          </a:ln>
         </p:spPr>
       </p:pic>
     </p:spTree>
     <p:extLst>
       <p:ext uri="{BB962C8B-B14F-4D97-AF65-F5344CB8AC3E}">
-        <p14:creationId xmlns:p14="http://schemas.microsoft.com/office/powerpoint/2010/main" val="1194091668"/>
+        <p14:creationId xmlns:p14="http://schemas.microsoft.com/office/powerpoint/2010/main" val="1782190250"/>
       </p:ext>
     </p:extLst>
   </p:cSld>
@@ -3825,39 +3552,46 @@
           <a:chExt cx="0" cy="0"/>
         </a:xfrm>
       </p:grpSpPr>
-      <p:sp>
-        <p:nvSpPr>
-          <p:cNvPr id="2" name="제목 1">
-            <a:extLst>
-              <a:ext uri="{FF2B5EF4-FFF2-40B4-BE49-F238E27FC236}">
-                <a16:creationId xmlns:a16="http://schemas.microsoft.com/office/drawing/2014/main" id="{7F5ACEB1-A33E-423A-AFDE-7AEA10DCB51D}"/>
-              </a:ext>
-            </a:extLst>
-          </p:cNvPr>
-          <p:cNvSpPr>
-            <a:spLocks noGrp="1"/>
-          </p:cNvSpPr>
-          <p:nvPr>
-            <p:ph type="title"/>
-          </p:nvPr>
-        </p:nvSpPr>
-        <p:spPr/>
-        <p:txBody>
-          <a:bodyPr/>
-          <a:lstStyle/>
-          <a:p>
-            <a:r>
-              <a:rPr lang="ko-KR" altLang="en-US" dirty="0"/>
-              <a:t>작업 내용</a:t>
-            </a:r>
-            <a:endParaRPr lang="en-US" dirty="0"/>
-          </a:p>
-        </p:txBody>
-      </p:sp>
+      <p:pic>
+        <p:nvPicPr>
+          <p:cNvPr id="3" name="그림 2" descr="사람, 남자, 의류, 정장이(가) 표시된 사진&#10;&#10;자동 생성된 설명">
+            <a:extLst>
+              <a:ext uri="{FF2B5EF4-FFF2-40B4-BE49-F238E27FC236}">
+                <a16:creationId xmlns:a16="http://schemas.microsoft.com/office/drawing/2014/main" id="{ADF9EAA2-E787-4093-AD34-33E8CED06559}"/>
+              </a:ext>
+            </a:extLst>
+          </p:cNvPr>
+          <p:cNvPicPr>
+            <a:picLocks noChangeAspect="1"/>
+          </p:cNvPicPr>
+          <p:nvPr/>
+        </p:nvPicPr>
+        <p:blipFill>
+          <a:blip r:embed="rId2">
+            <a:extLst>
+              <a:ext uri="{28A0092B-C50C-407E-A947-70E740481C1C}">
+                <a14:useLocalDpi xmlns:a14="http://schemas.microsoft.com/office/drawing/2010/main" val="0"/>
+              </a:ext>
+            </a:extLst>
+          </a:blip>
+          <a:stretch>
+            <a:fillRect/>
+          </a:stretch>
+        </p:blipFill>
+        <p:spPr>
+          <a:xfrm>
+            <a:off x="0" y="0"/>
+            <a:ext cx="12192000" cy="6858000"/>
+          </a:xfrm>
+          <a:prstGeom prst="rect">
+            <a:avLst/>
+          </a:prstGeom>
+        </p:spPr>
+      </p:pic>
     </p:spTree>
     <p:extLst>
       <p:ext uri="{BB962C8B-B14F-4D97-AF65-F5344CB8AC3E}">
-        <p14:creationId xmlns:p14="http://schemas.microsoft.com/office/powerpoint/2010/main" val="849298900"/>
+        <p14:creationId xmlns:p14="http://schemas.microsoft.com/office/powerpoint/2010/main" val="3736844685"/>
       </p:ext>
     </p:extLst>
   </p:cSld>
@@ -3884,841 +3618,12 @@
           <a:chExt cx="0" cy="0"/>
         </a:xfrm>
       </p:grpSpPr>
-      <p:sp>
-        <p:nvSpPr>
-          <p:cNvPr id="4" name="직사각형 3"/>
-          <p:cNvSpPr/>
-          <p:nvPr/>
-        </p:nvSpPr>
-        <p:spPr>
-          <a:xfrm>
-            <a:off x="527382" y="47335"/>
-            <a:ext cx="11425269" cy="6336704"/>
-          </a:xfrm>
-          <a:prstGeom prst="rect">
-            <a:avLst/>
-          </a:prstGeom>
-          <a:solidFill>
-            <a:schemeClr val="bg1"/>
-          </a:solidFill>
-          <a:ln>
-            <a:noFill/>
-          </a:ln>
-        </p:spPr>
-        <p:style>
-          <a:lnRef idx="2">
-            <a:schemeClr val="accent1">
-              <a:shade val="50000"/>
-            </a:schemeClr>
-          </a:lnRef>
-          <a:fillRef idx="1">
-            <a:schemeClr val="accent1"/>
-          </a:fillRef>
-          <a:effectRef idx="0">
-            <a:schemeClr val="accent1"/>
-          </a:effectRef>
-          <a:fontRef idx="minor">
-            <a:schemeClr val="lt1"/>
-          </a:fontRef>
-        </p:style>
-        <p:txBody>
-          <a:bodyPr rtlCol="0" anchor="ctr"/>
-          <a:lstStyle/>
-          <a:p>
-            <a:pPr algn="ctr"/>
-            <a:endParaRPr lang="ko-KR" altLang="en-US" sz="2400" dirty="0"/>
-          </a:p>
-        </p:txBody>
-      </p:sp>
-      <p:grpSp>
-        <p:nvGrpSpPr>
-          <p:cNvPr id="3" name="그룹 2"/>
-          <p:cNvGrpSpPr/>
-          <p:nvPr/>
-        </p:nvGrpSpPr>
-        <p:grpSpPr>
-          <a:xfrm>
-            <a:off x="719403" y="155276"/>
-            <a:ext cx="5589757" cy="621201"/>
-            <a:chOff x="1040335" y="1874270"/>
-            <a:chExt cx="2883593" cy="279073"/>
-          </a:xfrm>
-        </p:grpSpPr>
-        <p:sp>
-          <p:nvSpPr>
-            <p:cNvPr id="9" name="TextBox 8"/>
-            <p:cNvSpPr txBox="1"/>
-            <p:nvPr/>
-          </p:nvSpPr>
-          <p:spPr>
-            <a:xfrm>
-              <a:off x="1040335" y="1874270"/>
-              <a:ext cx="2796059" cy="262709"/>
-            </a:xfrm>
-            <a:prstGeom prst="rect">
-              <a:avLst/>
-            </a:prstGeom>
-            <a:noFill/>
-          </p:spPr>
-          <p:txBody>
-            <a:bodyPr wrap="none" rtlCol="0" anchor="ctr">
-              <a:spAutoFit/>
-            </a:bodyPr>
-            <a:lstStyle/>
-            <a:p>
-              <a:r>
-                <a:rPr lang="ko-KR" altLang="en-US" sz="3200" b="1" dirty="0">
-                  <a:solidFill>
-                    <a:schemeClr val="tx1">
-                      <a:lumMod val="65000"/>
-                      <a:lumOff val="35000"/>
-                    </a:schemeClr>
-                  </a:solidFill>
-                </a:rPr>
-                <a:t>  풀이시간에 따른 점수 지급</a:t>
-              </a:r>
-              <a:endParaRPr lang="en-US" altLang="ko-KR" sz="3200" b="1" dirty="0">
-                <a:solidFill>
-                  <a:schemeClr val="tx1">
-                    <a:lumMod val="65000"/>
-                    <a:lumOff val="35000"/>
-                  </a:schemeClr>
-                </a:solidFill>
-              </a:endParaRPr>
-            </a:p>
-          </p:txBody>
-        </p:sp>
-        <p:cxnSp>
-          <p:nvCxnSpPr>
-            <p:cNvPr id="12" name="직선 화살표 연결선 11"/>
-            <p:cNvCxnSpPr/>
-            <p:nvPr/>
-          </p:nvCxnSpPr>
-          <p:spPr>
-            <a:xfrm>
-              <a:off x="1259632" y="2153343"/>
-              <a:ext cx="2664296" cy="0"/>
-            </a:xfrm>
-            <a:prstGeom prst="straightConnector1">
-              <a:avLst/>
-            </a:prstGeom>
-            <a:ln w="57150">
-              <a:solidFill>
-                <a:schemeClr val="accent2"/>
-              </a:solidFill>
-              <a:tailEnd type="arrow"/>
-            </a:ln>
-          </p:spPr>
-          <p:style>
-            <a:lnRef idx="1">
-              <a:schemeClr val="accent1"/>
-            </a:lnRef>
-            <a:fillRef idx="0">
-              <a:schemeClr val="accent1"/>
-            </a:fillRef>
-            <a:effectRef idx="0">
-              <a:schemeClr val="accent1"/>
-            </a:effectRef>
-            <a:fontRef idx="minor">
-              <a:schemeClr val="tx1"/>
-            </a:fontRef>
-          </p:style>
-        </p:cxnSp>
-      </p:grpSp>
-      <p:sp>
-        <p:nvSpPr>
-          <p:cNvPr id="5" name="TextBox 4">
-            <a:extLst>
-              <a:ext uri="{FF2B5EF4-FFF2-40B4-BE49-F238E27FC236}">
-                <a16:creationId xmlns:a16="http://schemas.microsoft.com/office/drawing/2014/main" id="{995AEA3D-541A-4196-9E32-0C26E2F34799}"/>
-              </a:ext>
-            </a:extLst>
-          </p:cNvPr>
-          <p:cNvSpPr txBox="1"/>
-          <p:nvPr/>
-        </p:nvSpPr>
-        <p:spPr>
-          <a:xfrm>
-            <a:off x="8406832" y="1286954"/>
-            <a:ext cx="3456384" cy="4689489"/>
-          </a:xfrm>
-          <a:prstGeom prst="rect">
-            <a:avLst/>
-          </a:prstGeom>
-          <a:noFill/>
-        </p:spPr>
-        <p:txBody>
-          <a:bodyPr wrap="square" rtlCol="0">
-            <a:spAutoFit/>
-          </a:bodyPr>
-          <a:lstStyle/>
-          <a:p>
-            <a:r>
-              <a:rPr lang="ko-KR" altLang="en-US" sz="1867" b="1" dirty="0">
-                <a:solidFill>
-                  <a:schemeClr val="tx1">
-                    <a:lumMod val="65000"/>
-                    <a:lumOff val="35000"/>
-                  </a:schemeClr>
-                </a:solidFill>
-              </a:rPr>
-              <a:t>만약 정답이면</a:t>
-            </a:r>
-            <a:r>
-              <a:rPr lang="en-US" altLang="ko-KR" sz="1867" b="1" dirty="0">
-                <a:solidFill>
-                  <a:schemeClr val="tx1">
-                    <a:lumMod val="65000"/>
-                    <a:lumOff val="35000"/>
-                  </a:schemeClr>
-                </a:solidFill>
-              </a:rPr>
-              <a:t>,</a:t>
-            </a:r>
-          </a:p>
-          <a:p>
-            <a:r>
-              <a:rPr lang="en-US" altLang="ko-KR" sz="1867" dirty="0">
-                <a:solidFill>
-                  <a:schemeClr val="tx1">
-                    <a:lumMod val="65000"/>
-                    <a:lumOff val="35000"/>
-                  </a:schemeClr>
-                </a:solidFill>
-              </a:rPr>
-              <a:t>  - </a:t>
-            </a:r>
-            <a:r>
-              <a:rPr lang="en-US" altLang="ko-KR" sz="1867" dirty="0" err="1">
-                <a:solidFill>
-                  <a:schemeClr val="tx1">
-                    <a:lumMod val="65000"/>
-                    <a:lumOff val="35000"/>
-                  </a:schemeClr>
-                </a:solidFill>
-              </a:rPr>
-              <a:t>rightCounter</a:t>
-            </a:r>
-            <a:r>
-              <a:rPr lang="en-US" altLang="ko-KR" sz="1867" dirty="0">
-                <a:solidFill>
-                  <a:schemeClr val="tx1">
-                    <a:lumMod val="65000"/>
-                    <a:lumOff val="35000"/>
-                  </a:schemeClr>
-                </a:solidFill>
-              </a:rPr>
-              <a:t>++</a:t>
-            </a:r>
-          </a:p>
-          <a:p>
-            <a:endParaRPr lang="en-US" altLang="ko-KR" sz="1867" dirty="0">
-              <a:solidFill>
-                <a:schemeClr val="tx1">
-                  <a:lumMod val="65000"/>
-                  <a:lumOff val="35000"/>
-                </a:schemeClr>
-              </a:solidFill>
-            </a:endParaRPr>
-          </a:p>
-          <a:p>
-            <a:r>
-              <a:rPr lang="en-US" altLang="ko-KR" sz="1867" dirty="0">
-                <a:solidFill>
-                  <a:schemeClr val="tx1">
-                    <a:lumMod val="65000"/>
-                    <a:lumOff val="35000"/>
-                  </a:schemeClr>
-                </a:solidFill>
-              </a:rPr>
-              <a:t>  </a:t>
-            </a:r>
-            <a:r>
-              <a:rPr lang="en-US" altLang="ko-KR" sz="1867" b="1" dirty="0">
-                <a:solidFill>
-                  <a:schemeClr val="tx1">
-                    <a:lumMod val="65000"/>
-                    <a:lumOff val="35000"/>
-                  </a:schemeClr>
-                </a:solidFill>
-              </a:rPr>
-              <a:t>if, 3</a:t>
-            </a:r>
-            <a:r>
-              <a:rPr lang="ko-KR" altLang="en-US" sz="1867" b="1" dirty="0" err="1">
-                <a:solidFill>
-                  <a:schemeClr val="tx1">
-                    <a:lumMod val="65000"/>
-                    <a:lumOff val="35000"/>
-                  </a:schemeClr>
-                </a:solidFill>
-              </a:rPr>
-              <a:t>초만에</a:t>
-            </a:r>
-            <a:r>
-              <a:rPr lang="ko-KR" altLang="en-US" sz="1867" b="1" dirty="0">
-                <a:solidFill>
-                  <a:schemeClr val="tx1">
-                    <a:lumMod val="65000"/>
-                    <a:lumOff val="35000"/>
-                  </a:schemeClr>
-                </a:solidFill>
-              </a:rPr>
-              <a:t> 맞추면</a:t>
-            </a:r>
-            <a:endParaRPr lang="en-US" altLang="ko-KR" sz="1867" b="1" dirty="0">
-              <a:solidFill>
-                <a:schemeClr val="tx1">
-                  <a:lumMod val="65000"/>
-                  <a:lumOff val="35000"/>
-                </a:schemeClr>
-              </a:solidFill>
-            </a:endParaRPr>
-          </a:p>
-          <a:p>
-            <a:r>
-              <a:rPr lang="en-US" altLang="ko-KR" sz="1867" dirty="0">
-                <a:solidFill>
-                  <a:schemeClr val="tx1">
-                    <a:lumMod val="65000"/>
-                    <a:lumOff val="35000"/>
-                  </a:schemeClr>
-                </a:solidFill>
-              </a:rPr>
-              <a:t>    - </a:t>
-            </a:r>
-            <a:r>
-              <a:rPr lang="ko-KR" altLang="en-US" sz="1867" dirty="0">
-                <a:solidFill>
-                  <a:schemeClr val="tx1">
-                    <a:lumMod val="65000"/>
-                    <a:lumOff val="35000"/>
-                  </a:schemeClr>
-                </a:solidFill>
-              </a:rPr>
-              <a:t>사용자 </a:t>
-            </a:r>
-            <a:r>
-              <a:rPr lang="ko-KR" altLang="en-US" sz="1867" dirty="0" err="1">
-                <a:solidFill>
-                  <a:schemeClr val="tx1">
-                    <a:lumMod val="65000"/>
-                    <a:lumOff val="35000"/>
-                  </a:schemeClr>
-                </a:solidFill>
-              </a:rPr>
-              <a:t>레벨별</a:t>
-            </a:r>
-            <a:r>
-              <a:rPr lang="ko-KR" altLang="en-US" sz="1867" dirty="0">
-                <a:solidFill>
-                  <a:schemeClr val="tx1">
-                    <a:lumMod val="65000"/>
-                    <a:lumOff val="35000"/>
-                  </a:schemeClr>
-                </a:solidFill>
-              </a:rPr>
-              <a:t> 최고점수             </a:t>
-            </a:r>
-            <a:r>
-              <a:rPr lang="en-US" altLang="ko-KR" sz="1867" dirty="0">
-                <a:solidFill>
-                  <a:schemeClr val="tx1">
-                    <a:lumMod val="65000"/>
-                    <a:lumOff val="35000"/>
-                  </a:schemeClr>
-                </a:solidFill>
-              </a:rPr>
-              <a:t> </a:t>
-            </a:r>
-          </a:p>
-          <a:p>
-            <a:r>
-              <a:rPr lang="en-US" altLang="ko-KR" sz="1867" dirty="0">
-                <a:solidFill>
-                  <a:schemeClr val="tx1">
-                    <a:lumMod val="65000"/>
-                    <a:lumOff val="35000"/>
-                  </a:schemeClr>
-                </a:solidFill>
-              </a:rPr>
-              <a:t>      (</a:t>
-            </a:r>
-            <a:r>
-              <a:rPr lang="en-US" altLang="ko-KR" sz="1867" dirty="0" err="1">
-                <a:solidFill>
-                  <a:schemeClr val="tx1">
-                    <a:lumMod val="65000"/>
-                    <a:lumOff val="35000"/>
-                  </a:schemeClr>
-                </a:solidFill>
-              </a:rPr>
-              <a:t>onePoint</a:t>
-            </a:r>
-            <a:r>
-              <a:rPr lang="en-US" altLang="ko-KR" sz="1867" dirty="0">
-                <a:solidFill>
-                  <a:schemeClr val="tx1">
-                    <a:lumMod val="65000"/>
-                    <a:lumOff val="35000"/>
-                  </a:schemeClr>
-                </a:solidFill>
-              </a:rPr>
-              <a:t>)</a:t>
-            </a:r>
-            <a:r>
-              <a:rPr lang="ko-KR" altLang="en-US" sz="1867" dirty="0">
-                <a:solidFill>
-                  <a:schemeClr val="tx1">
-                    <a:lumMod val="65000"/>
-                    <a:lumOff val="35000"/>
-                  </a:schemeClr>
-                </a:solidFill>
-              </a:rPr>
-              <a:t> 지급</a:t>
-            </a:r>
-            <a:endParaRPr lang="en-US" altLang="ko-KR" sz="1867" dirty="0">
-              <a:solidFill>
-                <a:schemeClr val="tx1">
-                  <a:lumMod val="65000"/>
-                  <a:lumOff val="35000"/>
-                </a:schemeClr>
-              </a:solidFill>
-            </a:endParaRPr>
-          </a:p>
-          <a:p>
-            <a:endParaRPr lang="en-US" altLang="ko-KR" sz="1867" dirty="0">
-              <a:solidFill>
-                <a:schemeClr val="tx1">
-                  <a:lumMod val="65000"/>
-                  <a:lumOff val="35000"/>
-                </a:schemeClr>
-              </a:solidFill>
-            </a:endParaRPr>
-          </a:p>
-          <a:p>
-            <a:r>
-              <a:rPr lang="en-US" altLang="ko-KR" sz="1867" dirty="0">
-                <a:solidFill>
-                  <a:schemeClr val="tx1">
-                    <a:lumMod val="65000"/>
-                    <a:lumOff val="35000"/>
-                  </a:schemeClr>
-                </a:solidFill>
-              </a:rPr>
-              <a:t>  </a:t>
-            </a:r>
-            <a:r>
-              <a:rPr lang="en-US" altLang="ko-KR" sz="1867" b="1" dirty="0">
-                <a:solidFill>
-                  <a:schemeClr val="tx1">
-                    <a:lumMod val="65000"/>
-                    <a:lumOff val="35000"/>
-                  </a:schemeClr>
-                </a:solidFill>
-              </a:rPr>
-              <a:t>else if, 5</a:t>
-            </a:r>
-            <a:r>
-              <a:rPr lang="ko-KR" altLang="en-US" sz="1867" b="1" dirty="0" err="1">
-                <a:solidFill>
-                  <a:schemeClr val="tx1">
-                    <a:lumMod val="65000"/>
-                    <a:lumOff val="35000"/>
-                  </a:schemeClr>
-                </a:solidFill>
-              </a:rPr>
-              <a:t>초만에</a:t>
-            </a:r>
-            <a:r>
-              <a:rPr lang="ko-KR" altLang="en-US" sz="1867" b="1" dirty="0">
-                <a:solidFill>
-                  <a:schemeClr val="tx1">
-                    <a:lumMod val="65000"/>
-                    <a:lumOff val="35000"/>
-                  </a:schemeClr>
-                </a:solidFill>
-              </a:rPr>
-              <a:t> 맞추면</a:t>
-            </a:r>
-            <a:endParaRPr lang="en-US" altLang="ko-KR" sz="1867" b="1" dirty="0">
-              <a:solidFill>
-                <a:schemeClr val="tx1">
-                  <a:lumMod val="65000"/>
-                  <a:lumOff val="35000"/>
-                </a:schemeClr>
-              </a:solidFill>
-            </a:endParaRPr>
-          </a:p>
-          <a:p>
-            <a:r>
-              <a:rPr lang="en-US" altLang="ko-KR" sz="1867" dirty="0">
-                <a:solidFill>
-                  <a:schemeClr val="tx1">
-                    <a:lumMod val="65000"/>
-                    <a:lumOff val="35000"/>
-                  </a:schemeClr>
-                </a:solidFill>
-              </a:rPr>
-              <a:t>    - </a:t>
-            </a:r>
-            <a:r>
-              <a:rPr lang="en-US" altLang="ko-KR" sz="1867" dirty="0" err="1">
-                <a:solidFill>
-                  <a:schemeClr val="tx1">
-                    <a:lumMod val="65000"/>
-                    <a:lumOff val="35000"/>
-                  </a:schemeClr>
-                </a:solidFill>
-              </a:rPr>
-              <a:t>onePoint</a:t>
-            </a:r>
-            <a:r>
-              <a:rPr lang="ko-KR" altLang="en-US" sz="1867" dirty="0">
-                <a:solidFill>
-                  <a:schemeClr val="tx1">
-                    <a:lumMod val="65000"/>
-                    <a:lumOff val="35000"/>
-                  </a:schemeClr>
-                </a:solidFill>
-              </a:rPr>
-              <a:t>의 </a:t>
-            </a:r>
-            <a:r>
-              <a:rPr lang="en-US" altLang="ko-KR" sz="1867" dirty="0">
-                <a:solidFill>
-                  <a:schemeClr val="tx1">
-                    <a:lumMod val="65000"/>
-                    <a:lumOff val="35000"/>
-                  </a:schemeClr>
-                </a:solidFill>
-              </a:rPr>
-              <a:t>70%</a:t>
-            </a:r>
-            <a:r>
-              <a:rPr lang="ko-KR" altLang="en-US" sz="1867" dirty="0">
-                <a:solidFill>
-                  <a:schemeClr val="tx1">
-                    <a:lumMod val="65000"/>
-                    <a:lumOff val="35000"/>
-                  </a:schemeClr>
-                </a:solidFill>
-              </a:rPr>
-              <a:t>만 </a:t>
-            </a:r>
-            <a:endParaRPr lang="en-US" altLang="ko-KR" sz="1867" dirty="0">
-              <a:solidFill>
-                <a:schemeClr val="tx1">
-                  <a:lumMod val="65000"/>
-                  <a:lumOff val="35000"/>
-                </a:schemeClr>
-              </a:solidFill>
-            </a:endParaRPr>
-          </a:p>
-          <a:p>
-            <a:r>
-              <a:rPr lang="en-US" altLang="ko-KR" sz="1867" dirty="0">
-                <a:solidFill>
-                  <a:schemeClr val="tx1">
-                    <a:lumMod val="65000"/>
-                    <a:lumOff val="35000"/>
-                  </a:schemeClr>
-                </a:solidFill>
-              </a:rPr>
-              <a:t>      </a:t>
-            </a:r>
-            <a:r>
-              <a:rPr lang="ko-KR" altLang="en-US" sz="1867" dirty="0">
-                <a:solidFill>
-                  <a:schemeClr val="tx1">
-                    <a:lumMod val="65000"/>
-                    <a:lumOff val="35000"/>
-                  </a:schemeClr>
-                </a:solidFill>
-              </a:rPr>
-              <a:t>지급</a:t>
-            </a:r>
-            <a:r>
-              <a:rPr lang="en-US" altLang="ko-KR" sz="1867" dirty="0">
-                <a:solidFill>
-                  <a:schemeClr val="tx1">
-                    <a:lumMod val="65000"/>
-                    <a:lumOff val="35000"/>
-                  </a:schemeClr>
-                </a:solidFill>
-              </a:rPr>
-              <a:t>(</a:t>
-            </a:r>
-            <a:r>
-              <a:rPr lang="ko-KR" altLang="en-US" sz="1867" dirty="0">
-                <a:solidFill>
-                  <a:schemeClr val="tx1">
-                    <a:lumMod val="65000"/>
-                    <a:lumOff val="35000"/>
-                  </a:schemeClr>
-                </a:solidFill>
-              </a:rPr>
-              <a:t>정수형</a:t>
-            </a:r>
-            <a:r>
-              <a:rPr lang="en-US" altLang="ko-KR" sz="1867" dirty="0">
-                <a:solidFill>
-                  <a:schemeClr val="tx1">
-                    <a:lumMod val="65000"/>
-                    <a:lumOff val="35000"/>
-                  </a:schemeClr>
-                </a:solidFill>
-              </a:rPr>
-              <a:t>)</a:t>
-            </a:r>
-          </a:p>
-          <a:p>
-            <a:endParaRPr lang="en-US" altLang="ko-KR" sz="1867" dirty="0">
-              <a:solidFill>
-                <a:schemeClr val="tx1">
-                  <a:lumMod val="65000"/>
-                  <a:lumOff val="35000"/>
-                </a:schemeClr>
-              </a:solidFill>
-            </a:endParaRPr>
-          </a:p>
-          <a:p>
-            <a:r>
-              <a:rPr lang="en-US" altLang="ko-KR" sz="1867" dirty="0">
-                <a:solidFill>
-                  <a:schemeClr val="tx1">
-                    <a:lumMod val="65000"/>
-                    <a:lumOff val="35000"/>
-                  </a:schemeClr>
-                </a:solidFill>
-              </a:rPr>
-              <a:t>  </a:t>
-            </a:r>
-            <a:r>
-              <a:rPr lang="en-US" altLang="ko-KR" sz="1867" b="1" dirty="0">
-                <a:solidFill>
-                  <a:schemeClr val="tx1">
-                    <a:lumMod val="65000"/>
-                    <a:lumOff val="35000"/>
-                  </a:schemeClr>
-                </a:solidFill>
-              </a:rPr>
-              <a:t>else if, 7</a:t>
-            </a:r>
-            <a:r>
-              <a:rPr lang="ko-KR" altLang="en-US" sz="1867" b="1" dirty="0" err="1">
-                <a:solidFill>
-                  <a:schemeClr val="tx1">
-                    <a:lumMod val="65000"/>
-                    <a:lumOff val="35000"/>
-                  </a:schemeClr>
-                </a:solidFill>
-              </a:rPr>
-              <a:t>초만에</a:t>
-            </a:r>
-            <a:r>
-              <a:rPr lang="ko-KR" altLang="en-US" sz="1867" b="1" dirty="0">
-                <a:solidFill>
-                  <a:schemeClr val="tx1">
-                    <a:lumMod val="65000"/>
-                    <a:lumOff val="35000"/>
-                  </a:schemeClr>
-                </a:solidFill>
-              </a:rPr>
-              <a:t> 맞추면</a:t>
-            </a:r>
-            <a:endParaRPr lang="en-US" altLang="ko-KR" sz="1867" b="1" dirty="0">
-              <a:solidFill>
-                <a:schemeClr val="tx1">
-                  <a:lumMod val="65000"/>
-                  <a:lumOff val="35000"/>
-                </a:schemeClr>
-              </a:solidFill>
-            </a:endParaRPr>
-          </a:p>
-          <a:p>
-            <a:r>
-              <a:rPr lang="en-US" altLang="ko-KR" sz="1867" dirty="0">
-                <a:solidFill>
-                  <a:schemeClr val="tx1">
-                    <a:lumMod val="65000"/>
-                    <a:lumOff val="35000"/>
-                  </a:schemeClr>
-                </a:solidFill>
-              </a:rPr>
-              <a:t>    - </a:t>
-            </a:r>
-            <a:r>
-              <a:rPr lang="en-US" altLang="ko-KR" sz="1867" dirty="0" err="1">
-                <a:solidFill>
-                  <a:schemeClr val="tx1">
-                    <a:lumMod val="65000"/>
-                    <a:lumOff val="35000"/>
-                  </a:schemeClr>
-                </a:solidFill>
-              </a:rPr>
-              <a:t>onePoint</a:t>
-            </a:r>
-            <a:r>
-              <a:rPr lang="ko-KR" altLang="en-US" sz="1867" dirty="0">
-                <a:solidFill>
-                  <a:schemeClr val="tx1">
-                    <a:lumMod val="65000"/>
-                    <a:lumOff val="35000"/>
-                  </a:schemeClr>
-                </a:solidFill>
-              </a:rPr>
-              <a:t>의 </a:t>
-            </a:r>
-            <a:r>
-              <a:rPr lang="en-US" altLang="ko-KR" sz="1867" dirty="0">
-                <a:solidFill>
-                  <a:schemeClr val="tx1">
-                    <a:lumMod val="65000"/>
-                    <a:lumOff val="35000"/>
-                  </a:schemeClr>
-                </a:solidFill>
-              </a:rPr>
-              <a:t>50%</a:t>
-            </a:r>
-            <a:r>
-              <a:rPr lang="ko-KR" altLang="en-US" sz="1867" dirty="0">
-                <a:solidFill>
-                  <a:schemeClr val="tx1">
-                    <a:lumMod val="65000"/>
-                    <a:lumOff val="35000"/>
-                  </a:schemeClr>
-                </a:solidFill>
-              </a:rPr>
-              <a:t>만 지급</a:t>
-            </a:r>
-            <a:endParaRPr lang="en-US" altLang="ko-KR" sz="1867" dirty="0">
-              <a:solidFill>
-                <a:schemeClr val="tx1">
-                  <a:lumMod val="65000"/>
-                  <a:lumOff val="35000"/>
-                </a:schemeClr>
-              </a:solidFill>
-            </a:endParaRPr>
-          </a:p>
-          <a:p>
-            <a:endParaRPr lang="en-US" altLang="ko-KR" sz="1867" dirty="0">
-              <a:solidFill>
-                <a:schemeClr val="tx1">
-                  <a:lumMod val="65000"/>
-                  <a:lumOff val="35000"/>
-                </a:schemeClr>
-              </a:solidFill>
-            </a:endParaRPr>
-          </a:p>
-          <a:p>
-            <a:r>
-              <a:rPr lang="en-US" altLang="ko-KR" sz="1867" b="1" dirty="0">
-                <a:solidFill>
-                  <a:schemeClr val="tx1">
-                    <a:lumMod val="65000"/>
-                    <a:lumOff val="35000"/>
-                  </a:schemeClr>
-                </a:solidFill>
-              </a:rPr>
-              <a:t>  else, 7</a:t>
-            </a:r>
-            <a:r>
-              <a:rPr lang="ko-KR" altLang="en-US" sz="1867" b="1" dirty="0">
-                <a:solidFill>
-                  <a:schemeClr val="tx1">
-                    <a:lumMod val="65000"/>
-                    <a:lumOff val="35000"/>
-                  </a:schemeClr>
-                </a:solidFill>
-              </a:rPr>
-              <a:t>초를 넘겨버리면</a:t>
-            </a:r>
-            <a:r>
-              <a:rPr lang="en-US" altLang="ko-KR" sz="1867" b="1" dirty="0">
-                <a:solidFill>
-                  <a:schemeClr val="tx1">
-                    <a:lumMod val="65000"/>
-                    <a:lumOff val="35000"/>
-                  </a:schemeClr>
-                </a:solidFill>
-              </a:rPr>
-              <a:t>,</a:t>
-            </a:r>
-          </a:p>
-          <a:p>
-            <a:r>
-              <a:rPr lang="en-US" altLang="ko-KR" sz="1867" dirty="0">
-                <a:solidFill>
-                  <a:schemeClr val="tx1">
-                    <a:lumMod val="65000"/>
-                    <a:lumOff val="35000"/>
-                  </a:schemeClr>
-                </a:solidFill>
-              </a:rPr>
-              <a:t>    - </a:t>
-            </a:r>
-            <a:r>
-              <a:rPr lang="en-US" altLang="ko-KR" sz="1867" dirty="0" err="1">
-                <a:solidFill>
-                  <a:schemeClr val="tx1">
-                    <a:lumMod val="65000"/>
-                    <a:lumOff val="35000"/>
-                  </a:schemeClr>
-                </a:solidFill>
-              </a:rPr>
-              <a:t>onePoint</a:t>
-            </a:r>
-            <a:r>
-              <a:rPr lang="ko-KR" altLang="en-US" sz="1867" dirty="0">
-                <a:solidFill>
-                  <a:schemeClr val="tx1">
-                    <a:lumMod val="65000"/>
-                    <a:lumOff val="35000"/>
-                  </a:schemeClr>
-                </a:solidFill>
-              </a:rPr>
-              <a:t>의 </a:t>
-            </a:r>
-            <a:r>
-              <a:rPr lang="en-US" altLang="ko-KR" sz="1867" dirty="0">
-                <a:solidFill>
-                  <a:schemeClr val="tx1">
-                    <a:lumMod val="65000"/>
-                    <a:lumOff val="35000"/>
-                  </a:schemeClr>
-                </a:solidFill>
-              </a:rPr>
-              <a:t>20%</a:t>
-            </a:r>
-            <a:r>
-              <a:rPr lang="ko-KR" altLang="en-US" sz="1867" dirty="0">
-                <a:solidFill>
-                  <a:schemeClr val="tx1">
-                    <a:lumMod val="65000"/>
-                    <a:lumOff val="35000"/>
-                  </a:schemeClr>
-                </a:solidFill>
-              </a:rPr>
-              <a:t>만 지급</a:t>
-            </a:r>
-            <a:endParaRPr lang="ko-KR" altLang="en-US" sz="1467" dirty="0">
-              <a:solidFill>
-                <a:schemeClr val="tx1">
-                  <a:lumMod val="65000"/>
-                  <a:lumOff val="35000"/>
-                </a:schemeClr>
-              </a:solidFill>
-            </a:endParaRPr>
-          </a:p>
-        </p:txBody>
-      </p:sp>
       <p:pic>
         <p:nvPicPr>
-          <p:cNvPr id="8" name="그림 7" descr="텍스트이(가) 표시된 사진&#10;&#10;자동 생성된 설명">
-            <a:extLst>
-              <a:ext uri="{FF2B5EF4-FFF2-40B4-BE49-F238E27FC236}">
-                <a16:creationId xmlns:a16="http://schemas.microsoft.com/office/drawing/2014/main" id="{02D5939B-05E3-4C81-89D5-A0D96D5DCAA1}"/>
+          <p:cNvPr id="3" name="그림 2" descr="꽃, 조류, 그리기이(가) 표시된 사진&#10;&#10;자동 생성된 설명">
+            <a:extLst>
+              <a:ext uri="{FF2B5EF4-FFF2-40B4-BE49-F238E27FC236}">
+                <a16:creationId xmlns:a16="http://schemas.microsoft.com/office/drawing/2014/main" id="{F07309B8-F478-418D-B3CD-27E1D62D108B}"/>
               </a:ext>
             </a:extLst>
           </p:cNvPr>
@@ -4728,7 +3633,7 @@
           <p:nvPr/>
         </p:nvPicPr>
         <p:blipFill>
-          <a:blip r:embed="rId2" cstate="print">
+          <a:blip r:embed="rId2">
             <a:extLst>
               <a:ext uri="{28A0092B-C50C-407E-A947-70E740481C1C}">
                 <a14:useLocalDpi xmlns:a14="http://schemas.microsoft.com/office/drawing/2010/main" val="0"/>
@@ -4741,8 +3646,8 @@
         </p:blipFill>
         <p:spPr>
           <a:xfrm>
-            <a:off x="695095" y="1018722"/>
-            <a:ext cx="7705163" cy="5205308"/>
+            <a:off x="0" y="0"/>
+            <a:ext cx="12192000" cy="6858000"/>
           </a:xfrm>
           <a:prstGeom prst="rect">
             <a:avLst/>
@@ -4752,1322 +3657,7 @@
     </p:spTree>
     <p:extLst>
       <p:ext uri="{BB962C8B-B14F-4D97-AF65-F5344CB8AC3E}">
-        <p14:creationId xmlns:p14="http://schemas.microsoft.com/office/powerpoint/2010/main" val="717082777"/>
-      </p:ext>
-    </p:extLst>
-  </p:cSld>
-  <p:clrMapOvr>
-    <a:masterClrMapping/>
-  </p:clrMapOvr>
-</p:sld>
-</file>
-
-<file path=ppt/slides/slide14.xml><?xml version="1.0" encoding="utf-8"?>
-<p:sld xmlns:a="http://schemas.openxmlformats.org/drawingml/2006/main" xmlns:r="http://schemas.openxmlformats.org/officeDocument/2006/relationships" xmlns:p="http://schemas.openxmlformats.org/presentationml/2006/main">
-  <p:cSld>
-    <p:spTree>
-      <p:nvGrpSpPr>
-        <p:cNvPr id="1" name=""/>
-        <p:cNvGrpSpPr/>
-        <p:nvPr/>
-      </p:nvGrpSpPr>
-      <p:grpSpPr>
-        <a:xfrm>
-          <a:off x="0" y="0"/>
-          <a:ext cx="0" cy="0"/>
-          <a:chOff x="0" y="0"/>
-          <a:chExt cx="0" cy="0"/>
-        </a:xfrm>
-      </p:grpSpPr>
-      <p:sp>
-        <p:nvSpPr>
-          <p:cNvPr id="4" name="직사각형 3"/>
-          <p:cNvSpPr/>
-          <p:nvPr/>
-        </p:nvSpPr>
-        <p:spPr>
-          <a:xfrm>
-            <a:off x="527382" y="47335"/>
-            <a:ext cx="11425269" cy="6336704"/>
-          </a:xfrm>
-          <a:prstGeom prst="rect">
-            <a:avLst/>
-          </a:prstGeom>
-          <a:solidFill>
-            <a:schemeClr val="bg1"/>
-          </a:solidFill>
-          <a:ln>
-            <a:noFill/>
-          </a:ln>
-        </p:spPr>
-        <p:style>
-          <a:lnRef idx="2">
-            <a:schemeClr val="accent1">
-              <a:shade val="50000"/>
-            </a:schemeClr>
-          </a:lnRef>
-          <a:fillRef idx="1">
-            <a:schemeClr val="accent1"/>
-          </a:fillRef>
-          <a:effectRef idx="0">
-            <a:schemeClr val="accent1"/>
-          </a:effectRef>
-          <a:fontRef idx="minor">
-            <a:schemeClr val="lt1"/>
-          </a:fontRef>
-        </p:style>
-        <p:txBody>
-          <a:bodyPr rtlCol="0" anchor="ctr"/>
-          <a:lstStyle/>
-          <a:p>
-            <a:pPr algn="ctr"/>
-            <a:endParaRPr lang="ko-KR" altLang="en-US" sz="2400" dirty="0"/>
-          </a:p>
-        </p:txBody>
-      </p:sp>
-      <p:grpSp>
-        <p:nvGrpSpPr>
-          <p:cNvPr id="3" name="그룹 2"/>
-          <p:cNvGrpSpPr/>
-          <p:nvPr/>
-        </p:nvGrpSpPr>
-        <p:grpSpPr>
-          <a:xfrm>
-            <a:off x="719403" y="155280"/>
-            <a:ext cx="7488832" cy="600163"/>
-            <a:chOff x="1040335" y="1874271"/>
-            <a:chExt cx="2689615" cy="269622"/>
-          </a:xfrm>
-        </p:grpSpPr>
-        <p:sp>
-          <p:nvSpPr>
-            <p:cNvPr id="9" name="TextBox 8"/>
-            <p:cNvSpPr txBox="1"/>
-            <p:nvPr/>
-          </p:nvSpPr>
-          <p:spPr>
-            <a:xfrm>
-              <a:off x="1040335" y="1874271"/>
-              <a:ext cx="2574729" cy="262709"/>
-            </a:xfrm>
-            <a:prstGeom prst="rect">
-              <a:avLst/>
-            </a:prstGeom>
-            <a:noFill/>
-          </p:spPr>
-          <p:txBody>
-            <a:bodyPr wrap="none" rtlCol="0" anchor="ctr">
-              <a:spAutoFit/>
-            </a:bodyPr>
-            <a:lstStyle/>
-            <a:p>
-              <a:r>
-                <a:rPr lang="ko-KR" altLang="en-US" sz="3200" b="1" dirty="0">
-                  <a:solidFill>
-                    <a:schemeClr val="tx1">
-                      <a:lumMod val="65000"/>
-                      <a:lumOff val="35000"/>
-                    </a:schemeClr>
-                  </a:solidFill>
-                </a:rPr>
-                <a:t>사용자 난이도에 맞는 문제</a:t>
-              </a:r>
-              <a:r>
-                <a:rPr lang="en-US" altLang="ko-KR" sz="3200" b="1" dirty="0">
-                  <a:solidFill>
-                    <a:schemeClr val="tx1">
-                      <a:lumMod val="65000"/>
-                      <a:lumOff val="35000"/>
-                    </a:schemeClr>
-                  </a:solidFill>
-                </a:rPr>
-                <a:t>, </a:t>
-              </a:r>
-              <a:r>
-                <a:rPr lang="ko-KR" altLang="en-US" sz="3200" b="1" dirty="0">
-                  <a:solidFill>
-                    <a:schemeClr val="tx1">
-                      <a:lumMod val="65000"/>
-                      <a:lumOff val="35000"/>
-                    </a:schemeClr>
-                  </a:solidFill>
-                </a:rPr>
-                <a:t>단어 제공</a:t>
-              </a:r>
-              <a:endParaRPr lang="en-US" altLang="ko-KR" sz="3200" b="1" dirty="0">
-                <a:solidFill>
-                  <a:schemeClr val="tx1">
-                    <a:lumMod val="65000"/>
-                    <a:lumOff val="35000"/>
-                  </a:schemeClr>
-                </a:solidFill>
-              </a:endParaRPr>
-            </a:p>
-          </p:txBody>
-        </p:sp>
-        <p:cxnSp>
-          <p:nvCxnSpPr>
-            <p:cNvPr id="12" name="직선 화살표 연결선 11"/>
-            <p:cNvCxnSpPr>
-              <a:cxnSpLocks/>
-            </p:cNvCxnSpPr>
-            <p:nvPr/>
-          </p:nvCxnSpPr>
-          <p:spPr>
-            <a:xfrm>
-              <a:off x="1074818" y="2143893"/>
-              <a:ext cx="2655132" cy="0"/>
-            </a:xfrm>
-            <a:prstGeom prst="straightConnector1">
-              <a:avLst/>
-            </a:prstGeom>
-            <a:ln w="57150">
-              <a:solidFill>
-                <a:schemeClr val="accent2"/>
-              </a:solidFill>
-              <a:tailEnd type="arrow"/>
-            </a:ln>
-          </p:spPr>
-          <p:style>
-            <a:lnRef idx="1">
-              <a:schemeClr val="accent1"/>
-            </a:lnRef>
-            <a:fillRef idx="0">
-              <a:schemeClr val="accent1"/>
-            </a:fillRef>
-            <a:effectRef idx="0">
-              <a:schemeClr val="accent1"/>
-            </a:effectRef>
-            <a:fontRef idx="minor">
-              <a:schemeClr val="tx1"/>
-            </a:fontRef>
-          </p:style>
-        </p:cxnSp>
-      </p:grpSp>
-      <p:pic>
-        <p:nvPicPr>
-          <p:cNvPr id="14" name="그림 13">
-            <a:extLst>
-              <a:ext uri="{FF2B5EF4-FFF2-40B4-BE49-F238E27FC236}">
-                <a16:creationId xmlns:a16="http://schemas.microsoft.com/office/drawing/2014/main" id="{97E52205-6421-4737-B23A-D344C8B3BFDA}"/>
-              </a:ext>
-            </a:extLst>
-          </p:cNvPr>
-          <p:cNvPicPr>
-            <a:picLocks noChangeAspect="1"/>
-          </p:cNvPicPr>
-          <p:nvPr/>
-        </p:nvPicPr>
-        <p:blipFill rotWithShape="1">
-          <a:blip r:embed="rId2" cstate="print"/>
-          <a:srcRect l="-368" t="2176" r="387" b="-353"/>
-          <a:stretch/>
-        </p:blipFill>
-        <p:spPr>
-          <a:xfrm>
-            <a:off x="974642" y="1028734"/>
-            <a:ext cx="5763009" cy="3246967"/>
-          </a:xfrm>
-          <a:prstGeom prst="rect">
-            <a:avLst/>
-          </a:prstGeom>
-        </p:spPr>
-      </p:pic>
-      <p:pic>
-        <p:nvPicPr>
-          <p:cNvPr id="15" name="그림 14">
-            <a:extLst>
-              <a:ext uri="{FF2B5EF4-FFF2-40B4-BE49-F238E27FC236}">
-                <a16:creationId xmlns:a16="http://schemas.microsoft.com/office/drawing/2014/main" id="{6153673E-6AF6-4AE9-80C9-9DFB0521A9AE}"/>
-              </a:ext>
-            </a:extLst>
-          </p:cNvPr>
-          <p:cNvPicPr>
-            <a:picLocks noChangeAspect="1"/>
-          </p:cNvPicPr>
-          <p:nvPr/>
-        </p:nvPicPr>
-        <p:blipFill rotWithShape="1">
-          <a:blip r:embed="rId3" cstate="print"/>
-          <a:srcRect b="60161"/>
-          <a:stretch/>
-        </p:blipFill>
-        <p:spPr>
-          <a:xfrm>
-            <a:off x="1005193" y="4550206"/>
-            <a:ext cx="9987019" cy="1552353"/>
-          </a:xfrm>
-          <a:prstGeom prst="rect">
-            <a:avLst/>
-          </a:prstGeom>
-        </p:spPr>
-      </p:pic>
-      <p:sp>
-        <p:nvSpPr>
-          <p:cNvPr id="16" name="TextBox 15">
-            <a:extLst>
-              <a:ext uri="{FF2B5EF4-FFF2-40B4-BE49-F238E27FC236}">
-                <a16:creationId xmlns:a16="http://schemas.microsoft.com/office/drawing/2014/main" id="{072B6A6E-97C2-4F09-8C0F-3A707BBB6812}"/>
-              </a:ext>
-            </a:extLst>
-          </p:cNvPr>
-          <p:cNvSpPr txBox="1"/>
-          <p:nvPr/>
-        </p:nvSpPr>
-        <p:spPr>
-          <a:xfrm>
-            <a:off x="6800868" y="1581410"/>
-            <a:ext cx="5215000" cy="1856790"/>
-          </a:xfrm>
-          <a:prstGeom prst="rect">
-            <a:avLst/>
-          </a:prstGeom>
-          <a:noFill/>
-        </p:spPr>
-        <p:txBody>
-          <a:bodyPr wrap="square" rtlCol="0">
-            <a:spAutoFit/>
-          </a:bodyPr>
-          <a:lstStyle/>
-          <a:p>
-            <a:r>
-              <a:rPr lang="ko-KR" altLang="en-US" sz="2400" b="1" dirty="0">
-                <a:solidFill>
-                  <a:schemeClr val="tx1">
-                    <a:lumMod val="65000"/>
-                    <a:lumOff val="35000"/>
-                  </a:schemeClr>
-                </a:solidFill>
-              </a:rPr>
-              <a:t>난이도에 맞는 문제 풀기</a:t>
-            </a:r>
-            <a:r>
-              <a:rPr lang="en-US" altLang="ko-KR" sz="2400" b="1" dirty="0">
-                <a:solidFill>
-                  <a:schemeClr val="tx1">
-                    <a:lumMod val="65000"/>
-                    <a:lumOff val="35000"/>
-                  </a:schemeClr>
-                </a:solidFill>
-              </a:rPr>
-              <a:t>, </a:t>
-            </a:r>
-            <a:r>
-              <a:rPr lang="ko-KR" altLang="en-US" sz="2400" b="1" dirty="0">
-                <a:solidFill>
-                  <a:schemeClr val="tx1">
-                    <a:lumMod val="65000"/>
-                    <a:lumOff val="35000"/>
-                  </a:schemeClr>
-                </a:solidFill>
-              </a:rPr>
-              <a:t>단어 암기</a:t>
-            </a:r>
-            <a:endParaRPr lang="en-US" altLang="ko-KR" sz="2400" b="1" dirty="0">
-              <a:solidFill>
-                <a:schemeClr val="tx1">
-                  <a:lumMod val="65000"/>
-                  <a:lumOff val="35000"/>
-                </a:schemeClr>
-              </a:solidFill>
-            </a:endParaRPr>
-          </a:p>
-          <a:p>
-            <a:endParaRPr lang="en-US" altLang="ko-KR" sz="2400" dirty="0">
-              <a:solidFill>
-                <a:schemeClr val="tx1">
-                  <a:lumMod val="65000"/>
-                  <a:lumOff val="35000"/>
-                </a:schemeClr>
-              </a:solidFill>
-            </a:endParaRPr>
-          </a:p>
-          <a:p>
-            <a:r>
-              <a:rPr lang="en-US" altLang="ko-KR" sz="2400" dirty="0">
-                <a:solidFill>
-                  <a:schemeClr val="tx1">
-                    <a:lumMod val="65000"/>
-                    <a:lumOff val="35000"/>
-                  </a:schemeClr>
-                </a:solidFill>
-              </a:rPr>
-              <a:t> </a:t>
-            </a:r>
-            <a:r>
-              <a:rPr lang="en-US" altLang="ko-KR" sz="2133" dirty="0">
-                <a:solidFill>
-                  <a:schemeClr val="tx1">
-                    <a:lumMod val="65000"/>
-                    <a:lumOff val="35000"/>
-                  </a:schemeClr>
-                </a:solidFill>
-              </a:rPr>
-              <a:t>- </a:t>
-            </a:r>
-            <a:r>
-              <a:rPr lang="ko-KR" altLang="en-US" sz="2133" dirty="0">
-                <a:solidFill>
-                  <a:schemeClr val="tx1">
-                    <a:lumMod val="65000"/>
-                    <a:lumOff val="35000"/>
-                  </a:schemeClr>
-                </a:solidFill>
-              </a:rPr>
-              <a:t>세션 변수로 </a:t>
-            </a:r>
-            <a:r>
-              <a:rPr lang="ko-KR" altLang="en-US" sz="2133" dirty="0" err="1">
-                <a:solidFill>
-                  <a:schemeClr val="tx1">
-                    <a:lumMod val="65000"/>
-                    <a:lumOff val="35000"/>
-                  </a:schemeClr>
-                </a:solidFill>
-              </a:rPr>
-              <a:t>접속자</a:t>
-            </a:r>
-            <a:r>
-              <a:rPr lang="ko-KR" altLang="en-US" sz="2133" dirty="0">
-                <a:solidFill>
-                  <a:schemeClr val="tx1">
-                    <a:lumMod val="65000"/>
-                    <a:lumOff val="35000"/>
-                  </a:schemeClr>
-                </a:solidFill>
-              </a:rPr>
-              <a:t> 난이도 파악</a:t>
-            </a:r>
-            <a:endParaRPr lang="en-US" altLang="ko-KR" sz="2133" dirty="0">
-              <a:solidFill>
-                <a:schemeClr val="tx1">
-                  <a:lumMod val="65000"/>
-                  <a:lumOff val="35000"/>
-                </a:schemeClr>
-              </a:solidFill>
-            </a:endParaRPr>
-          </a:p>
-          <a:p>
-            <a:r>
-              <a:rPr lang="en-US" altLang="ko-KR" sz="2133" dirty="0">
-                <a:solidFill>
-                  <a:schemeClr val="tx1">
-                    <a:lumMod val="65000"/>
-                    <a:lumOff val="35000"/>
-                  </a:schemeClr>
-                </a:solidFill>
-              </a:rPr>
-              <a:t> - </a:t>
-            </a:r>
-            <a:r>
-              <a:rPr lang="ko-KR" altLang="en-US" sz="2133" dirty="0">
-                <a:solidFill>
-                  <a:schemeClr val="tx1">
-                    <a:lumMod val="65000"/>
-                    <a:lumOff val="35000"/>
-                  </a:schemeClr>
-                </a:solidFill>
-              </a:rPr>
-              <a:t>난이도에 맞는 문제를 </a:t>
-            </a:r>
-            <a:r>
-              <a:rPr lang="en-US" altLang="ko-KR" sz="2133" dirty="0">
-                <a:solidFill>
-                  <a:schemeClr val="tx1">
-                    <a:lumMod val="65000"/>
-                    <a:lumOff val="35000"/>
-                  </a:schemeClr>
-                </a:solidFill>
-              </a:rPr>
-              <a:t>1</a:t>
-            </a:r>
-            <a:r>
-              <a:rPr lang="ko-KR" altLang="en-US" sz="2133" dirty="0">
-                <a:solidFill>
-                  <a:schemeClr val="tx1">
-                    <a:lumMod val="65000"/>
-                    <a:lumOff val="35000"/>
-                  </a:schemeClr>
-                </a:solidFill>
-              </a:rPr>
-              <a:t>개씩 랜덤</a:t>
-            </a:r>
-            <a:endParaRPr lang="en-US" altLang="ko-KR" sz="2133" dirty="0">
-              <a:solidFill>
-                <a:schemeClr val="tx1">
-                  <a:lumMod val="65000"/>
-                  <a:lumOff val="35000"/>
-                </a:schemeClr>
-              </a:solidFill>
-            </a:endParaRPr>
-          </a:p>
-          <a:p>
-            <a:r>
-              <a:rPr lang="en-US" altLang="ko-KR" sz="2133" dirty="0">
-                <a:solidFill>
-                  <a:schemeClr val="tx1">
-                    <a:lumMod val="65000"/>
-                    <a:lumOff val="35000"/>
-                  </a:schemeClr>
-                </a:solidFill>
-              </a:rPr>
-              <a:t> - </a:t>
-            </a:r>
-            <a:r>
-              <a:rPr lang="ko-KR" altLang="en-US" sz="2133" dirty="0">
-                <a:solidFill>
-                  <a:schemeClr val="tx1">
-                    <a:lumMod val="65000"/>
-                    <a:lumOff val="35000"/>
-                  </a:schemeClr>
-                </a:solidFill>
-              </a:rPr>
-              <a:t>난이도에 맞는 문제 </a:t>
-            </a:r>
-            <a:r>
-              <a:rPr lang="en-US" altLang="ko-KR" sz="2133" dirty="0">
-                <a:solidFill>
-                  <a:schemeClr val="tx1">
-                    <a:lumMod val="65000"/>
-                    <a:lumOff val="35000"/>
-                  </a:schemeClr>
-                </a:solidFill>
-              </a:rPr>
-              <a:t>10</a:t>
-            </a:r>
-            <a:r>
-              <a:rPr lang="ko-KR" altLang="en-US" sz="2133" dirty="0">
-                <a:solidFill>
-                  <a:schemeClr val="tx1">
-                    <a:lumMod val="65000"/>
-                    <a:lumOff val="35000"/>
-                  </a:schemeClr>
-                </a:solidFill>
-              </a:rPr>
-              <a:t>개 랜덤</a:t>
-            </a:r>
-            <a:endParaRPr lang="en-US" altLang="ko-KR" sz="2133" dirty="0">
-              <a:solidFill>
-                <a:schemeClr val="tx1">
-                  <a:lumMod val="65000"/>
-                  <a:lumOff val="35000"/>
-                </a:schemeClr>
-              </a:solidFill>
-            </a:endParaRPr>
-          </a:p>
-        </p:txBody>
-      </p:sp>
-    </p:spTree>
-    <p:extLst>
-      <p:ext uri="{BB962C8B-B14F-4D97-AF65-F5344CB8AC3E}">
-        <p14:creationId xmlns:p14="http://schemas.microsoft.com/office/powerpoint/2010/main" val="3019563968"/>
-      </p:ext>
-    </p:extLst>
-  </p:cSld>
-  <p:clrMapOvr>
-    <a:masterClrMapping/>
-  </p:clrMapOvr>
-</p:sld>
-</file>
-
-<file path=ppt/slides/slide15.xml><?xml version="1.0" encoding="utf-8"?>
-<p:sld xmlns:a="http://schemas.openxmlformats.org/drawingml/2006/main" xmlns:r="http://schemas.openxmlformats.org/officeDocument/2006/relationships" xmlns:p="http://schemas.openxmlformats.org/presentationml/2006/main">
-  <p:cSld>
-    <p:spTree>
-      <p:nvGrpSpPr>
-        <p:cNvPr id="1" name=""/>
-        <p:cNvGrpSpPr/>
-        <p:nvPr/>
-      </p:nvGrpSpPr>
-      <p:grpSpPr>
-        <a:xfrm>
-          <a:off x="0" y="0"/>
-          <a:ext cx="0" cy="0"/>
-          <a:chOff x="0" y="0"/>
-          <a:chExt cx="0" cy="0"/>
-        </a:xfrm>
-      </p:grpSpPr>
-      <p:sp>
-        <p:nvSpPr>
-          <p:cNvPr id="4" name="직사각형 3"/>
-          <p:cNvSpPr/>
-          <p:nvPr/>
-        </p:nvSpPr>
-        <p:spPr>
-          <a:xfrm>
-            <a:off x="527382" y="0"/>
-            <a:ext cx="11425269" cy="6336704"/>
-          </a:xfrm>
-          <a:prstGeom prst="rect">
-            <a:avLst/>
-          </a:prstGeom>
-          <a:solidFill>
-            <a:schemeClr val="bg1"/>
-          </a:solidFill>
-          <a:ln>
-            <a:noFill/>
-          </a:ln>
-        </p:spPr>
-        <p:style>
-          <a:lnRef idx="2">
-            <a:schemeClr val="accent1">
-              <a:shade val="50000"/>
-            </a:schemeClr>
-          </a:lnRef>
-          <a:fillRef idx="1">
-            <a:schemeClr val="accent1"/>
-          </a:fillRef>
-          <a:effectRef idx="0">
-            <a:schemeClr val="accent1"/>
-          </a:effectRef>
-          <a:fontRef idx="minor">
-            <a:schemeClr val="lt1"/>
-          </a:fontRef>
-        </p:style>
-        <p:txBody>
-          <a:bodyPr rtlCol="0" anchor="ctr"/>
-          <a:lstStyle/>
-          <a:p>
-            <a:pPr algn="ctr"/>
-            <a:endParaRPr lang="ko-KR" altLang="en-US" sz="2400" dirty="0"/>
-          </a:p>
-        </p:txBody>
-      </p:sp>
-      <p:grpSp>
-        <p:nvGrpSpPr>
-          <p:cNvPr id="3" name="그룹 2"/>
-          <p:cNvGrpSpPr/>
-          <p:nvPr/>
-        </p:nvGrpSpPr>
-        <p:grpSpPr>
-          <a:xfrm>
-            <a:off x="1223215" y="121032"/>
-            <a:ext cx="6120925" cy="619673"/>
-            <a:chOff x="1259632" y="1858382"/>
-            <a:chExt cx="2664296" cy="294961"/>
-          </a:xfrm>
-        </p:grpSpPr>
-        <p:sp>
-          <p:nvSpPr>
-            <p:cNvPr id="9" name="TextBox 8"/>
-            <p:cNvSpPr txBox="1"/>
-            <p:nvPr/>
-          </p:nvSpPr>
-          <p:spPr>
-            <a:xfrm>
-              <a:off x="1259632" y="1858382"/>
-              <a:ext cx="1835919" cy="278350"/>
-            </a:xfrm>
-            <a:prstGeom prst="rect">
-              <a:avLst/>
-            </a:prstGeom>
-            <a:noFill/>
-          </p:spPr>
-          <p:txBody>
-            <a:bodyPr wrap="none" rtlCol="0" anchor="ctr">
-              <a:spAutoFit/>
-            </a:bodyPr>
-            <a:lstStyle/>
-            <a:p>
-              <a:pPr lvl="1"/>
-              <a:r>
-                <a:rPr lang="ko-KR" altLang="en-US" sz="3200" b="1" dirty="0">
-                  <a:solidFill>
-                    <a:schemeClr val="tx1">
-                      <a:lumMod val="65000"/>
-                      <a:lumOff val="35000"/>
-                    </a:schemeClr>
-                  </a:solidFill>
-                </a:rPr>
-                <a:t>리워드 아이템 개발</a:t>
-              </a:r>
-              <a:endParaRPr lang="en-US" altLang="ko-KR" sz="3200" b="1" dirty="0">
-                <a:solidFill>
-                  <a:schemeClr val="tx1">
-                    <a:lumMod val="65000"/>
-                    <a:lumOff val="35000"/>
-                  </a:schemeClr>
-                </a:solidFill>
-              </a:endParaRPr>
-            </a:p>
-          </p:txBody>
-        </p:sp>
-        <p:cxnSp>
-          <p:nvCxnSpPr>
-            <p:cNvPr id="12" name="직선 화살표 연결선 11"/>
-            <p:cNvCxnSpPr/>
-            <p:nvPr/>
-          </p:nvCxnSpPr>
-          <p:spPr>
-            <a:xfrm>
-              <a:off x="1259632" y="2153343"/>
-              <a:ext cx="2664296" cy="0"/>
-            </a:xfrm>
-            <a:prstGeom prst="straightConnector1">
-              <a:avLst/>
-            </a:prstGeom>
-            <a:ln w="57150">
-              <a:solidFill>
-                <a:schemeClr val="accent2"/>
-              </a:solidFill>
-              <a:tailEnd type="arrow"/>
-            </a:ln>
-          </p:spPr>
-          <p:style>
-            <a:lnRef idx="1">
-              <a:schemeClr val="accent1"/>
-            </a:lnRef>
-            <a:fillRef idx="0">
-              <a:schemeClr val="accent1"/>
-            </a:fillRef>
-            <a:effectRef idx="0">
-              <a:schemeClr val="accent1"/>
-            </a:effectRef>
-            <a:fontRef idx="minor">
-              <a:schemeClr val="tx1"/>
-            </a:fontRef>
-          </p:style>
-        </p:cxnSp>
-      </p:grpSp>
-      <p:pic>
-        <p:nvPicPr>
-          <p:cNvPr id="25" name="그림 24">
-            <a:extLst>
-              <a:ext uri="{FF2B5EF4-FFF2-40B4-BE49-F238E27FC236}">
-                <a16:creationId xmlns:a16="http://schemas.microsoft.com/office/drawing/2014/main" id="{A05C9057-28C7-4A4D-8BB1-1EE220437884}"/>
-              </a:ext>
-            </a:extLst>
-          </p:cNvPr>
-          <p:cNvPicPr>
-            <a:picLocks noChangeAspect="1"/>
-          </p:cNvPicPr>
-          <p:nvPr/>
-        </p:nvPicPr>
-        <p:blipFill>
-          <a:blip r:embed="rId2">
-            <a:extLst>
-              <a:ext uri="{28A0092B-C50C-407E-A947-70E740481C1C}">
-                <a14:useLocalDpi xmlns:a14="http://schemas.microsoft.com/office/drawing/2010/main" val="0"/>
-              </a:ext>
-            </a:extLst>
-          </a:blip>
-          <a:stretch>
-            <a:fillRect/>
-          </a:stretch>
-        </p:blipFill>
-        <p:spPr>
-          <a:xfrm>
-            <a:off x="1007435" y="1316766"/>
-            <a:ext cx="1014084" cy="1014084"/>
-          </a:xfrm>
-          <a:prstGeom prst="rect">
-            <a:avLst/>
-          </a:prstGeom>
-        </p:spPr>
-      </p:pic>
-      <p:pic>
-        <p:nvPicPr>
-          <p:cNvPr id="27" name="그림 26">
-            <a:extLst>
-              <a:ext uri="{FF2B5EF4-FFF2-40B4-BE49-F238E27FC236}">
-                <a16:creationId xmlns:a16="http://schemas.microsoft.com/office/drawing/2014/main" id="{D6D53C54-3DF3-4AD6-B546-CBF8177AE506}"/>
-              </a:ext>
-            </a:extLst>
-          </p:cNvPr>
-          <p:cNvPicPr>
-            <a:picLocks noChangeAspect="1"/>
-          </p:cNvPicPr>
-          <p:nvPr/>
-        </p:nvPicPr>
-        <p:blipFill>
-          <a:blip r:embed="rId3">
-            <a:extLst>
-              <a:ext uri="{28A0092B-C50C-407E-A947-70E740481C1C}">
-                <a14:useLocalDpi xmlns:a14="http://schemas.microsoft.com/office/drawing/2010/main" val="0"/>
-              </a:ext>
-            </a:extLst>
-          </a:blip>
-          <a:stretch>
-            <a:fillRect/>
-          </a:stretch>
-        </p:blipFill>
-        <p:spPr>
-          <a:xfrm>
-            <a:off x="1007435" y="2760763"/>
-            <a:ext cx="960107" cy="960107"/>
-          </a:xfrm>
-          <a:prstGeom prst="rect">
-            <a:avLst/>
-          </a:prstGeom>
-        </p:spPr>
-      </p:pic>
-      <p:pic>
-        <p:nvPicPr>
-          <p:cNvPr id="29" name="그림 28">
-            <a:extLst>
-              <a:ext uri="{FF2B5EF4-FFF2-40B4-BE49-F238E27FC236}">
-                <a16:creationId xmlns:a16="http://schemas.microsoft.com/office/drawing/2014/main" id="{BD71205E-57D7-4F6C-8435-48E0EDC9F096}"/>
-              </a:ext>
-            </a:extLst>
-          </p:cNvPr>
-          <p:cNvPicPr>
-            <a:picLocks noChangeAspect="1"/>
-          </p:cNvPicPr>
-          <p:nvPr/>
-        </p:nvPicPr>
-        <p:blipFill>
-          <a:blip r:embed="rId4">
-            <a:extLst>
-              <a:ext uri="{28A0092B-C50C-407E-A947-70E740481C1C}">
-                <a14:useLocalDpi xmlns:a14="http://schemas.microsoft.com/office/drawing/2010/main" val="0"/>
-              </a:ext>
-            </a:extLst>
-          </a:blip>
-          <a:stretch>
-            <a:fillRect/>
-          </a:stretch>
-        </p:blipFill>
-        <p:spPr>
-          <a:xfrm>
-            <a:off x="2090541" y="1299817"/>
-            <a:ext cx="1014084" cy="1014084"/>
-          </a:xfrm>
-          <a:prstGeom prst="rect">
-            <a:avLst/>
-          </a:prstGeom>
-        </p:spPr>
-      </p:pic>
-      <p:pic>
-        <p:nvPicPr>
-          <p:cNvPr id="31" name="그림 30">
-            <a:extLst>
-              <a:ext uri="{FF2B5EF4-FFF2-40B4-BE49-F238E27FC236}">
-                <a16:creationId xmlns:a16="http://schemas.microsoft.com/office/drawing/2014/main" id="{6EA26E34-56A5-4234-AD9D-7637C0A8AF0E}"/>
-              </a:ext>
-            </a:extLst>
-          </p:cNvPr>
-          <p:cNvPicPr>
-            <a:picLocks noChangeAspect="1"/>
-          </p:cNvPicPr>
-          <p:nvPr/>
-        </p:nvPicPr>
-        <p:blipFill>
-          <a:blip r:embed="rId5">
-            <a:extLst>
-              <a:ext uri="{28A0092B-C50C-407E-A947-70E740481C1C}">
-                <a14:useLocalDpi xmlns:a14="http://schemas.microsoft.com/office/drawing/2010/main" val="0"/>
-              </a:ext>
-            </a:extLst>
-          </a:blip>
-          <a:stretch>
-            <a:fillRect/>
-          </a:stretch>
-        </p:blipFill>
-        <p:spPr>
-          <a:xfrm>
-            <a:off x="2090541" y="2661310"/>
-            <a:ext cx="1014084" cy="1014084"/>
-          </a:xfrm>
-          <a:prstGeom prst="rect">
-            <a:avLst/>
-          </a:prstGeom>
-        </p:spPr>
-      </p:pic>
-      <p:pic>
-        <p:nvPicPr>
-          <p:cNvPr id="33" name="그림 32">
-            <a:extLst>
-              <a:ext uri="{FF2B5EF4-FFF2-40B4-BE49-F238E27FC236}">
-                <a16:creationId xmlns:a16="http://schemas.microsoft.com/office/drawing/2014/main" id="{3CA7DDB5-6918-4EDA-8F2E-5DFF07B57294}"/>
-              </a:ext>
-            </a:extLst>
-          </p:cNvPr>
-          <p:cNvPicPr>
-            <a:picLocks noChangeAspect="1"/>
-          </p:cNvPicPr>
-          <p:nvPr/>
-        </p:nvPicPr>
-        <p:blipFill>
-          <a:blip r:embed="rId6">
-            <a:extLst>
-              <a:ext uri="{28A0092B-C50C-407E-A947-70E740481C1C}">
-                <a14:useLocalDpi xmlns:a14="http://schemas.microsoft.com/office/drawing/2010/main" val="0"/>
-              </a:ext>
-            </a:extLst>
-          </a:blip>
-          <a:stretch>
-            <a:fillRect/>
-          </a:stretch>
-        </p:blipFill>
-        <p:spPr>
-          <a:xfrm>
-            <a:off x="3077635" y="1280307"/>
-            <a:ext cx="1014084" cy="1014084"/>
-          </a:xfrm>
-          <a:prstGeom prst="rect">
-            <a:avLst/>
-          </a:prstGeom>
-        </p:spPr>
-      </p:pic>
-      <p:pic>
-        <p:nvPicPr>
-          <p:cNvPr id="35" name="그림 34">
-            <a:extLst>
-              <a:ext uri="{FF2B5EF4-FFF2-40B4-BE49-F238E27FC236}">
-                <a16:creationId xmlns:a16="http://schemas.microsoft.com/office/drawing/2014/main" id="{1A89A0B2-21D2-44DD-880B-F0888674187E}"/>
-              </a:ext>
-            </a:extLst>
-          </p:cNvPr>
-          <p:cNvPicPr>
-            <a:picLocks noChangeAspect="1"/>
-          </p:cNvPicPr>
-          <p:nvPr/>
-        </p:nvPicPr>
-        <p:blipFill>
-          <a:blip r:embed="rId7">
-            <a:extLst>
-              <a:ext uri="{28A0092B-C50C-407E-A947-70E740481C1C}">
-                <a14:useLocalDpi xmlns:a14="http://schemas.microsoft.com/office/drawing/2010/main" val="0"/>
-              </a:ext>
-            </a:extLst>
-          </a:blip>
-          <a:stretch>
-            <a:fillRect/>
-          </a:stretch>
-        </p:blipFill>
-        <p:spPr>
-          <a:xfrm>
-            <a:off x="3096042" y="2610962"/>
-            <a:ext cx="1014084" cy="1014084"/>
-          </a:xfrm>
-          <a:prstGeom prst="rect">
-            <a:avLst/>
-          </a:prstGeom>
-        </p:spPr>
-      </p:pic>
-      <p:pic>
-        <p:nvPicPr>
-          <p:cNvPr id="37" name="그림 36">
-            <a:extLst>
-              <a:ext uri="{FF2B5EF4-FFF2-40B4-BE49-F238E27FC236}">
-                <a16:creationId xmlns:a16="http://schemas.microsoft.com/office/drawing/2014/main" id="{C71765F3-EB78-4B0A-9415-3B2373D1EC8D}"/>
-              </a:ext>
-            </a:extLst>
-          </p:cNvPr>
-          <p:cNvPicPr>
-            <a:picLocks noChangeAspect="1"/>
-          </p:cNvPicPr>
-          <p:nvPr/>
-        </p:nvPicPr>
-        <p:blipFill>
-          <a:blip r:embed="rId8">
-            <a:extLst>
-              <a:ext uri="{28A0092B-C50C-407E-A947-70E740481C1C}">
-                <a14:useLocalDpi xmlns:a14="http://schemas.microsoft.com/office/drawing/2010/main" val="0"/>
-              </a:ext>
-            </a:extLst>
-          </a:blip>
-          <a:stretch>
-            <a:fillRect/>
-          </a:stretch>
-        </p:blipFill>
-        <p:spPr>
-          <a:xfrm>
-            <a:off x="953458" y="4141982"/>
-            <a:ext cx="1014084" cy="1014084"/>
-          </a:xfrm>
-          <a:prstGeom prst="rect">
-            <a:avLst/>
-          </a:prstGeom>
-        </p:spPr>
-      </p:pic>
-      <p:pic>
-        <p:nvPicPr>
-          <p:cNvPr id="39" name="그림 38">
-            <a:extLst>
-              <a:ext uri="{FF2B5EF4-FFF2-40B4-BE49-F238E27FC236}">
-                <a16:creationId xmlns:a16="http://schemas.microsoft.com/office/drawing/2014/main" id="{E6547196-30EF-4269-8873-7475FA748E38}"/>
-              </a:ext>
-            </a:extLst>
-          </p:cNvPr>
-          <p:cNvPicPr>
-            <a:picLocks noChangeAspect="1"/>
-          </p:cNvPicPr>
-          <p:nvPr/>
-        </p:nvPicPr>
-        <p:blipFill>
-          <a:blip r:embed="rId9">
-            <a:extLst>
-              <a:ext uri="{28A0092B-C50C-407E-A947-70E740481C1C}">
-                <a14:useLocalDpi xmlns:a14="http://schemas.microsoft.com/office/drawing/2010/main" val="0"/>
-              </a:ext>
-            </a:extLst>
-          </a:blip>
-          <a:stretch>
-            <a:fillRect/>
-          </a:stretch>
-        </p:blipFill>
-        <p:spPr>
-          <a:xfrm>
-            <a:off x="2117479" y="4129071"/>
-            <a:ext cx="1014084" cy="1014084"/>
-          </a:xfrm>
-          <a:prstGeom prst="rect">
-            <a:avLst/>
-          </a:prstGeom>
-        </p:spPr>
-      </p:pic>
-      <p:pic>
-        <p:nvPicPr>
-          <p:cNvPr id="41" name="그림 40">
-            <a:extLst>
-              <a:ext uri="{FF2B5EF4-FFF2-40B4-BE49-F238E27FC236}">
-                <a16:creationId xmlns:a16="http://schemas.microsoft.com/office/drawing/2014/main" id="{E84BDF7C-F0AD-4CF9-B594-C97FF0747FE0}"/>
-              </a:ext>
-            </a:extLst>
-          </p:cNvPr>
-          <p:cNvPicPr>
-            <a:picLocks noChangeAspect="1"/>
-          </p:cNvPicPr>
-          <p:nvPr/>
-        </p:nvPicPr>
-        <p:blipFill>
-          <a:blip r:embed="rId10" cstate="print">
-            <a:extLst>
-              <a:ext uri="{28A0092B-C50C-407E-A947-70E740481C1C}">
-                <a14:useLocalDpi xmlns:a14="http://schemas.microsoft.com/office/drawing/2010/main" val="0"/>
-              </a:ext>
-            </a:extLst>
-          </a:blip>
-          <a:stretch>
-            <a:fillRect/>
-          </a:stretch>
-        </p:blipFill>
-        <p:spPr>
-          <a:xfrm>
-            <a:off x="3104625" y="4069049"/>
-            <a:ext cx="1115156" cy="1115156"/>
-          </a:xfrm>
-          <a:prstGeom prst="rect">
-            <a:avLst/>
-          </a:prstGeom>
-        </p:spPr>
-      </p:pic>
-      <p:sp>
-        <p:nvSpPr>
-          <p:cNvPr id="44" name="사각형: 둥근 모서리 43">
-            <a:extLst>
-              <a:ext uri="{FF2B5EF4-FFF2-40B4-BE49-F238E27FC236}">
-                <a16:creationId xmlns:a16="http://schemas.microsoft.com/office/drawing/2014/main" id="{089A403F-1A87-422D-9E8E-F3E414F8709F}"/>
-              </a:ext>
-            </a:extLst>
-          </p:cNvPr>
-          <p:cNvSpPr/>
-          <p:nvPr/>
-        </p:nvSpPr>
-        <p:spPr>
-          <a:xfrm>
-            <a:off x="815414" y="1028733"/>
-            <a:ext cx="4800533" cy="4548955"/>
-          </a:xfrm>
-          <a:prstGeom prst="roundRect">
-            <a:avLst/>
-          </a:prstGeom>
-          <a:noFill/>
-          <a:ln>
-            <a:solidFill>
-              <a:schemeClr val="accent2"/>
-            </a:solidFill>
-          </a:ln>
-        </p:spPr>
-        <p:style>
-          <a:lnRef idx="2">
-            <a:schemeClr val="accent1">
-              <a:shade val="50000"/>
-            </a:schemeClr>
-          </a:lnRef>
-          <a:fillRef idx="1">
-            <a:schemeClr val="accent1"/>
-          </a:fillRef>
-          <a:effectRef idx="0">
-            <a:schemeClr val="accent1"/>
-          </a:effectRef>
-          <a:fontRef idx="minor">
-            <a:schemeClr val="lt1"/>
-          </a:fontRef>
-        </p:style>
-        <p:txBody>
-          <a:bodyPr rtlCol="0" anchor="ctr"/>
-          <a:lstStyle/>
-          <a:p>
-            <a:pPr algn="ctr"/>
-            <a:endParaRPr lang="ko-KR" altLang="en-US" sz="2400"/>
-          </a:p>
-        </p:txBody>
-      </p:sp>
-      <p:pic>
-        <p:nvPicPr>
-          <p:cNvPr id="46" name="그림 45">
-            <a:extLst>
-              <a:ext uri="{FF2B5EF4-FFF2-40B4-BE49-F238E27FC236}">
-                <a16:creationId xmlns:a16="http://schemas.microsoft.com/office/drawing/2014/main" id="{713A8C06-BAD7-4042-BAD5-55146B150877}"/>
-              </a:ext>
-            </a:extLst>
-          </p:cNvPr>
-          <p:cNvPicPr>
-            <a:picLocks noChangeAspect="1"/>
-          </p:cNvPicPr>
-          <p:nvPr/>
-        </p:nvPicPr>
-        <p:blipFill>
-          <a:blip r:embed="rId11">
-            <a:extLst>
-              <a:ext uri="{28A0092B-C50C-407E-A947-70E740481C1C}">
-                <a14:useLocalDpi xmlns:a14="http://schemas.microsoft.com/office/drawing/2010/main" val="0"/>
-              </a:ext>
-            </a:extLst>
-          </a:blip>
-          <a:stretch>
-            <a:fillRect/>
-          </a:stretch>
-        </p:blipFill>
-        <p:spPr>
-          <a:xfrm>
-            <a:off x="4401421" y="1316765"/>
-            <a:ext cx="677392" cy="864096"/>
-          </a:xfrm>
-          <a:prstGeom prst="rect">
-            <a:avLst/>
-          </a:prstGeom>
-        </p:spPr>
-      </p:pic>
-      <p:pic>
-        <p:nvPicPr>
-          <p:cNvPr id="48" name="그림 47">
-            <a:extLst>
-              <a:ext uri="{FF2B5EF4-FFF2-40B4-BE49-F238E27FC236}">
-                <a16:creationId xmlns:a16="http://schemas.microsoft.com/office/drawing/2014/main" id="{ADDCDF09-66CE-48A3-8D94-ED07CAFE349C}"/>
-              </a:ext>
-            </a:extLst>
-          </p:cNvPr>
-          <p:cNvPicPr>
-            <a:picLocks noChangeAspect="1"/>
-          </p:cNvPicPr>
-          <p:nvPr/>
-        </p:nvPicPr>
-        <p:blipFill>
-          <a:blip r:embed="rId12" cstate="print">
-            <a:extLst>
-              <a:ext uri="{28A0092B-C50C-407E-A947-70E740481C1C}">
-                <a14:useLocalDpi xmlns:a14="http://schemas.microsoft.com/office/drawing/2010/main" val="0"/>
-              </a:ext>
-            </a:extLst>
-          </a:blip>
-          <a:stretch>
-            <a:fillRect/>
-          </a:stretch>
-        </p:blipFill>
-        <p:spPr>
-          <a:xfrm>
-            <a:off x="4179512" y="2610962"/>
-            <a:ext cx="1164269" cy="1014084"/>
-          </a:xfrm>
-          <a:prstGeom prst="rect">
-            <a:avLst/>
-          </a:prstGeom>
-        </p:spPr>
-      </p:pic>
-      <p:pic>
-        <p:nvPicPr>
-          <p:cNvPr id="50" name="그림 49">
-            <a:extLst>
-              <a:ext uri="{FF2B5EF4-FFF2-40B4-BE49-F238E27FC236}">
-                <a16:creationId xmlns:a16="http://schemas.microsoft.com/office/drawing/2014/main" id="{F1736AD2-B8B1-4A61-A412-07EC8EBB1C85}"/>
-              </a:ext>
-            </a:extLst>
-          </p:cNvPr>
-          <p:cNvPicPr>
-            <a:picLocks noChangeAspect="1"/>
-          </p:cNvPicPr>
-          <p:nvPr/>
-        </p:nvPicPr>
-        <p:blipFill>
-          <a:blip r:embed="rId13" cstate="print">
-            <a:extLst>
-              <a:ext uri="{28A0092B-C50C-407E-A947-70E740481C1C}">
-                <a14:useLocalDpi xmlns:a14="http://schemas.microsoft.com/office/drawing/2010/main" val="0"/>
-              </a:ext>
-            </a:extLst>
-          </a:blip>
-          <a:stretch>
-            <a:fillRect/>
-          </a:stretch>
-        </p:blipFill>
-        <p:spPr>
-          <a:xfrm>
-            <a:off x="4331554" y="4094342"/>
-            <a:ext cx="1048813" cy="1048813"/>
-          </a:xfrm>
-          <a:prstGeom prst="rect">
-            <a:avLst/>
-          </a:prstGeom>
-        </p:spPr>
-      </p:pic>
-      <p:sp>
-        <p:nvSpPr>
-          <p:cNvPr id="51" name="TextBox 50">
-            <a:extLst>
-              <a:ext uri="{FF2B5EF4-FFF2-40B4-BE49-F238E27FC236}">
-                <a16:creationId xmlns:a16="http://schemas.microsoft.com/office/drawing/2014/main" id="{D328DDF5-85FF-41C5-8D51-D14C209138D6}"/>
-              </a:ext>
-            </a:extLst>
-          </p:cNvPr>
-          <p:cNvSpPr txBox="1"/>
-          <p:nvPr/>
-        </p:nvSpPr>
-        <p:spPr>
-          <a:xfrm>
-            <a:off x="6353940" y="2294391"/>
-            <a:ext cx="2976331" cy="1200329"/>
-          </a:xfrm>
-          <a:prstGeom prst="rect">
-            <a:avLst/>
-          </a:prstGeom>
-          <a:noFill/>
-        </p:spPr>
-        <p:txBody>
-          <a:bodyPr wrap="square" rtlCol="0">
-            <a:spAutoFit/>
-          </a:bodyPr>
-          <a:lstStyle/>
-          <a:p>
-            <a:r>
-              <a:rPr lang="ko-KR" altLang="en-US" sz="2400" b="1" dirty="0">
-                <a:solidFill>
-                  <a:schemeClr val="tx1">
-                    <a:lumMod val="65000"/>
-                    <a:lumOff val="35000"/>
-                  </a:schemeClr>
-                </a:solidFill>
-              </a:rPr>
-              <a:t>기본 리워드 아이템</a:t>
-            </a:r>
-            <a:endParaRPr lang="en-US" altLang="ko-KR" sz="2400" b="1" dirty="0">
-              <a:solidFill>
-                <a:schemeClr val="tx1">
-                  <a:lumMod val="65000"/>
-                  <a:lumOff val="35000"/>
-                </a:schemeClr>
-              </a:solidFill>
-            </a:endParaRPr>
-          </a:p>
-          <a:p>
-            <a:pPr marL="380990" indent="-380990">
-              <a:buFontTx/>
-              <a:buChar char="-"/>
-            </a:pPr>
-            <a:r>
-              <a:rPr lang="ko-KR" altLang="en-US" sz="2400" dirty="0">
-                <a:solidFill>
-                  <a:schemeClr val="tx1">
-                    <a:lumMod val="65000"/>
-                    <a:lumOff val="35000"/>
-                  </a:schemeClr>
-                </a:solidFill>
-              </a:rPr>
-              <a:t>나무</a:t>
-            </a:r>
-            <a:endParaRPr lang="en-US" altLang="ko-KR" sz="2400" dirty="0">
-              <a:solidFill>
-                <a:schemeClr val="tx1">
-                  <a:lumMod val="65000"/>
-                  <a:lumOff val="35000"/>
-                </a:schemeClr>
-              </a:solidFill>
-            </a:endParaRPr>
-          </a:p>
-          <a:p>
-            <a:pPr marL="380990" indent="-380990">
-              <a:buFontTx/>
-              <a:buChar char="-"/>
-            </a:pPr>
-            <a:r>
-              <a:rPr lang="ko-KR" altLang="en-US" sz="2400" dirty="0">
-                <a:solidFill>
-                  <a:schemeClr val="tx1">
-                    <a:lumMod val="65000"/>
-                    <a:lumOff val="35000"/>
-                  </a:schemeClr>
-                </a:solidFill>
-              </a:rPr>
-              <a:t>새싹</a:t>
-            </a:r>
-          </a:p>
-        </p:txBody>
-      </p:sp>
-    </p:spTree>
-    <p:extLst>
-      <p:ext uri="{BB962C8B-B14F-4D97-AF65-F5344CB8AC3E}">
-        <p14:creationId xmlns:p14="http://schemas.microsoft.com/office/powerpoint/2010/main" val="2505946303"/>
-      </p:ext>
-    </p:extLst>
-  </p:cSld>
-  <p:clrMapOvr>
-    <a:masterClrMapping/>
-  </p:clrMapOvr>
-</p:sld>
-</file>
-
-<file path=ppt/slides/slide16.xml><?xml version="1.0" encoding="utf-8"?>
-<p:sld xmlns:a="http://schemas.openxmlformats.org/drawingml/2006/main" xmlns:r="http://schemas.openxmlformats.org/officeDocument/2006/relationships" xmlns:p="http://schemas.openxmlformats.org/presentationml/2006/main">
-  <p:cSld>
-    <p:spTree>
-      <p:nvGrpSpPr>
-        <p:cNvPr id="1" name=""/>
-        <p:cNvGrpSpPr/>
-        <p:nvPr/>
-      </p:nvGrpSpPr>
-      <p:grpSpPr>
-        <a:xfrm>
-          <a:off x="0" y="0"/>
-          <a:ext cx="0" cy="0"/>
-          <a:chOff x="0" y="0"/>
-          <a:chExt cx="0" cy="0"/>
-        </a:xfrm>
-      </p:grpSpPr>
-      <p:sp>
-        <p:nvSpPr>
-          <p:cNvPr id="2" name="제목 1">
-            <a:extLst>
-              <a:ext uri="{FF2B5EF4-FFF2-40B4-BE49-F238E27FC236}">
-                <a16:creationId xmlns:a16="http://schemas.microsoft.com/office/drawing/2014/main" id="{34437ED0-192D-48F3-8AED-B9F8B07EA29B}"/>
-              </a:ext>
-            </a:extLst>
-          </p:cNvPr>
-          <p:cNvSpPr>
-            <a:spLocks noGrp="1"/>
-          </p:cNvSpPr>
-          <p:nvPr>
-            <p:ph type="title"/>
-          </p:nvPr>
-        </p:nvSpPr>
-        <p:spPr/>
-        <p:txBody>
-          <a:bodyPr/>
-          <a:lstStyle/>
-          <a:p>
-            <a:r>
-              <a:rPr lang="ko-KR" altLang="en-US" dirty="0"/>
-              <a:t>고맙습니다</a:t>
-            </a:r>
-            <a:endParaRPr lang="en-US" dirty="0"/>
-          </a:p>
-        </p:txBody>
-      </p:sp>
-    </p:spTree>
-    <p:extLst>
-      <p:ext uri="{BB962C8B-B14F-4D97-AF65-F5344CB8AC3E}">
-        <p14:creationId xmlns:p14="http://schemas.microsoft.com/office/powerpoint/2010/main" val="3689248406"/>
+        <p14:creationId xmlns:p14="http://schemas.microsoft.com/office/powerpoint/2010/main" val="3546494385"/>
       </p:ext>
     </p:extLst>
   </p:cSld>
@@ -6094,49 +3684,12 @@
           <a:chExt cx="0" cy="0"/>
         </a:xfrm>
       </p:grpSpPr>
-      <p:sp>
-        <p:nvSpPr>
-          <p:cNvPr id="4" name="제목 3">
-            <a:extLst>
-              <a:ext uri="{FF2B5EF4-FFF2-40B4-BE49-F238E27FC236}">
-                <a16:creationId xmlns:a16="http://schemas.microsoft.com/office/drawing/2014/main" id="{113E72A2-3BF2-445F-A197-5B33A145ABBB}"/>
-              </a:ext>
-            </a:extLst>
-          </p:cNvPr>
-          <p:cNvSpPr>
-            <a:spLocks noGrp="1"/>
-          </p:cNvSpPr>
-          <p:nvPr>
-            <p:ph type="title"/>
-          </p:nvPr>
-        </p:nvSpPr>
-        <p:spPr/>
-        <p:txBody>
-          <a:bodyPr/>
-          <a:lstStyle/>
-          <a:p>
-            <a:r>
-              <a:rPr lang="en-US" dirty="0" err="1"/>
-              <a:t>Torest</a:t>
-            </a:r>
-            <a:r>
-              <a:rPr lang="en-US" dirty="0"/>
-              <a:t> : PC </a:t>
-            </a:r>
-            <a:r>
-              <a:rPr lang="ko-KR" altLang="en-US" dirty="0"/>
-              <a:t>및 모바일용 토익 프로그램</a:t>
-            </a:r>
-            <a:endParaRPr lang="en-US" dirty="0"/>
-          </a:p>
-        </p:txBody>
-      </p:sp>
       <p:pic>
         <p:nvPicPr>
-          <p:cNvPr id="8" name="그림 7">
-            <a:extLst>
-              <a:ext uri="{FF2B5EF4-FFF2-40B4-BE49-F238E27FC236}">
-                <a16:creationId xmlns:a16="http://schemas.microsoft.com/office/drawing/2014/main" id="{0B6ECC66-E061-4054-BABF-EF0BCC118574}"/>
+          <p:cNvPr id="3" name="그림 2" descr="스크린샷이(가) 표시된 사진&#10;&#10;자동 생성된 설명">
+            <a:extLst>
+              <a:ext uri="{FF2B5EF4-FFF2-40B4-BE49-F238E27FC236}">
+                <a16:creationId xmlns:a16="http://schemas.microsoft.com/office/drawing/2014/main" id="{1F93D451-58D8-4825-A452-DF91F5275634}"/>
               </a:ext>
             </a:extLst>
           </p:cNvPr>
@@ -6146,37 +3699,7 @@
           <p:nvPr/>
         </p:nvPicPr>
         <p:blipFill>
-          <a:blip r:embed="rId2"/>
-          <a:stretch>
-            <a:fillRect/>
-          </a:stretch>
-        </p:blipFill>
-        <p:spPr>
-          <a:xfrm>
-            <a:off x="971550" y="2168128"/>
-            <a:ext cx="5391150" cy="3032522"/>
-          </a:xfrm>
-          <a:prstGeom prst="rect">
-            <a:avLst/>
-          </a:prstGeom>
-        </p:spPr>
-      </p:pic>
-      <p:pic>
-        <p:nvPicPr>
-          <p:cNvPr id="10" name="그림 9" descr="스크린샷이(가) 표시된 사진&#10;&#10;자동 생성된 설명">
-            <a:extLst>
-              <a:ext uri="{FF2B5EF4-FFF2-40B4-BE49-F238E27FC236}">
-                <a16:creationId xmlns:a16="http://schemas.microsoft.com/office/drawing/2014/main" id="{62AF827C-69DF-4B78-925E-4198B969FE65}"/>
-              </a:ext>
-            </a:extLst>
-          </p:cNvPr>
-          <p:cNvPicPr>
-            <a:picLocks noChangeAspect="1"/>
-          </p:cNvPicPr>
-          <p:nvPr/>
-        </p:nvPicPr>
-        <p:blipFill>
-          <a:blip r:embed="rId3">
+          <a:blip r:embed="rId2">
             <a:extLst>
               <a:ext uri="{28A0092B-C50C-407E-A947-70E740481C1C}">
                 <a14:useLocalDpi xmlns:a14="http://schemas.microsoft.com/office/drawing/2010/main" val="0"/>
@@ -6189,8 +3712,8 @@
         </p:blipFill>
         <p:spPr>
           <a:xfrm>
-            <a:off x="7600950" y="1616075"/>
-            <a:ext cx="2743200" cy="4876800"/>
+            <a:off x="0" y="0"/>
+            <a:ext cx="12192000" cy="6858000"/>
           </a:xfrm>
           <a:prstGeom prst="rect">
             <a:avLst/>
@@ -6200,7 +3723,7 @@
     </p:spTree>
     <p:extLst>
       <p:ext uri="{BB962C8B-B14F-4D97-AF65-F5344CB8AC3E}">
-        <p14:creationId xmlns:p14="http://schemas.microsoft.com/office/powerpoint/2010/main" val="3712387306"/>
+        <p14:creationId xmlns:p14="http://schemas.microsoft.com/office/powerpoint/2010/main" val="1951407498"/>
       </p:ext>
     </p:extLst>
   </p:cSld>
@@ -6227,110 +3750,46 @@
           <a:chExt cx="0" cy="0"/>
         </a:xfrm>
       </p:grpSpPr>
-      <p:sp>
-        <p:nvSpPr>
-          <p:cNvPr id="2" name="제목 1">
-            <a:extLst>
-              <a:ext uri="{FF2B5EF4-FFF2-40B4-BE49-F238E27FC236}">
-                <a16:creationId xmlns:a16="http://schemas.microsoft.com/office/drawing/2014/main" id="{F7A6C3E9-1286-46C9-A8E0-7D5E4C50D1F5}"/>
-              </a:ext>
-            </a:extLst>
-          </p:cNvPr>
-          <p:cNvSpPr>
-            <a:spLocks noGrp="1"/>
-          </p:cNvSpPr>
-          <p:nvPr>
-            <p:ph type="title"/>
-          </p:nvPr>
-        </p:nvSpPr>
-        <p:spPr/>
-        <p:txBody>
-          <a:bodyPr/>
-          <a:lstStyle/>
-          <a:p>
-            <a:r>
-              <a:rPr lang="ko-KR" altLang="en-US" dirty="0"/>
-              <a:t>특징</a:t>
-            </a:r>
-            <a:endParaRPr lang="en-US" dirty="0"/>
-          </a:p>
-        </p:txBody>
-      </p:sp>
-      <p:sp>
-        <p:nvSpPr>
-          <p:cNvPr id="3" name="내용 개체 틀 2">
-            <a:extLst>
-              <a:ext uri="{FF2B5EF4-FFF2-40B4-BE49-F238E27FC236}">
-                <a16:creationId xmlns:a16="http://schemas.microsoft.com/office/drawing/2014/main" id="{133BD188-B56B-43CF-9985-77737B683BDF}"/>
-              </a:ext>
-            </a:extLst>
-          </p:cNvPr>
-          <p:cNvSpPr>
-            <a:spLocks noGrp="1"/>
-          </p:cNvSpPr>
-          <p:nvPr>
-            <p:ph idx="1"/>
-          </p:nvPr>
-        </p:nvSpPr>
-        <p:spPr/>
-        <p:txBody>
-          <a:bodyPr/>
-          <a:lstStyle/>
-          <a:p>
-            <a:r>
-              <a:rPr lang="ko-KR" altLang="en-US" dirty="0"/>
-              <a:t>사용자의 수준에 맞는 토익 문제 및 영어단어 제공</a:t>
-            </a:r>
-            <a:endParaRPr lang="en-US" altLang="ko-KR" dirty="0"/>
-          </a:p>
-          <a:p>
-            <a:r>
-              <a:rPr lang="ko-KR" altLang="en-US" dirty="0"/>
-              <a:t>대략적인 예상 점수 출력</a:t>
-            </a:r>
-            <a:endParaRPr lang="en-US" altLang="ko-KR" dirty="0"/>
-          </a:p>
-          <a:p>
-            <a:r>
-              <a:rPr lang="ko-KR" altLang="en-US" dirty="0" err="1"/>
-              <a:t>날짜별</a:t>
-            </a:r>
-            <a:r>
-              <a:rPr lang="ko-KR" altLang="en-US" dirty="0"/>
-              <a:t> 그래프 기능</a:t>
-            </a:r>
-            <a:endParaRPr lang="en-US" altLang="ko-KR" dirty="0"/>
-          </a:p>
-          <a:p>
-            <a:r>
-              <a:rPr lang="ko-KR" altLang="en-US" dirty="0"/>
-              <a:t>풀이 시간에 따른 차등 점수 적용</a:t>
-            </a:r>
-            <a:endParaRPr lang="en-US" altLang="ko-KR" dirty="0"/>
-          </a:p>
-          <a:p>
-            <a:r>
-              <a:rPr lang="ko-KR" altLang="en-US" dirty="0"/>
-              <a:t>사용자의 개인 숲을 꾸미기</a:t>
-            </a:r>
-            <a:endParaRPr lang="en-US" altLang="ko-KR" dirty="0"/>
-          </a:p>
-          <a:p>
-            <a:r>
-              <a:rPr lang="ko-KR" altLang="en-US" dirty="0"/>
-              <a:t>마지막 접속 시간을 체크해 기존 숲을 황폐화</a:t>
-            </a:r>
-            <a:endParaRPr lang="en-US" altLang="ko-KR" dirty="0"/>
-          </a:p>
-          <a:p>
-            <a:endParaRPr lang="en-US" dirty="0"/>
-          </a:p>
-        </p:txBody>
-      </p:sp>
+      <p:pic>
+        <p:nvPicPr>
+          <p:cNvPr id="3" name="그림 2" descr="스크린샷이(가) 표시된 사진&#10;&#10;자동 생성된 설명">
+            <a:extLst>
+              <a:ext uri="{FF2B5EF4-FFF2-40B4-BE49-F238E27FC236}">
+                <a16:creationId xmlns:a16="http://schemas.microsoft.com/office/drawing/2014/main" id="{CC867390-0C7D-469E-9D2D-43760BA01241}"/>
+              </a:ext>
+            </a:extLst>
+          </p:cNvPr>
+          <p:cNvPicPr>
+            <a:picLocks noChangeAspect="1"/>
+          </p:cNvPicPr>
+          <p:nvPr/>
+        </p:nvPicPr>
+        <p:blipFill>
+          <a:blip r:embed="rId2">
+            <a:extLst>
+              <a:ext uri="{28A0092B-C50C-407E-A947-70E740481C1C}">
+                <a14:useLocalDpi xmlns:a14="http://schemas.microsoft.com/office/drawing/2010/main" val="0"/>
+              </a:ext>
+            </a:extLst>
+          </a:blip>
+          <a:stretch>
+            <a:fillRect/>
+          </a:stretch>
+        </p:blipFill>
+        <p:spPr>
+          <a:xfrm>
+            <a:off x="0" y="0"/>
+            <a:ext cx="12192000" cy="6858000"/>
+          </a:xfrm>
+          <a:prstGeom prst="rect">
+            <a:avLst/>
+          </a:prstGeom>
+        </p:spPr>
+      </p:pic>
     </p:spTree>
     <p:extLst>
       <p:ext uri="{BB962C8B-B14F-4D97-AF65-F5344CB8AC3E}">
-        <p14:creationId xmlns:p14="http://schemas.microsoft.com/office/powerpoint/2010/main" val="1603178855"/>
+        <p14:creationId xmlns:p14="http://schemas.microsoft.com/office/powerpoint/2010/main" val="3242333987"/>
       </p:ext>
     </p:extLst>
   </p:cSld>
@@ -6357,39 +3816,46 @@
           <a:chExt cx="0" cy="0"/>
         </a:xfrm>
       </p:grpSpPr>
-      <p:sp>
-        <p:nvSpPr>
-          <p:cNvPr id="2" name="제목 1">
-            <a:extLst>
-              <a:ext uri="{FF2B5EF4-FFF2-40B4-BE49-F238E27FC236}">
-                <a16:creationId xmlns:a16="http://schemas.microsoft.com/office/drawing/2014/main" id="{483BE0A4-CCC6-40B7-B3AC-9F321DC6C4DB}"/>
-              </a:ext>
-            </a:extLst>
-          </p:cNvPr>
-          <p:cNvSpPr>
-            <a:spLocks noGrp="1"/>
-          </p:cNvSpPr>
-          <p:nvPr>
-            <p:ph type="title"/>
-          </p:nvPr>
-        </p:nvSpPr>
-        <p:spPr/>
-        <p:txBody>
-          <a:bodyPr/>
-          <a:lstStyle/>
-          <a:p>
-            <a:r>
-              <a:rPr lang="ko-KR" altLang="en-US" dirty="0"/>
-              <a:t>시연</a:t>
-            </a:r>
-            <a:endParaRPr lang="en-US" dirty="0"/>
-          </a:p>
-        </p:txBody>
-      </p:sp>
+      <p:pic>
+        <p:nvPicPr>
+          <p:cNvPr id="3" name="그림 2" descr="스크린샷이(가) 표시된 사진&#10;&#10;자동 생성된 설명">
+            <a:extLst>
+              <a:ext uri="{FF2B5EF4-FFF2-40B4-BE49-F238E27FC236}">
+                <a16:creationId xmlns:a16="http://schemas.microsoft.com/office/drawing/2014/main" id="{9D8958D1-5F90-4554-ABDF-C299A9074CFE}"/>
+              </a:ext>
+            </a:extLst>
+          </p:cNvPr>
+          <p:cNvPicPr>
+            <a:picLocks noChangeAspect="1"/>
+          </p:cNvPicPr>
+          <p:nvPr/>
+        </p:nvPicPr>
+        <p:blipFill>
+          <a:blip r:embed="rId2">
+            <a:extLst>
+              <a:ext uri="{28A0092B-C50C-407E-A947-70E740481C1C}">
+                <a14:useLocalDpi xmlns:a14="http://schemas.microsoft.com/office/drawing/2010/main" val="0"/>
+              </a:ext>
+            </a:extLst>
+          </a:blip>
+          <a:stretch>
+            <a:fillRect/>
+          </a:stretch>
+        </p:blipFill>
+        <p:spPr>
+          <a:xfrm>
+            <a:off x="0" y="0"/>
+            <a:ext cx="12192000" cy="6858000"/>
+          </a:xfrm>
+          <a:prstGeom prst="rect">
+            <a:avLst/>
+          </a:prstGeom>
+        </p:spPr>
+      </p:pic>
     </p:spTree>
     <p:extLst>
       <p:ext uri="{BB962C8B-B14F-4D97-AF65-F5344CB8AC3E}">
-        <p14:creationId xmlns:p14="http://schemas.microsoft.com/office/powerpoint/2010/main" val="2427007260"/>
+        <p14:creationId xmlns:p14="http://schemas.microsoft.com/office/powerpoint/2010/main" val="872629252"/>
       </p:ext>
     </p:extLst>
   </p:cSld>
@@ -6416,343 +3882,46 @@
           <a:chExt cx="0" cy="0"/>
         </a:xfrm>
       </p:grpSpPr>
-      <p:sp>
-        <p:nvSpPr>
-          <p:cNvPr id="4" name="제목 3">
-            <a:extLst>
-              <a:ext uri="{FF2B5EF4-FFF2-40B4-BE49-F238E27FC236}">
-                <a16:creationId xmlns:a16="http://schemas.microsoft.com/office/drawing/2014/main" id="{3AF18177-CC6F-4D9A-96C3-55D7D2F07219}"/>
-              </a:ext>
-            </a:extLst>
-          </p:cNvPr>
-          <p:cNvSpPr>
-            <a:spLocks noGrp="1"/>
-          </p:cNvSpPr>
-          <p:nvPr>
-            <p:ph type="title"/>
-          </p:nvPr>
-        </p:nvSpPr>
-        <p:spPr/>
-        <p:txBody>
-          <a:bodyPr/>
-          <a:lstStyle/>
-          <a:p>
-            <a:r>
-              <a:rPr lang="ko-KR" altLang="en-US" dirty="0"/>
-              <a:t>기존 토익 프로그램과의 비교</a:t>
-            </a:r>
-            <a:endParaRPr lang="en-US" dirty="0"/>
-          </a:p>
-        </p:txBody>
-      </p:sp>
-      <p:graphicFrame>
-        <p:nvGraphicFramePr>
-          <p:cNvPr id="17" name="표 17">
-            <a:extLst>
-              <a:ext uri="{FF2B5EF4-FFF2-40B4-BE49-F238E27FC236}">
-                <a16:creationId xmlns:a16="http://schemas.microsoft.com/office/drawing/2014/main" id="{91D7BE07-3D8E-4C54-B638-2AB69806123A}"/>
-              </a:ext>
-            </a:extLst>
-          </p:cNvPr>
-          <p:cNvGraphicFramePr>
-            <a:graphicFrameLocks noGrp="1"/>
-          </p:cNvGraphicFramePr>
-          <p:nvPr>
-            <p:extLst>
-              <p:ext uri="{D42A27DB-BD31-4B8C-83A1-F6EECF244321}">
-                <p14:modId xmlns:p14="http://schemas.microsoft.com/office/powerpoint/2010/main" val="3555973269"/>
-              </p:ext>
-            </p:extLst>
-          </p:nvPr>
-        </p:nvGraphicFramePr>
-        <p:xfrm>
-          <a:off x="944282" y="1571313"/>
-          <a:ext cx="10303436" cy="2021840"/>
-        </p:xfrm>
-        <a:graphic>
-          <a:graphicData uri="http://schemas.openxmlformats.org/drawingml/2006/table">
-            <a:tbl>
-              <a:tblPr firstRow="1" bandRow="1">
-                <a:tableStyleId>{5C22544A-7EE6-4342-B048-85BDC9FD1C3A}</a:tableStyleId>
-              </a:tblPr>
-              <a:tblGrid>
-                <a:gridCol w="1094740">
-                  <a:extLst>
-                    <a:ext uri="{9D8B030D-6E8A-4147-A177-3AD203B41FA5}">
-                      <a16:colId xmlns:a16="http://schemas.microsoft.com/office/drawing/2014/main" val="3651249395"/>
-                    </a:ext>
-                  </a:extLst>
-                </a:gridCol>
-                <a:gridCol w="4412578">
-                  <a:extLst>
-                    <a:ext uri="{9D8B030D-6E8A-4147-A177-3AD203B41FA5}">
-                      <a16:colId xmlns:a16="http://schemas.microsoft.com/office/drawing/2014/main" val="3387274078"/>
-                    </a:ext>
-                  </a:extLst>
-                </a:gridCol>
-                <a:gridCol w="4796118">
-                  <a:extLst>
-                    <a:ext uri="{9D8B030D-6E8A-4147-A177-3AD203B41FA5}">
-                      <a16:colId xmlns:a16="http://schemas.microsoft.com/office/drawing/2014/main" val="1546550903"/>
-                    </a:ext>
-                  </a:extLst>
-                </a:gridCol>
-              </a:tblGrid>
-              <a:tr h="370840">
-                <a:tc>
-                  <a:txBody>
-                    <a:bodyPr/>
-                    <a:lstStyle/>
-                    <a:p>
-                      <a:endParaRPr lang="en-US" dirty="0"/>
-                    </a:p>
-                  </a:txBody>
-                  <a:tcPr/>
-                </a:tc>
-                <a:tc>
-                  <a:txBody>
-                    <a:bodyPr/>
-                    <a:lstStyle/>
-                    <a:p>
-                      <a:r>
-                        <a:rPr lang="en-US" dirty="0"/>
-                        <a:t>TOEIC Test Pro 2019</a:t>
-                      </a:r>
-                    </a:p>
-                  </a:txBody>
-                  <a:tcPr/>
-                </a:tc>
-                <a:tc>
-                  <a:txBody>
-                    <a:bodyPr/>
-                    <a:lstStyle/>
-                    <a:p>
-                      <a:r>
-                        <a:rPr lang="en-US" dirty="0" err="1"/>
-                        <a:t>Torest</a:t>
-                      </a:r>
-                      <a:endParaRPr lang="en-US" dirty="0"/>
-                    </a:p>
-                  </a:txBody>
-                  <a:tcPr/>
-                </a:tc>
-                <a:extLst>
-                  <a:ext uri="{0D108BD9-81ED-4DB2-BD59-A6C34878D82A}">
-                    <a16:rowId xmlns:a16="http://schemas.microsoft.com/office/drawing/2014/main" val="1943408864"/>
-                  </a:ext>
-                </a:extLst>
-              </a:tr>
-              <a:tr h="370840">
-                <a:tc>
-                  <a:txBody>
-                    <a:bodyPr/>
-                    <a:lstStyle/>
-                    <a:p>
-                      <a:r>
-                        <a:rPr lang="ko-KR" altLang="en-US" dirty="0"/>
-                        <a:t>문제</a:t>
-                      </a:r>
-                      <a:endParaRPr lang="en-US" dirty="0"/>
-                    </a:p>
-                  </a:txBody>
-                  <a:tcPr/>
-                </a:tc>
-                <a:tc>
-                  <a:txBody>
-                    <a:bodyPr/>
-                    <a:lstStyle/>
-                    <a:p>
-                      <a:r>
-                        <a:rPr lang="en-US" dirty="0"/>
-                        <a:t>Reading, Listening</a:t>
-                      </a:r>
-                      <a:r>
-                        <a:rPr lang="ko-KR" altLang="en-US" dirty="0"/>
-                        <a:t>의 다양한 문제 제공</a:t>
-                      </a:r>
-                      <a:endParaRPr lang="en-US" dirty="0"/>
-                    </a:p>
-                  </a:txBody>
-                  <a:tcPr/>
-                </a:tc>
-                <a:tc>
-                  <a:txBody>
-                    <a:bodyPr/>
-                    <a:lstStyle/>
-                    <a:p>
-                      <a:r>
-                        <a:rPr lang="en-US" dirty="0"/>
-                        <a:t>Reading Section 5</a:t>
-                      </a:r>
-                      <a:r>
-                        <a:rPr lang="ko-KR" altLang="en-US" dirty="0"/>
-                        <a:t>만 제공</a:t>
-                      </a:r>
-                      <a:endParaRPr lang="en-US" dirty="0"/>
-                    </a:p>
-                  </a:txBody>
-                  <a:tcPr/>
-                </a:tc>
-                <a:extLst>
-                  <a:ext uri="{0D108BD9-81ED-4DB2-BD59-A6C34878D82A}">
-                    <a16:rowId xmlns:a16="http://schemas.microsoft.com/office/drawing/2014/main" val="2884355397"/>
-                  </a:ext>
-                </a:extLst>
-              </a:tr>
-              <a:tr h="370840">
-                <a:tc>
-                  <a:txBody>
-                    <a:bodyPr/>
-                    <a:lstStyle/>
-                    <a:p>
-                      <a:r>
-                        <a:rPr lang="ko-KR" altLang="en-US" dirty="0"/>
-                        <a:t>단어</a:t>
-                      </a:r>
-                      <a:endParaRPr lang="en-US" dirty="0"/>
-                    </a:p>
-                  </a:txBody>
-                  <a:tcPr/>
-                </a:tc>
-                <a:tc>
-                  <a:txBody>
-                    <a:bodyPr/>
-                    <a:lstStyle/>
-                    <a:p>
-                      <a:r>
-                        <a:rPr lang="ko-KR" altLang="en-US" dirty="0"/>
-                        <a:t>마케팅</a:t>
-                      </a:r>
-                      <a:r>
-                        <a:rPr lang="en-US" altLang="ko-KR" dirty="0"/>
-                        <a:t>, </a:t>
-                      </a:r>
-                      <a:r>
-                        <a:rPr lang="ko-KR" altLang="en-US" dirty="0"/>
-                        <a:t>회계</a:t>
-                      </a:r>
-                      <a:r>
-                        <a:rPr lang="en-US" altLang="ko-KR" dirty="0"/>
-                        <a:t>, </a:t>
-                      </a:r>
-                      <a:r>
-                        <a:rPr lang="ko-KR" altLang="en-US" dirty="0"/>
-                        <a:t>회의</a:t>
-                      </a:r>
-                      <a:r>
-                        <a:rPr lang="en-US" altLang="ko-KR" dirty="0"/>
-                        <a:t>, </a:t>
-                      </a:r>
-                      <a:r>
-                        <a:rPr lang="ko-KR" altLang="en-US" dirty="0"/>
-                        <a:t>무역 등 다양한 분야의 단어 제공</a:t>
-                      </a:r>
-                      <a:endParaRPr lang="en-US" dirty="0"/>
-                    </a:p>
-                  </a:txBody>
-                  <a:tcPr/>
-                </a:tc>
-                <a:tc>
-                  <a:txBody>
-                    <a:bodyPr/>
-                    <a:lstStyle/>
-                    <a:p>
-                      <a:r>
-                        <a:rPr lang="ko-KR" altLang="en-US" dirty="0"/>
-                        <a:t>사용자 난이도별 단어 암기기능 제공</a:t>
-                      </a:r>
-                      <a:endParaRPr lang="en-US" dirty="0"/>
-                    </a:p>
-                  </a:txBody>
-                  <a:tcPr/>
-                </a:tc>
-                <a:extLst>
-                  <a:ext uri="{0D108BD9-81ED-4DB2-BD59-A6C34878D82A}">
-                    <a16:rowId xmlns:a16="http://schemas.microsoft.com/office/drawing/2014/main" val="14141561"/>
-                  </a:ext>
-                </a:extLst>
-              </a:tr>
-              <a:tr h="370840">
-                <a:tc>
-                  <a:txBody>
-                    <a:bodyPr/>
-                    <a:lstStyle/>
-                    <a:p>
-                      <a:r>
-                        <a:rPr lang="ko-KR" altLang="en-US" dirty="0"/>
-                        <a:t>통계</a:t>
-                      </a:r>
-                      <a:endParaRPr lang="en-US" dirty="0"/>
-                    </a:p>
-                  </a:txBody>
-                  <a:tcPr/>
-                </a:tc>
-                <a:tc>
-                  <a:txBody>
-                    <a:bodyPr/>
-                    <a:lstStyle/>
-                    <a:p>
-                      <a:r>
-                        <a:rPr lang="ko-KR" altLang="en-US" dirty="0"/>
-                        <a:t>예상점수는 제공하지 않으나</a:t>
-                      </a:r>
-                      <a:r>
-                        <a:rPr lang="en-US" altLang="ko-KR" dirty="0"/>
-                        <a:t>, </a:t>
-                      </a:r>
-                      <a:r>
-                        <a:rPr lang="ko-KR" altLang="en-US" dirty="0"/>
-                        <a:t>각 </a:t>
-                      </a:r>
-                      <a:r>
-                        <a:rPr lang="ko-KR" altLang="en-US" dirty="0" err="1"/>
-                        <a:t>섹션별</a:t>
-                      </a:r>
-                      <a:r>
-                        <a:rPr lang="ko-KR" altLang="en-US" dirty="0"/>
-                        <a:t> 세부 성과를 통계로 제공</a:t>
-                      </a:r>
-                      <a:endParaRPr lang="en-US" dirty="0"/>
-                    </a:p>
-                  </a:txBody>
-                  <a:tcPr/>
-                </a:tc>
-                <a:tc>
-                  <a:txBody>
-                    <a:bodyPr/>
-                    <a:lstStyle/>
-                    <a:p>
-                      <a:r>
-                        <a:rPr lang="ko-KR" altLang="en-US" dirty="0"/>
-                        <a:t>예상점수 </a:t>
-                      </a:r>
-                      <a:r>
-                        <a:rPr lang="ko-KR" altLang="en-US" dirty="0" err="1"/>
-                        <a:t>날짜별</a:t>
-                      </a:r>
-                      <a:r>
-                        <a:rPr lang="ko-KR" altLang="en-US" dirty="0"/>
-                        <a:t> 제공</a:t>
-                      </a:r>
-                      <a:endParaRPr lang="en-US" dirty="0"/>
-                    </a:p>
-                  </a:txBody>
-                  <a:tcPr/>
-                </a:tc>
-                <a:extLst>
-                  <a:ext uri="{0D108BD9-81ED-4DB2-BD59-A6C34878D82A}">
-                    <a16:rowId xmlns:a16="http://schemas.microsoft.com/office/drawing/2014/main" val="1491678577"/>
-                  </a:ext>
-                </a:extLst>
-              </a:tr>
-            </a:tbl>
-          </a:graphicData>
-        </a:graphic>
-      </p:graphicFrame>
+      <p:pic>
+        <p:nvPicPr>
+          <p:cNvPr id="3" name="그림 2">
+            <a:extLst>
+              <a:ext uri="{FF2B5EF4-FFF2-40B4-BE49-F238E27FC236}">
+                <a16:creationId xmlns:a16="http://schemas.microsoft.com/office/drawing/2014/main" id="{6DAABB84-11D7-4AED-8773-B6A7A750E75F}"/>
+              </a:ext>
+            </a:extLst>
+          </p:cNvPr>
+          <p:cNvPicPr>
+            <a:picLocks noChangeAspect="1"/>
+          </p:cNvPicPr>
+          <p:nvPr/>
+        </p:nvPicPr>
+        <p:blipFill>
+          <a:blip r:embed="rId2">
+            <a:extLst>
+              <a:ext uri="{28A0092B-C50C-407E-A947-70E740481C1C}">
+                <a14:useLocalDpi xmlns:a14="http://schemas.microsoft.com/office/drawing/2010/main" val="0"/>
+              </a:ext>
+            </a:extLst>
+          </a:blip>
+          <a:stretch>
+            <a:fillRect/>
+          </a:stretch>
+        </p:blipFill>
+        <p:spPr>
+          <a:xfrm>
+            <a:off x="0" y="0"/>
+            <a:ext cx="12192000" cy="6858000"/>
+          </a:xfrm>
+          <a:prstGeom prst="rect">
+            <a:avLst/>
+          </a:prstGeom>
+        </p:spPr>
+      </p:pic>
     </p:spTree>
     <p:extLst>
       <p:ext uri="{BB962C8B-B14F-4D97-AF65-F5344CB8AC3E}">
-        <p14:creationId xmlns:p14="http://schemas.microsoft.com/office/powerpoint/2010/main" val="2558378214"/>
+        <p14:creationId xmlns:p14="http://schemas.microsoft.com/office/powerpoint/2010/main" val="2002674007"/>
       </p:ext>
     </p:extLst>
   </p:cSld>
@@ -6779,94 +3948,46 @@
           <a:chExt cx="0" cy="0"/>
         </a:xfrm>
       </p:grpSpPr>
-      <p:sp>
-        <p:nvSpPr>
-          <p:cNvPr id="7" name="제목 6">
-            <a:extLst>
-              <a:ext uri="{FF2B5EF4-FFF2-40B4-BE49-F238E27FC236}">
-                <a16:creationId xmlns:a16="http://schemas.microsoft.com/office/drawing/2014/main" id="{74C92020-17DC-43D6-8845-C4CADFA8126A}"/>
-              </a:ext>
-            </a:extLst>
-          </p:cNvPr>
-          <p:cNvSpPr>
-            <a:spLocks noGrp="1"/>
-          </p:cNvSpPr>
-          <p:nvPr>
-            <p:ph type="title"/>
-          </p:nvPr>
-        </p:nvSpPr>
-        <p:spPr/>
-        <p:txBody>
-          <a:bodyPr/>
-          <a:lstStyle/>
-          <a:p>
-            <a:r>
-              <a:rPr lang="ko-KR" altLang="en-US" dirty="0"/>
-              <a:t>타 프로그램 대비 장점</a:t>
-            </a:r>
-            <a:endParaRPr lang="en-US" altLang="ko-KR" dirty="0"/>
-          </a:p>
-        </p:txBody>
-      </p:sp>
-      <p:sp>
-        <p:nvSpPr>
-          <p:cNvPr id="8" name="내용 개체 틀 7">
-            <a:extLst>
-              <a:ext uri="{FF2B5EF4-FFF2-40B4-BE49-F238E27FC236}">
-                <a16:creationId xmlns:a16="http://schemas.microsoft.com/office/drawing/2014/main" id="{A8A00916-9570-45CA-AA70-B8A81C308516}"/>
-              </a:ext>
-            </a:extLst>
-          </p:cNvPr>
-          <p:cNvSpPr>
-            <a:spLocks noGrp="1"/>
-          </p:cNvSpPr>
-          <p:nvPr>
-            <p:ph idx="1"/>
-          </p:nvPr>
-        </p:nvSpPr>
-        <p:spPr/>
-        <p:txBody>
-          <a:bodyPr/>
-          <a:lstStyle/>
-          <a:p>
-            <a:r>
-              <a:rPr lang="ko-KR" altLang="en-US" dirty="0"/>
-              <a:t>아기자기한 디자인으로 사용자에게 친숙함</a:t>
-            </a:r>
-          </a:p>
-          <a:p>
-            <a:r>
-              <a:rPr lang="ko-KR" altLang="en-US" dirty="0"/>
-              <a:t>사용자 레벨 맞춤형 문제 제공</a:t>
-            </a:r>
-            <a:endParaRPr lang="en-US" altLang="ko-KR" dirty="0"/>
-          </a:p>
-          <a:p>
-            <a:r>
-              <a:rPr lang="ko-KR" altLang="en-US" dirty="0"/>
-              <a:t>토익 문제를 풀 때 보상이 주어짐</a:t>
-            </a:r>
-            <a:endParaRPr lang="en-US" altLang="ko-KR" dirty="0"/>
-          </a:p>
-          <a:p>
-            <a:r>
-              <a:rPr lang="ko-KR" altLang="en-US" dirty="0"/>
-              <a:t>단어 암기기능 제공</a:t>
-            </a:r>
-            <a:endParaRPr lang="en-US" altLang="ko-KR" dirty="0"/>
-          </a:p>
-          <a:p>
-            <a:pPr marL="0" indent="0">
-              <a:buNone/>
-            </a:pPr>
-            <a:endParaRPr lang="en-US" altLang="ko-KR" dirty="0"/>
-          </a:p>
-        </p:txBody>
-      </p:sp>
+      <p:pic>
+        <p:nvPicPr>
+          <p:cNvPr id="3" name="그림 2" descr="스크린샷이(가) 표시된 사진&#10;&#10;자동 생성된 설명">
+            <a:extLst>
+              <a:ext uri="{FF2B5EF4-FFF2-40B4-BE49-F238E27FC236}">
+                <a16:creationId xmlns:a16="http://schemas.microsoft.com/office/drawing/2014/main" id="{89CDC331-E842-4BB4-9335-542EECAFF0D4}"/>
+              </a:ext>
+            </a:extLst>
+          </p:cNvPr>
+          <p:cNvPicPr>
+            <a:picLocks noChangeAspect="1"/>
+          </p:cNvPicPr>
+          <p:nvPr/>
+        </p:nvPicPr>
+        <p:blipFill>
+          <a:blip r:embed="rId2">
+            <a:extLst>
+              <a:ext uri="{28A0092B-C50C-407E-A947-70E740481C1C}">
+                <a14:useLocalDpi xmlns:a14="http://schemas.microsoft.com/office/drawing/2010/main" val="0"/>
+              </a:ext>
+            </a:extLst>
+          </a:blip>
+          <a:stretch>
+            <a:fillRect/>
+          </a:stretch>
+        </p:blipFill>
+        <p:spPr>
+          <a:xfrm>
+            <a:off x="0" y="0"/>
+            <a:ext cx="12192000" cy="6858000"/>
+          </a:xfrm>
+          <a:prstGeom prst="rect">
+            <a:avLst/>
+          </a:prstGeom>
+        </p:spPr>
+      </p:pic>
     </p:spTree>
     <p:extLst>
       <p:ext uri="{BB962C8B-B14F-4D97-AF65-F5344CB8AC3E}">
-        <p14:creationId xmlns:p14="http://schemas.microsoft.com/office/powerpoint/2010/main" val="3074541915"/>
+        <p14:creationId xmlns:p14="http://schemas.microsoft.com/office/powerpoint/2010/main" val="56306647"/>
       </p:ext>
     </p:extLst>
   </p:cSld>
@@ -6893,147 +4014,46 @@
           <a:chExt cx="0" cy="0"/>
         </a:xfrm>
       </p:grpSpPr>
-      <p:sp>
-        <p:nvSpPr>
-          <p:cNvPr id="2" name="제목 1">
-            <a:extLst>
-              <a:ext uri="{FF2B5EF4-FFF2-40B4-BE49-F238E27FC236}">
-                <a16:creationId xmlns:a16="http://schemas.microsoft.com/office/drawing/2014/main" id="{877A6095-20D6-4DCE-ABCB-7FEC48144C1C}"/>
-              </a:ext>
-            </a:extLst>
-          </p:cNvPr>
-          <p:cNvSpPr>
-            <a:spLocks noGrp="1"/>
-          </p:cNvSpPr>
-          <p:nvPr>
-            <p:ph type="title"/>
-          </p:nvPr>
-        </p:nvSpPr>
-        <p:spPr/>
-        <p:txBody>
-          <a:bodyPr/>
-          <a:lstStyle/>
-          <a:p>
-            <a:r>
-              <a:rPr lang="ko-KR" altLang="en-US" dirty="0"/>
-              <a:t>팀원 역할</a:t>
-            </a:r>
-            <a:endParaRPr lang="en-US" dirty="0"/>
-          </a:p>
-        </p:txBody>
-      </p:sp>
-      <p:sp>
-        <p:nvSpPr>
-          <p:cNvPr id="3" name="내용 개체 틀 2">
-            <a:extLst>
-              <a:ext uri="{FF2B5EF4-FFF2-40B4-BE49-F238E27FC236}">
-                <a16:creationId xmlns:a16="http://schemas.microsoft.com/office/drawing/2014/main" id="{20E043FD-7117-4C54-ADCA-B4230BE66BE6}"/>
-              </a:ext>
-            </a:extLst>
-          </p:cNvPr>
-          <p:cNvSpPr>
-            <a:spLocks noGrp="1"/>
-          </p:cNvSpPr>
-          <p:nvPr>
-            <p:ph idx="1"/>
-          </p:nvPr>
-        </p:nvSpPr>
-        <p:spPr/>
-        <p:txBody>
-          <a:bodyPr/>
-          <a:lstStyle/>
-          <a:p>
-            <a:r>
-              <a:rPr lang="ko-KR" altLang="en-US" dirty="0"/>
-              <a:t>이자룡</a:t>
-            </a:r>
-            <a:r>
-              <a:rPr lang="en-US" altLang="ko-KR" dirty="0"/>
-              <a:t>: </a:t>
-            </a:r>
-            <a:r>
-              <a:rPr lang="ko-KR" altLang="en-US" dirty="0"/>
-              <a:t>팀장</a:t>
-            </a:r>
-            <a:r>
-              <a:rPr lang="en-US" altLang="ko-KR" dirty="0"/>
-              <a:t>. </a:t>
-            </a:r>
-            <a:r>
-              <a:rPr lang="ko-KR" altLang="en-US" dirty="0"/>
-              <a:t>클라이언트 개발 </a:t>
-            </a:r>
-            <a:r>
-              <a:rPr lang="en-US" altLang="ko-KR" dirty="0"/>
-              <a:t>- </a:t>
-            </a:r>
-            <a:r>
-              <a:rPr lang="en-US" altLang="ko-KR" dirty="0" err="1"/>
-              <a:t>Vuetify</a:t>
-            </a:r>
-            <a:endParaRPr lang="en-US" altLang="ko-KR" dirty="0"/>
-          </a:p>
-          <a:p>
-            <a:r>
-              <a:rPr lang="ko-KR" altLang="en-US" dirty="0" err="1"/>
-              <a:t>제태경</a:t>
-            </a:r>
-            <a:r>
-              <a:rPr lang="en-US" altLang="ko-KR" dirty="0"/>
-              <a:t>: </a:t>
-            </a:r>
-            <a:r>
-              <a:rPr lang="ko-KR" altLang="en-US" dirty="0"/>
-              <a:t>서버 개발 </a:t>
-            </a:r>
-            <a:r>
-              <a:rPr lang="en-US" altLang="ko-KR" dirty="0"/>
-              <a:t>- PHP</a:t>
-            </a:r>
-          </a:p>
-          <a:p>
-            <a:r>
-              <a:rPr lang="ko-KR" altLang="en-US" dirty="0"/>
-              <a:t>박수진</a:t>
-            </a:r>
-            <a:r>
-              <a:rPr lang="en-US" altLang="ko-KR" dirty="0"/>
-              <a:t>: DB </a:t>
-            </a:r>
-          </a:p>
-          <a:p>
-            <a:r>
-              <a:rPr lang="ko-KR" altLang="en-US" dirty="0"/>
-              <a:t>박명인</a:t>
-            </a:r>
-            <a:r>
-              <a:rPr lang="en-US" altLang="ko-KR" dirty="0"/>
-              <a:t>: </a:t>
-            </a:r>
-            <a:r>
-              <a:rPr lang="ko-KR" altLang="en-US" dirty="0"/>
-              <a:t>디자인 </a:t>
-            </a:r>
-            <a:r>
-              <a:rPr lang="en-US" altLang="ko-KR" dirty="0"/>
-              <a:t>– </a:t>
-            </a:r>
-            <a:r>
-              <a:rPr lang="ko-KR" altLang="en-US" dirty="0"/>
-              <a:t>포토샵 </a:t>
-            </a:r>
-            <a:r>
-              <a:rPr lang="en-US" altLang="ko-KR" dirty="0"/>
-              <a:t>CS2</a:t>
-            </a:r>
-            <a:endParaRPr lang="en-US" dirty="0"/>
-          </a:p>
-        </p:txBody>
-      </p:sp>
+      <p:pic>
+        <p:nvPicPr>
+          <p:cNvPr id="3" name="그림 2" descr="스크린샷이(가) 표시된 사진&#10;&#10;자동 생성된 설명">
+            <a:extLst>
+              <a:ext uri="{FF2B5EF4-FFF2-40B4-BE49-F238E27FC236}">
+                <a16:creationId xmlns:a16="http://schemas.microsoft.com/office/drawing/2014/main" id="{FB79F233-0DAD-47F0-8F65-E9B37B9DEC8B}"/>
+              </a:ext>
+            </a:extLst>
+          </p:cNvPr>
+          <p:cNvPicPr>
+            <a:picLocks noChangeAspect="1"/>
+          </p:cNvPicPr>
+          <p:nvPr/>
+        </p:nvPicPr>
+        <p:blipFill>
+          <a:blip r:embed="rId2">
+            <a:extLst>
+              <a:ext uri="{28A0092B-C50C-407E-A947-70E740481C1C}">
+                <a14:useLocalDpi xmlns:a14="http://schemas.microsoft.com/office/drawing/2010/main" val="0"/>
+              </a:ext>
+            </a:extLst>
+          </a:blip>
+          <a:stretch>
+            <a:fillRect/>
+          </a:stretch>
+        </p:blipFill>
+        <p:spPr>
+          <a:xfrm>
+            <a:off x="0" y="0"/>
+            <a:ext cx="12192000" cy="6858000"/>
+          </a:xfrm>
+          <a:prstGeom prst="rect">
+            <a:avLst/>
+          </a:prstGeom>
+        </p:spPr>
+      </p:pic>
     </p:spTree>
     <p:extLst>
       <p:ext uri="{BB962C8B-B14F-4D97-AF65-F5344CB8AC3E}">
-        <p14:creationId xmlns:p14="http://schemas.microsoft.com/office/powerpoint/2010/main" val="1474074002"/>
+        <p14:creationId xmlns:p14="http://schemas.microsoft.com/office/powerpoint/2010/main" val="2366926948"/>
       </p:ext>
     </p:extLst>
   </p:cSld>
@@ -7060,54 +4080,19 @@
           <a:chExt cx="0" cy="0"/>
         </a:xfrm>
       </p:grpSpPr>
-      <p:sp>
-        <p:nvSpPr>
-          <p:cNvPr id="2" name="제목 1">
-            <a:extLst>
-              <a:ext uri="{FF2B5EF4-FFF2-40B4-BE49-F238E27FC236}">
-                <a16:creationId xmlns:a16="http://schemas.microsoft.com/office/drawing/2014/main" id="{11548D8A-E3AF-4B06-92C8-61EA4AC7DEB0}"/>
-              </a:ext>
-            </a:extLst>
-          </p:cNvPr>
-          <p:cNvSpPr>
-            <a:spLocks noGrp="1"/>
-          </p:cNvSpPr>
-          <p:nvPr>
-            <p:ph type="title"/>
-          </p:nvPr>
-        </p:nvSpPr>
-        <p:spPr/>
-        <p:txBody>
-          <a:bodyPr/>
-          <a:lstStyle/>
-          <a:p>
-            <a:r>
-              <a:rPr lang="en-US" dirty="0"/>
-              <a:t>SW </a:t>
-            </a:r>
-            <a:r>
-              <a:rPr lang="ko-KR" altLang="en-US" dirty="0"/>
-              <a:t>시스템 구성도</a:t>
-            </a:r>
-            <a:endParaRPr lang="en-US" dirty="0"/>
-          </a:p>
-        </p:txBody>
-      </p:sp>
       <p:pic>
         <p:nvPicPr>
-          <p:cNvPr id="1026" name="Picture 2">
-            <a:extLst>
-              <a:ext uri="{FF2B5EF4-FFF2-40B4-BE49-F238E27FC236}">
-                <a16:creationId xmlns:a16="http://schemas.microsoft.com/office/drawing/2014/main" id="{0AEC525D-0732-4AF2-95B7-8A41DD8204E5}"/>
+          <p:cNvPr id="3" name="그림 2" descr="스크린샷이(가) 표시된 사진&#10;&#10;자동 생성된 설명">
+            <a:extLst>
+              <a:ext uri="{FF2B5EF4-FFF2-40B4-BE49-F238E27FC236}">
+                <a16:creationId xmlns:a16="http://schemas.microsoft.com/office/drawing/2014/main" id="{672441F1-5358-45A6-9639-68CB14A7B4FB}"/>
               </a:ext>
             </a:extLst>
           </p:cNvPr>
           <p:cNvPicPr>
-            <a:picLocks noGrp="1" noChangeAspect="1" noChangeArrowheads="1"/>
+            <a:picLocks noChangeAspect="1"/>
           </p:cNvPicPr>
-          <p:nvPr>
-            <p:ph idx="1"/>
-          </p:nvPr>
+          <p:nvPr/>
         </p:nvPicPr>
         <p:blipFill>
           <a:blip r:embed="rId2">
@@ -7117,35 +4102,24 @@
               </a:ext>
             </a:extLst>
           </a:blip>
-          <a:srcRect/>
           <a:stretch>
             <a:fillRect/>
           </a:stretch>
         </p:blipFill>
-        <p:spPr bwMode="auto">
+        <p:spPr>
           <a:xfrm>
-            <a:off x="838200" y="1387475"/>
-            <a:ext cx="10172700" cy="5204280"/>
+            <a:off x="0" y="0"/>
+            <a:ext cx="12192000" cy="6858000"/>
           </a:xfrm>
           <a:prstGeom prst="rect">
             <a:avLst/>
           </a:prstGeom>
-          <a:noFill/>
-          <a:extLst>
-            <a:ext uri="{909E8E84-426E-40DD-AFC4-6F175D3DCCD1}">
-              <a14:hiddenFill xmlns:a14="http://schemas.microsoft.com/office/drawing/2010/main">
-                <a:solidFill>
-                  <a:srgbClr val="FFFFFF"/>
-                </a:solidFill>
-              </a14:hiddenFill>
-            </a:ext>
-          </a:extLst>
         </p:spPr>
       </p:pic>
     </p:spTree>
     <p:extLst>
       <p:ext uri="{BB962C8B-B14F-4D97-AF65-F5344CB8AC3E}">
-        <p14:creationId xmlns:p14="http://schemas.microsoft.com/office/powerpoint/2010/main" val="1418689806"/>
+        <p14:creationId xmlns:p14="http://schemas.microsoft.com/office/powerpoint/2010/main" val="832167048"/>
       </p:ext>
     </p:extLst>
   </p:cSld>
@@ -7172,46 +4146,17 @@
           <a:chExt cx="0" cy="0"/>
         </a:xfrm>
       </p:grpSpPr>
-      <p:sp>
-        <p:nvSpPr>
-          <p:cNvPr id="2" name="제목 1">
-            <a:extLst>
-              <a:ext uri="{FF2B5EF4-FFF2-40B4-BE49-F238E27FC236}">
-                <a16:creationId xmlns:a16="http://schemas.microsoft.com/office/drawing/2014/main" id="{81DB30A8-4B71-41AC-A5FA-3E7CE04366F1}"/>
-              </a:ext>
-            </a:extLst>
-          </p:cNvPr>
-          <p:cNvSpPr>
-            <a:spLocks noGrp="1"/>
-          </p:cNvSpPr>
-          <p:nvPr>
-            <p:ph type="title"/>
-          </p:nvPr>
-        </p:nvSpPr>
-        <p:spPr/>
-        <p:txBody>
-          <a:bodyPr/>
-          <a:lstStyle/>
-          <a:p>
-            <a:r>
-              <a:rPr lang="ko-KR" altLang="en-US" dirty="0"/>
-              <a:t>기능 구성도</a:t>
-            </a:r>
-            <a:endParaRPr lang="en-US" dirty="0"/>
-          </a:p>
-        </p:txBody>
-      </p:sp>
       <p:pic>
         <p:nvPicPr>
-          <p:cNvPr id="2050" name="Picture 2">
-            <a:extLst>
-              <a:ext uri="{FF2B5EF4-FFF2-40B4-BE49-F238E27FC236}">
-                <a16:creationId xmlns:a16="http://schemas.microsoft.com/office/drawing/2014/main" id="{3102D7B6-C0B3-4EF6-AD8A-5093C6EE92FB}"/>
+          <p:cNvPr id="3" name="그림 2" descr="스크린샷, 텍스트이(가) 표시된 사진&#10;&#10;자동 생성된 설명">
+            <a:extLst>
+              <a:ext uri="{FF2B5EF4-FFF2-40B4-BE49-F238E27FC236}">
+                <a16:creationId xmlns:a16="http://schemas.microsoft.com/office/drawing/2014/main" id="{AA4557C4-DCDB-4183-9D26-1F9485CA5809}"/>
               </a:ext>
             </a:extLst>
           </p:cNvPr>
           <p:cNvPicPr>
-            <a:picLocks noChangeAspect="1" noChangeArrowheads="1"/>
+            <a:picLocks noChangeAspect="1"/>
           </p:cNvPicPr>
           <p:nvPr/>
         </p:nvPicPr>
@@ -7223,35 +4168,24 @@
               </a:ext>
             </a:extLst>
           </a:blip>
-          <a:srcRect/>
           <a:stretch>
             <a:fillRect/>
           </a:stretch>
         </p:blipFill>
-        <p:spPr bwMode="auto">
-          <a:xfrm rot="16200000">
-            <a:off x="3450631" y="-1498006"/>
-            <a:ext cx="5357416" cy="11191878"/>
+        <p:spPr>
+          <a:xfrm>
+            <a:off x="0" y="0"/>
+            <a:ext cx="12192000" cy="6858000"/>
           </a:xfrm>
           <a:prstGeom prst="rect">
             <a:avLst/>
           </a:prstGeom>
-          <a:noFill/>
-          <a:extLst>
-            <a:ext uri="{909E8E84-426E-40DD-AFC4-6F175D3DCCD1}">
-              <a14:hiddenFill xmlns:a14="http://schemas.microsoft.com/office/drawing/2010/main">
-                <a:solidFill>
-                  <a:srgbClr val="FFFFFF"/>
-                </a:solidFill>
-              </a14:hiddenFill>
-            </a:ext>
-          </a:extLst>
         </p:spPr>
       </p:pic>
     </p:spTree>
     <p:extLst>
       <p:ext uri="{BB962C8B-B14F-4D97-AF65-F5344CB8AC3E}">
-        <p14:creationId xmlns:p14="http://schemas.microsoft.com/office/powerpoint/2010/main" val="3014276918"/>
+        <p14:creationId xmlns:p14="http://schemas.microsoft.com/office/powerpoint/2010/main" val="2478192385"/>
       </p:ext>
     </p:extLst>
   </p:cSld>
